--- a/Video Ver1/Video PPT/5. File System vs DBMS.pptx
+++ b/Video Ver1/Video PPT/5. File System vs DBMS.pptx
@@ -5,15 +5,17 @@
     <p:sldMasterId id="2147483648" r:id="rId1"/>
   </p:sldMasterIdLst>
   <p:notesMasterIdLst>
-    <p:notesMasterId r:id="rId8"/>
+    <p:notesMasterId r:id="rId10"/>
   </p:notesMasterIdLst>
   <p:sldIdLst>
     <p:sldId id="1195" r:id="rId2"/>
     <p:sldId id="1196" r:id="rId3"/>
-    <p:sldId id="1197" r:id="rId4"/>
+    <p:sldId id="1202" r:id="rId4"/>
     <p:sldId id="1200" r:id="rId5"/>
-    <p:sldId id="1201" r:id="rId6"/>
-    <p:sldId id="1198" r:id="rId7"/>
+    <p:sldId id="1203" r:id="rId6"/>
+    <p:sldId id="1204" r:id="rId7"/>
+    <p:sldId id="1201" r:id="rId8"/>
+    <p:sldId id="1198" r:id="rId9"/>
   </p:sldIdLst>
   <p:sldSz cx="12190413" cy="6858000"/>
   <p:notesSz cx="6858000" cy="9144000"/>
@@ -114,648 +116,47 @@
   </p:defaultTextStyle>
   <p:extLst>
     <p:ext uri="{521415D9-36F7-43E2-AB2F-B90AF26B5E84}">
-      <p14:sectionLst xmlns:p14="http://schemas.microsoft.com/office/powerpoint/2010/main" xmlns="">
+      <p14:sectionLst xmlns:p14="http://schemas.microsoft.com/office/powerpoint/2010/main">
         <p14:section name="Introduction" id="{A3D14946-8297-4856-B082-4FEFA482017C}">
           <p14:sldIdLst>
-            <p14:sldId id="282"/>
-            <p14:sldId id="257"/>
-            <p14:sldId id="1096"/>
-            <p14:sldId id="1098"/>
-            <p14:sldId id="1093"/>
-            <p14:sldId id="1094"/>
-            <p14:sldId id="1095"/>
-            <p14:sldId id="262"/>
-            <p14:sldId id="1082"/>
-            <p14:sldId id="1099"/>
-            <p14:sldId id="266"/>
-            <p14:sldId id="1100"/>
-            <p14:sldId id="1085"/>
-            <p14:sldId id="1083"/>
-            <p14:sldId id="1070"/>
-            <p14:sldId id="269"/>
-            <p14:sldId id="270"/>
-            <p14:sldId id="271"/>
-            <p14:sldId id="267"/>
-            <p14:sldId id="272"/>
-            <p14:sldId id="273"/>
+            <p14:sldId id="1195"/>
+            <p14:sldId id="1196"/>
+            <p14:sldId id="1202"/>
+            <p14:sldId id="1200"/>
+            <p14:sldId id="1203"/>
+            <p14:sldId id="1204"/>
+            <p14:sldId id="1201"/>
+            <p14:sldId id="1198"/>
           </p14:sldIdLst>
         </p14:section>
         <p14:section name="Data Defination Language" id="{347E00EC-A70B-42D3-B55A-27753B89E162}">
-          <p14:sldIdLst>
-            <p14:sldId id="283"/>
-            <p14:sldId id="274"/>
-            <p14:sldId id="275"/>
-            <p14:sldId id="276"/>
-            <p14:sldId id="285"/>
-            <p14:sldId id="286"/>
-            <p14:sldId id="289"/>
-            <p14:sldId id="290"/>
-            <p14:sldId id="291"/>
-            <p14:sldId id="866"/>
-            <p14:sldId id="292"/>
-            <p14:sldId id="293"/>
-            <p14:sldId id="294"/>
-            <p14:sldId id="295"/>
-            <p14:sldId id="296"/>
-            <p14:sldId id="297"/>
-            <p14:sldId id="298"/>
-            <p14:sldId id="300"/>
-            <p14:sldId id="301"/>
-            <p14:sldId id="302"/>
-            <p14:sldId id="1104"/>
-            <p14:sldId id="1147"/>
-            <p14:sldId id="1150"/>
-            <p14:sldId id="305"/>
-            <p14:sldId id="1151"/>
-            <p14:sldId id="306"/>
-            <p14:sldId id="307"/>
-            <p14:sldId id="308"/>
-            <p14:sldId id="1105"/>
-            <p14:sldId id="1148"/>
-            <p14:sldId id="1152"/>
-            <p14:sldId id="311"/>
-            <p14:sldId id="1153"/>
-            <p14:sldId id="312"/>
-            <p14:sldId id="313"/>
-            <p14:sldId id="314"/>
-            <p14:sldId id="315"/>
-            <p14:sldId id="316"/>
-            <p14:sldId id="1158"/>
-            <p14:sldId id="1156"/>
-            <p14:sldId id="1109"/>
-            <p14:sldId id="1157"/>
-            <p14:sldId id="1110"/>
-            <p14:sldId id="319"/>
-            <p14:sldId id="847"/>
-            <p14:sldId id="320"/>
-            <p14:sldId id="1149"/>
-            <p14:sldId id="1111"/>
-            <p14:sldId id="1154"/>
-            <p14:sldId id="1107"/>
-            <p14:sldId id="1155"/>
-            <p14:sldId id="1108"/>
-            <p14:sldId id="1106"/>
-            <p14:sldId id="321"/>
-            <p14:sldId id="322"/>
-            <p14:sldId id="323"/>
-            <p14:sldId id="324"/>
-            <p14:sldId id="325"/>
-            <p14:sldId id="326"/>
-            <p14:sldId id="327"/>
-            <p14:sldId id="328"/>
-            <p14:sldId id="329"/>
-            <p14:sldId id="330"/>
-            <p14:sldId id="848"/>
-            <p14:sldId id="849"/>
-            <p14:sldId id="851"/>
-            <p14:sldId id="331"/>
-            <p14:sldId id="1144"/>
-            <p14:sldId id="336"/>
-            <p14:sldId id="852"/>
-            <p14:sldId id="334"/>
-            <p14:sldId id="337"/>
-            <p14:sldId id="338"/>
-            <p14:sldId id="339"/>
-            <p14:sldId id="1159"/>
-            <p14:sldId id="1163"/>
-            <p14:sldId id="1160"/>
-            <p14:sldId id="1164"/>
-            <p14:sldId id="1161"/>
-            <p14:sldId id="1165"/>
-            <p14:sldId id="1167"/>
-            <p14:sldId id="1162"/>
-            <p14:sldId id="1166"/>
-            <p14:sldId id="1140"/>
-            <p14:sldId id="340"/>
-            <p14:sldId id="341"/>
-            <p14:sldId id="342"/>
-            <p14:sldId id="343"/>
-            <p14:sldId id="344"/>
-            <p14:sldId id="345"/>
-            <p14:sldId id="346"/>
-            <p14:sldId id="347"/>
-            <p14:sldId id="348"/>
-            <p14:sldId id="349"/>
-            <p14:sldId id="350"/>
-            <p14:sldId id="351"/>
-            <p14:sldId id="352"/>
-            <p14:sldId id="1079"/>
-            <p14:sldId id="1080"/>
-            <p14:sldId id="353"/>
-            <p14:sldId id="354"/>
-            <p14:sldId id="355"/>
-            <p14:sldId id="356"/>
-            <p14:sldId id="357"/>
-            <p14:sldId id="358"/>
-            <p14:sldId id="359"/>
-            <p14:sldId id="360"/>
-            <p14:sldId id="361"/>
-            <p14:sldId id="1131"/>
-            <p14:sldId id="362"/>
-            <p14:sldId id="365"/>
-            <p14:sldId id="366"/>
-          </p14:sldIdLst>
+          <p14:sldIdLst/>
         </p14:section>
         <p14:section name="Data Manuplation Language" id="{DABA1552-33D0-4262-A930-69DA7CCB6843}">
-          <p14:sldIdLst>
-            <p14:sldId id="367"/>
-            <p14:sldId id="368"/>
-            <p14:sldId id="369"/>
-            <p14:sldId id="371"/>
-            <p14:sldId id="1126"/>
-            <p14:sldId id="372"/>
-            <p14:sldId id="1125"/>
-            <p14:sldId id="373"/>
-            <p14:sldId id="374"/>
-            <p14:sldId id="375"/>
-            <p14:sldId id="376"/>
-            <p14:sldId id="377"/>
-            <p14:sldId id="380"/>
-            <p14:sldId id="381"/>
-            <p14:sldId id="382"/>
-            <p14:sldId id="383"/>
-            <p14:sldId id="1081"/>
-            <p14:sldId id="384"/>
-            <p14:sldId id="385"/>
-            <p14:sldId id="386"/>
-            <p14:sldId id="387"/>
-            <p14:sldId id="388"/>
-            <p14:sldId id="389"/>
-            <p14:sldId id="390"/>
-            <p14:sldId id="391"/>
-            <p14:sldId id="853"/>
-            <p14:sldId id="1102"/>
-            <p14:sldId id="855"/>
-            <p14:sldId id="856"/>
-            <p14:sldId id="857"/>
-            <p14:sldId id="858"/>
-            <p14:sldId id="393"/>
-            <p14:sldId id="394"/>
-            <p14:sldId id="395"/>
-            <p14:sldId id="397"/>
-            <p14:sldId id="398"/>
-            <p14:sldId id="402"/>
-            <p14:sldId id="403"/>
-            <p14:sldId id="404"/>
-            <p14:sldId id="405"/>
-            <p14:sldId id="406"/>
-            <p14:sldId id="413"/>
-            <p14:sldId id="414"/>
-            <p14:sldId id="415"/>
-            <p14:sldId id="416"/>
-            <p14:sldId id="417"/>
-            <p14:sldId id="418"/>
-            <p14:sldId id="419"/>
-            <p14:sldId id="420"/>
-            <p14:sldId id="421"/>
-            <p14:sldId id="1113"/>
-            <p14:sldId id="1042"/>
-            <p14:sldId id="1114"/>
-            <p14:sldId id="1127"/>
-            <p14:sldId id="1115"/>
-            <p14:sldId id="1116"/>
-            <p14:sldId id="428"/>
-            <p14:sldId id="429"/>
-            <p14:sldId id="1128"/>
-            <p14:sldId id="430"/>
-            <p14:sldId id="431"/>
-            <p14:sldId id="434"/>
-            <p14:sldId id="435"/>
-            <p14:sldId id="436"/>
-            <p14:sldId id="437"/>
-            <p14:sldId id="438"/>
-            <p14:sldId id="443"/>
-            <p14:sldId id="445"/>
-            <p14:sldId id="446"/>
-            <p14:sldId id="440"/>
-            <p14:sldId id="441"/>
-            <p14:sldId id="442"/>
-            <p14:sldId id="453"/>
-            <p14:sldId id="454"/>
-            <p14:sldId id="455"/>
-            <p14:sldId id="456"/>
-            <p14:sldId id="457"/>
-            <p14:sldId id="458"/>
-            <p14:sldId id="459"/>
-            <p14:sldId id="460"/>
-            <p14:sldId id="461"/>
-            <p14:sldId id="462"/>
-            <p14:sldId id="463"/>
-            <p14:sldId id="464"/>
-            <p14:sldId id="467"/>
-            <p14:sldId id="468"/>
-            <p14:sldId id="469"/>
-            <p14:sldId id="470"/>
-            <p14:sldId id="471"/>
-            <p14:sldId id="472"/>
-            <p14:sldId id="473"/>
-            <p14:sldId id="477"/>
-            <p14:sldId id="478"/>
-            <p14:sldId id="479"/>
-            <p14:sldId id="480"/>
-            <p14:sldId id="481"/>
-            <p14:sldId id="482"/>
-            <p14:sldId id="483"/>
-            <p14:sldId id="484"/>
-            <p14:sldId id="485"/>
-            <p14:sldId id="486"/>
-            <p14:sldId id="487"/>
-            <p14:sldId id="488"/>
-            <p14:sldId id="489"/>
-            <p14:sldId id="490"/>
-            <p14:sldId id="491"/>
-            <p14:sldId id="492"/>
-            <p14:sldId id="493"/>
-            <p14:sldId id="494"/>
-            <p14:sldId id="495"/>
-            <p14:sldId id="496"/>
-            <p14:sldId id="497"/>
-            <p14:sldId id="498"/>
-            <p14:sldId id="499"/>
-            <p14:sldId id="500"/>
-            <p14:sldId id="501"/>
-            <p14:sldId id="502"/>
-            <p14:sldId id="504"/>
-            <p14:sldId id="505"/>
-            <p14:sldId id="506"/>
-            <p14:sldId id="507"/>
-            <p14:sldId id="508"/>
-            <p14:sldId id="509"/>
-            <p14:sldId id="510"/>
-            <p14:sldId id="511"/>
-            <p14:sldId id="512"/>
-            <p14:sldId id="513"/>
-            <p14:sldId id="514"/>
-            <p14:sldId id="515"/>
-            <p14:sldId id="516"/>
-            <p14:sldId id="517"/>
-            <p14:sldId id="518"/>
-            <p14:sldId id="519"/>
-            <p14:sldId id="520"/>
-            <p14:sldId id="521"/>
-            <p14:sldId id="522"/>
-            <p14:sldId id="523"/>
-            <p14:sldId id="1123"/>
-            <p14:sldId id="524"/>
-            <p14:sldId id="1124"/>
-            <p14:sldId id="525"/>
-            <p14:sldId id="526"/>
-            <p14:sldId id="527"/>
-            <p14:sldId id="1122"/>
-            <p14:sldId id="529"/>
-            <p14:sldId id="530"/>
-            <p14:sldId id="531"/>
-            <p14:sldId id="532"/>
-            <p14:sldId id="533"/>
-            <p14:sldId id="534"/>
-            <p14:sldId id="535"/>
-            <p14:sldId id="536"/>
-            <p14:sldId id="537"/>
-            <p14:sldId id="538"/>
-            <p14:sldId id="539"/>
-            <p14:sldId id="540"/>
-            <p14:sldId id="541"/>
-            <p14:sldId id="542"/>
-            <p14:sldId id="543"/>
-            <p14:sldId id="1121"/>
-            <p14:sldId id="544"/>
-            <p14:sldId id="545"/>
-            <p14:sldId id="546"/>
-            <p14:sldId id="547"/>
-            <p14:sldId id="548"/>
-            <p14:sldId id="549"/>
-            <p14:sldId id="550"/>
-            <p14:sldId id="551"/>
-            <p14:sldId id="552"/>
-            <p14:sldId id="553"/>
-            <p14:sldId id="554"/>
-            <p14:sldId id="555"/>
-            <p14:sldId id="556"/>
-            <p14:sldId id="557"/>
-            <p14:sldId id="558"/>
-          </p14:sldIdLst>
+          <p14:sldIdLst/>
         </p14:section>
         <p14:section name="Theory Section" id="{34884AC8-2BB3-410A-B367-3356E05FE22B}">
-          <p14:sldIdLst>
-            <p14:sldId id="618"/>
-            <p14:sldId id="563"/>
-            <p14:sldId id="564"/>
-            <p14:sldId id="565"/>
-            <p14:sldId id="566"/>
-            <p14:sldId id="567"/>
-            <p14:sldId id="570"/>
-            <p14:sldId id="571"/>
-            <p14:sldId id="572"/>
-            <p14:sldId id="573"/>
-            <p14:sldId id="574"/>
-            <p14:sldId id="575"/>
-            <p14:sldId id="576"/>
-            <p14:sldId id="577"/>
-            <p14:sldId id="578"/>
-            <p14:sldId id="579"/>
-            <p14:sldId id="580"/>
-            <p14:sldId id="581"/>
-            <p14:sldId id="582"/>
-            <p14:sldId id="583"/>
-            <p14:sldId id="584"/>
-            <p14:sldId id="585"/>
-            <p14:sldId id="586"/>
-            <p14:sldId id="587"/>
-            <p14:sldId id="588"/>
-            <p14:sldId id="589"/>
-            <p14:sldId id="590"/>
-            <p14:sldId id="1141"/>
-            <p14:sldId id="591"/>
-            <p14:sldId id="1142"/>
-            <p14:sldId id="592"/>
-            <p14:sldId id="593"/>
-            <p14:sldId id="1143"/>
-            <p14:sldId id="594"/>
-            <p14:sldId id="595"/>
-            <p14:sldId id="596"/>
-            <p14:sldId id="597"/>
-            <p14:sldId id="598"/>
-            <p14:sldId id="599"/>
-            <p14:sldId id="602"/>
-            <p14:sldId id="603"/>
-            <p14:sldId id="604"/>
-            <p14:sldId id="605"/>
-            <p14:sldId id="606"/>
-            <p14:sldId id="607"/>
-          </p14:sldIdLst>
+          <p14:sldIdLst/>
         </p14:section>
         <p14:section name="Normatization" id="{EF0E5AD4-5FD4-4F19-A19E-E102405AA098}">
-          <p14:sldIdLst>
-            <p14:sldId id="619"/>
-            <p14:sldId id="620"/>
-            <p14:sldId id="621"/>
-            <p14:sldId id="622"/>
-            <p14:sldId id="623"/>
-            <p14:sldId id="624"/>
-            <p14:sldId id="625"/>
-            <p14:sldId id="626"/>
-            <p14:sldId id="627"/>
-            <p14:sldId id="628"/>
-            <p14:sldId id="629"/>
-            <p14:sldId id="630"/>
-            <p14:sldId id="631"/>
-            <p14:sldId id="860"/>
-            <p14:sldId id="861"/>
-            <p14:sldId id="862"/>
-            <p14:sldId id="632"/>
-            <p14:sldId id="633"/>
-            <p14:sldId id="634"/>
-            <p14:sldId id="1086"/>
-            <p14:sldId id="635"/>
-            <p14:sldId id="1087"/>
-            <p14:sldId id="636"/>
-            <p14:sldId id="637"/>
-            <p14:sldId id="1088"/>
-            <p14:sldId id="638"/>
-            <p14:sldId id="639"/>
-            <p14:sldId id="640"/>
-            <p14:sldId id="641"/>
-          </p14:sldIdLst>
+          <p14:sldIdLst/>
         </p14:section>
         <p14:section name="Stored Procedure and Function" id="{B62913B0-EC9F-4436-BEDC-4DCBF9A2B3AB}">
-          <p14:sldIdLst>
-            <p14:sldId id="642"/>
-            <p14:sldId id="643"/>
-            <p14:sldId id="644"/>
-            <p14:sldId id="645"/>
-            <p14:sldId id="646"/>
-            <p14:sldId id="647"/>
-            <p14:sldId id="648"/>
-            <p14:sldId id="649"/>
-            <p14:sldId id="650"/>
-            <p14:sldId id="651"/>
-            <p14:sldId id="652"/>
-            <p14:sldId id="653"/>
-            <p14:sldId id="654"/>
-            <p14:sldId id="655"/>
-            <p14:sldId id="656"/>
-            <p14:sldId id="657"/>
-            <p14:sldId id="658"/>
-            <p14:sldId id="669"/>
-            <p14:sldId id="670"/>
-            <p14:sldId id="1139"/>
-            <p14:sldId id="661"/>
-            <p14:sldId id="662"/>
-            <p14:sldId id="663"/>
-            <p14:sldId id="1132"/>
-            <p14:sldId id="668"/>
-            <p14:sldId id="672"/>
-            <p14:sldId id="673"/>
-            <p14:sldId id="1136"/>
-            <p14:sldId id="1137"/>
-            <p14:sldId id="1138"/>
-            <p14:sldId id="675"/>
-            <p14:sldId id="676"/>
-            <p14:sldId id="677"/>
-            <p14:sldId id="678"/>
-            <p14:sldId id="679"/>
-            <p14:sldId id="680"/>
-          </p14:sldIdLst>
+          <p14:sldIdLst/>
         </p14:section>
         <p14:section name="Triggers" id="{43413A11-6D7B-4E6D-B88B-1C10283CD29F}">
-          <p14:sldIdLst>
-            <p14:sldId id="681"/>
-            <p14:sldId id="682"/>
-            <p14:sldId id="683"/>
-            <p14:sldId id="684"/>
-            <p14:sldId id="686"/>
-            <p14:sldId id="688"/>
-            <p14:sldId id="1133"/>
-            <p14:sldId id="692"/>
-            <p14:sldId id="1134"/>
-            <p14:sldId id="1135"/>
-            <p14:sldId id="689"/>
-            <p14:sldId id="690"/>
-            <p14:sldId id="691"/>
-            <p14:sldId id="693"/>
-            <p14:sldId id="694"/>
-            <p14:sldId id="695"/>
-            <p14:sldId id="696"/>
-            <p14:sldId id="697"/>
-            <p14:sldId id="698"/>
-          </p14:sldIdLst>
+          <p14:sldIdLst/>
         </p14:section>
         <p14:section name="NoSQL" id="{043CF6B2-E975-4043-812B-33699AD3D23F}">
-          <p14:sldIdLst>
-            <p14:sldId id="699"/>
-            <p14:sldId id="700"/>
-            <p14:sldId id="707"/>
-            <p14:sldId id="701"/>
-            <p14:sldId id="702"/>
-            <p14:sldId id="703"/>
-            <p14:sldId id="704"/>
-            <p14:sldId id="1130"/>
-            <p14:sldId id="705"/>
-            <p14:sldId id="708"/>
-            <p14:sldId id="1089"/>
-            <p14:sldId id="864"/>
-            <p14:sldId id="709"/>
-            <p14:sldId id="710"/>
-            <p14:sldId id="711"/>
-            <p14:sldId id="712"/>
-            <p14:sldId id="713"/>
-            <p14:sldId id="714"/>
-            <p14:sldId id="715"/>
-            <p14:sldId id="716"/>
-            <p14:sldId id="717"/>
-            <p14:sldId id="718"/>
-            <p14:sldId id="719"/>
-            <p14:sldId id="720"/>
-            <p14:sldId id="721"/>
-            <p14:sldId id="722"/>
-            <p14:sldId id="723"/>
-            <p14:sldId id="724"/>
-            <p14:sldId id="725"/>
-            <p14:sldId id="726"/>
-            <p14:sldId id="727"/>
-            <p14:sldId id="728"/>
-            <p14:sldId id="729"/>
-            <p14:sldId id="730"/>
-            <p14:sldId id="731"/>
-            <p14:sldId id="732"/>
-            <p14:sldId id="733"/>
-            <p14:sldId id="734"/>
-            <p14:sldId id="735"/>
-            <p14:sldId id="736"/>
-            <p14:sldId id="737"/>
-            <p14:sldId id="738"/>
-            <p14:sldId id="739"/>
-            <p14:sldId id="740"/>
-            <p14:sldId id="741"/>
-            <p14:sldId id="742"/>
-            <p14:sldId id="743"/>
-            <p14:sldId id="744"/>
-            <p14:sldId id="745"/>
-            <p14:sldId id="746"/>
-            <p14:sldId id="747"/>
-            <p14:sldId id="748"/>
-            <p14:sldId id="749"/>
-            <p14:sldId id="750"/>
-            <p14:sldId id="751"/>
-            <p14:sldId id="752"/>
-            <p14:sldId id="753"/>
-            <p14:sldId id="754"/>
-            <p14:sldId id="755"/>
-            <p14:sldId id="756"/>
-            <p14:sldId id="757"/>
-            <p14:sldId id="758"/>
-            <p14:sldId id="759"/>
-            <p14:sldId id="760"/>
-            <p14:sldId id="761"/>
-            <p14:sldId id="762"/>
-            <p14:sldId id="763"/>
-            <p14:sldId id="764"/>
-            <p14:sldId id="765"/>
-            <p14:sldId id="766"/>
-            <p14:sldId id="767"/>
-            <p14:sldId id="768"/>
-            <p14:sldId id="769"/>
-            <p14:sldId id="770"/>
-            <p14:sldId id="771"/>
-            <p14:sldId id="772"/>
-            <p14:sldId id="773"/>
-            <p14:sldId id="774"/>
-            <p14:sldId id="775"/>
-            <p14:sldId id="776"/>
-            <p14:sldId id="777"/>
-            <p14:sldId id="778"/>
-            <p14:sldId id="779"/>
-            <p14:sldId id="780"/>
-            <p14:sldId id="781"/>
-            <p14:sldId id="782"/>
-            <p14:sldId id="783"/>
-            <p14:sldId id="784"/>
-            <p14:sldId id="785"/>
-            <p14:sldId id="786"/>
-            <p14:sldId id="787"/>
-            <p14:sldId id="788"/>
-            <p14:sldId id="789"/>
-            <p14:sldId id="790"/>
-            <p14:sldId id="791"/>
-            <p14:sldId id="792"/>
-            <p14:sldId id="793"/>
-            <p14:sldId id="794"/>
-            <p14:sldId id="795"/>
-            <p14:sldId id="796"/>
-            <p14:sldId id="797"/>
-            <p14:sldId id="798"/>
-            <p14:sldId id="799"/>
-            <p14:sldId id="800"/>
-            <p14:sldId id="801"/>
-            <p14:sldId id="802"/>
-            <p14:sldId id="803"/>
-            <p14:sldId id="804"/>
-            <p14:sldId id="805"/>
-            <p14:sldId id="806"/>
-            <p14:sldId id="807"/>
-            <p14:sldId id="808"/>
-            <p14:sldId id="809"/>
-            <p14:sldId id="810"/>
-            <p14:sldId id="811"/>
-            <p14:sldId id="812"/>
-            <p14:sldId id="813"/>
-            <p14:sldId id="814"/>
-            <p14:sldId id="815"/>
-            <p14:sldId id="816"/>
-            <p14:sldId id="817"/>
-            <p14:sldId id="818"/>
-            <p14:sldId id="819"/>
-            <p14:sldId id="820"/>
-            <p14:sldId id="821"/>
-            <p14:sldId id="822"/>
-            <p14:sldId id="823"/>
-            <p14:sldId id="824"/>
-            <p14:sldId id="825"/>
-            <p14:sldId id="826"/>
-            <p14:sldId id="827"/>
-            <p14:sldId id="828"/>
-            <p14:sldId id="829"/>
-            <p14:sldId id="830"/>
-            <p14:sldId id="831"/>
-            <p14:sldId id="832"/>
-            <p14:sldId id="833"/>
-            <p14:sldId id="834"/>
-            <p14:sldId id="835"/>
-            <p14:sldId id="836"/>
-            <p14:sldId id="837"/>
-            <p14:sldId id="838"/>
-            <p14:sldId id="839"/>
-            <p14:sldId id="840"/>
-            <p14:sldId id="841"/>
-          </p14:sldIdLst>
+          <p14:sldIdLst/>
         </p14:section>
         <p14:section name="Big Data" id="{714FF753-78D3-4CFC-AD17-400810612444}">
-          <p14:sldIdLst>
-            <p14:sldId id="842"/>
-            <p14:sldId id="843"/>
-            <p14:sldId id="844"/>
-            <p14:sldId id="845"/>
-            <p14:sldId id="863"/>
-            <p14:sldId id="865"/>
-            <p14:sldId id="846"/>
-            <p14:sldId id="503"/>
-            <p14:sldId id="1101"/>
-            <p14:sldId id="1118"/>
-            <p14:sldId id="1120"/>
-            <p14:sldId id="1171"/>
-            <p14:sldId id="1170"/>
-            <p14:sldId id="1169"/>
-            <p14:sldId id="1168"/>
-            <p14:sldId id="1172"/>
-            <p14:sldId id="1173"/>
-            <p14:sldId id="1174"/>
-            <p14:sldId id="1175"/>
-          </p14:sldIdLst>
+          <p14:sldIdLst/>
         </p14:section>
       </p14:sectionLst>
     </p:ext>
     <p:ext uri="{EFAFB233-063F-42B5-8137-9DF3F51BA10A}">
-      <p15:sldGuideLst xmlns:p15="http://schemas.microsoft.com/office/powerpoint/2012/main" xmlns="">
+      <p15:sldGuideLst xmlns:p15="http://schemas.microsoft.com/office/powerpoint/2012/main">
         <p15:guide id="1" orient="horz" pos="2160">
           <p15:clr>
             <a:srgbClr val="A4A3A4"/>
@@ -777,7 +178,7 @@
   <p:cmAuthor id="1" name="Saleel" initials="S" lastIdx="1" clrIdx="0">
     <p:extLst>
       <p:ext uri="{19B8F6BF-5375-455C-9EA6-DF929625EA0E}">
-        <p15:presenceInfo xmlns:p15="http://schemas.microsoft.com/office/powerpoint/2012/main" xmlns="" userId="Saleel" providerId="None"/>
+        <p15:presenceInfo xmlns:p15="http://schemas.microsoft.com/office/powerpoint/2012/main" userId="Saleel" providerId="None"/>
       </p:ext>
     </p:extLst>
   </p:cmAuthor>
@@ -867,7 +268,7 @@
             <a:fld id="{4DF51050-3720-483B-B552-57DC1341D582}" type="datetimeFigureOut">
               <a:rPr lang="en-US" smtClean="0"/>
               <a:pPr/>
-              <a:t>6/4/2020</a:t>
+              <a:t>6/11/2020</a:t>
             </a:fld>
             <a:endParaRPr lang="en-US"/>
           </a:p>
@@ -1326,7 +727,7 @@
             <a:fld id="{EEE556E8-492E-4E8F-8E7F-7A7787724D01}" type="datetimeFigureOut">
               <a:rPr lang="en-US" smtClean="0"/>
               <a:pPr/>
-              <a:t>6/4/2020</a:t>
+              <a:t>6/11/2020</a:t>
             </a:fld>
             <a:endParaRPr lang="en-US"/>
           </a:p>
@@ -1531,7 +932,7 @@
             <a:fld id="{EEE556E8-492E-4E8F-8E7F-7A7787724D01}" type="datetimeFigureOut">
               <a:rPr lang="en-US" smtClean="0"/>
               <a:pPr/>
-              <a:t>6/4/2020</a:t>
+              <a:t>6/11/2020</a:t>
             </a:fld>
             <a:endParaRPr lang="en-US"/>
           </a:p>
@@ -1736,7 +1137,7 @@
             <a:fld id="{EEE556E8-492E-4E8F-8E7F-7A7787724D01}" type="datetimeFigureOut">
               <a:rPr lang="en-US" smtClean="0"/>
               <a:pPr/>
-              <a:t>6/4/2020</a:t>
+              <a:t>6/11/2020</a:t>
             </a:fld>
             <a:endParaRPr lang="en-US"/>
           </a:p>
@@ -1941,7 +1342,7 @@
             <a:fld id="{EEE556E8-492E-4E8F-8E7F-7A7787724D01}" type="datetimeFigureOut">
               <a:rPr lang="en-US" smtClean="0"/>
               <a:pPr/>
-              <a:t>6/4/2020</a:t>
+              <a:t>6/11/2020</a:t>
             </a:fld>
             <a:endParaRPr lang="en-US"/>
           </a:p>
@@ -2213,7 +1614,7 @@
             <a:fld id="{EEE556E8-492E-4E8F-8E7F-7A7787724D01}" type="datetimeFigureOut">
               <a:rPr lang="en-US" smtClean="0"/>
               <a:pPr/>
-              <a:t>6/4/2020</a:t>
+              <a:t>6/11/2020</a:t>
             </a:fld>
             <a:endParaRPr lang="en-US"/>
           </a:p>
@@ -2533,7 +1934,7 @@
             <a:fld id="{EEE556E8-492E-4E8F-8E7F-7A7787724D01}" type="datetimeFigureOut">
               <a:rPr lang="en-US" smtClean="0"/>
               <a:pPr/>
-              <a:t>6/4/2020</a:t>
+              <a:t>6/11/2020</a:t>
             </a:fld>
             <a:endParaRPr lang="en-US"/>
           </a:p>
@@ -2993,7 +2394,7 @@
             <a:fld id="{EEE556E8-492E-4E8F-8E7F-7A7787724D01}" type="datetimeFigureOut">
               <a:rPr lang="en-US" smtClean="0"/>
               <a:pPr/>
-              <a:t>6/4/2020</a:t>
+              <a:t>6/11/2020</a:t>
             </a:fld>
             <a:endParaRPr lang="en-US"/>
           </a:p>
@@ -3139,7 +2540,7 @@
             <a:fld id="{EEE556E8-492E-4E8F-8E7F-7A7787724D01}" type="datetimeFigureOut">
               <a:rPr lang="en-US" smtClean="0"/>
               <a:pPr/>
-              <a:t>6/4/2020</a:t>
+              <a:t>6/11/2020</a:t>
             </a:fld>
             <a:endParaRPr lang="en-US"/>
           </a:p>
@@ -3469,7 +2870,7 @@
             <a:fld id="{EEE556E8-492E-4E8F-8E7F-7A7787724D01}" type="datetimeFigureOut">
               <a:rPr lang="en-US" smtClean="0"/>
               <a:pPr/>
-              <a:t>6/4/2020</a:t>
+              <a:t>6/11/2020</a:t>
             </a:fld>
             <a:endParaRPr lang="en-US"/>
           </a:p>
@@ -3751,7 +3152,7 @@
             <a:fld id="{EEE556E8-492E-4E8F-8E7F-7A7787724D01}" type="datetimeFigureOut">
               <a:rPr lang="en-US" smtClean="0"/>
               <a:pPr/>
-              <a:t>6/4/2020</a:t>
+              <a:t>6/11/2020</a:t>
             </a:fld>
             <a:endParaRPr lang="en-US"/>
           </a:p>
@@ -4180,7 +3581,7 @@
           <p:cNvPr id="3" name="Picture 2">
             <a:extLst>
               <a:ext uri="{FF2B5EF4-FFF2-40B4-BE49-F238E27FC236}">
-                <a16:creationId xmlns:a16="http://schemas.microsoft.com/office/drawing/2014/main" xmlns="" id="{B5C1FD02-D961-4CAF-BF5C-47309320BDE6}"/>
+                <a16:creationId xmlns:a16="http://schemas.microsoft.com/office/drawing/2014/main" id="{B5C1FD02-D961-4CAF-BF5C-47309320BDE6}"/>
               </a:ext>
             </a:extLst>
           </p:cNvPr>
@@ -4193,7 +3594,7 @@
           <a:blip r:embed="rId2" cstate="print">
             <a:extLst>
               <a:ext uri="{28A0092B-C50C-407E-A947-70E740481C1C}">
-                <a14:useLocalDpi xmlns:a14="http://schemas.microsoft.com/office/drawing/2010/main" xmlns="" val="0"/>
+                <a14:useLocalDpi xmlns:a14="http://schemas.microsoft.com/office/drawing/2010/main" val="0"/>
               </a:ext>
             </a:extLst>
           </a:blip>
@@ -4216,7 +3617,7 @@
           <p:cNvPr id="4" name="Footer Placeholder 2">
             <a:extLst>
               <a:ext uri="{FF2B5EF4-FFF2-40B4-BE49-F238E27FC236}">
-                <a16:creationId xmlns:a16="http://schemas.microsoft.com/office/drawing/2014/main" xmlns="" id="{8AC76C4F-4C95-4C8D-AF8A-E786504CFA0E}"/>
+                <a16:creationId xmlns:a16="http://schemas.microsoft.com/office/drawing/2014/main" id="{8AC76C4F-4C95-4C8D-AF8A-E786504CFA0E}"/>
               </a:ext>
             </a:extLst>
           </p:cNvPr>
@@ -4343,48 +3744,23 @@
           </a:p>
         </p:txBody>
       </p:sp>
-      <p:sp>
-        <p:nvSpPr>
-          <p:cNvPr id="6" name="Rectangle 5"/>
-          <p:cNvSpPr/>
-          <p:nvPr/>
-        </p:nvSpPr>
-        <p:spPr>
-          <a:xfrm>
-            <a:off x="11755679" y="0"/>
-            <a:ext cx="434734" cy="369332"/>
-          </a:xfrm>
-          <a:prstGeom prst="rect">
-            <a:avLst/>
-          </a:prstGeom>
-        </p:spPr>
-        <p:txBody>
-          <a:bodyPr wrap="none">
-            <a:spAutoFit/>
-          </a:bodyPr>
-          <a:lstStyle/>
-          <a:p>
-            <a:r>
-              <a:rPr lang="en-IN" dirty="0" smtClean="0">
-                <a:latin typeface="Segoe UI Light" panose="020B0502040204020203" pitchFamily="34" charset="0"/>
-                <a:cs typeface="Segoe UI Light" panose="020B0502040204020203" pitchFamily="34" charset="0"/>
-              </a:rPr>
-              <a:t>(5)</a:t>
-            </a:r>
-            <a:endParaRPr lang="en-US" dirty="0"/>
-          </a:p>
-        </p:txBody>
-      </p:sp>
     </p:spTree>
     <p:extLst>
       <p:ext uri="{BB962C8B-B14F-4D97-AF65-F5344CB8AC3E}">
-        <p14:creationId xmlns:p14="http://schemas.microsoft.com/office/powerpoint/2010/main" xmlns="" val="1792769669"/>
+        <p14:creationId xmlns:p14="http://schemas.microsoft.com/office/powerpoint/2010/main" val="1792769669"/>
       </p:ext>
     </p:extLst>
   </p:cSld>
   <p:clrMapOvr>
     <a:masterClrMapping/>
   </p:clrMapOvr>
+  <p:timing>
+    <p:tnLst>
+      <p:par>
+        <p:cTn id="1" dur="indefinite" restart="never" nodeType="tmRoot"/>
+      </p:par>
+    </p:tnLst>
+  </p:timing>
 </p:sld>
 </file>
 
@@ -4410,7 +3786,7 @@
           <p:cNvPr id="4" name="Picture 3">
             <a:extLst>
               <a:ext uri="{FF2B5EF4-FFF2-40B4-BE49-F238E27FC236}">
-                <a16:creationId xmlns:a16="http://schemas.microsoft.com/office/drawing/2014/main" xmlns="" id="{4B3E96E4-8532-4FFA-8020-A53D8FBA2F23}"/>
+                <a16:creationId xmlns:a16="http://schemas.microsoft.com/office/drawing/2014/main" id="{4B3E96E4-8532-4FFA-8020-A53D8FBA2F23}"/>
               </a:ext>
             </a:extLst>
           </p:cNvPr>
@@ -4423,7 +3799,7 @@
           <a:blip r:embed="rId2" cstate="print">
             <a:extLst>
               <a:ext uri="{28A0092B-C50C-407E-A947-70E740481C1C}">
-                <a14:useLocalDpi xmlns:a14="http://schemas.microsoft.com/office/drawing/2010/main" xmlns="" val="0"/>
+                <a14:useLocalDpi xmlns:a14="http://schemas.microsoft.com/office/drawing/2010/main" val="0"/>
               </a:ext>
             </a:extLst>
           </a:blip>
@@ -4446,7 +3822,7 @@
           <p:cNvPr id="5" name="Footer Placeholder 2">
             <a:extLst>
               <a:ext uri="{FF2B5EF4-FFF2-40B4-BE49-F238E27FC236}">
-                <a16:creationId xmlns:a16="http://schemas.microsoft.com/office/drawing/2014/main" xmlns="" id="{70AFCD6D-DBA1-4EE8-A96A-D9652119B5FA}"/>
+                <a16:creationId xmlns:a16="http://schemas.microsoft.com/office/drawing/2014/main" id="{70AFCD6D-DBA1-4EE8-A96A-D9652119B5FA}"/>
               </a:ext>
             </a:extLst>
           </p:cNvPr>
@@ -4578,7 +3954,7 @@
           <p:cNvPr id="7" name="Rectangle 6">
             <a:extLst>
               <a:ext uri="{FF2B5EF4-FFF2-40B4-BE49-F238E27FC236}">
-                <a16:creationId xmlns:a16="http://schemas.microsoft.com/office/drawing/2014/main" xmlns="" id="{09A4DD51-F450-4FA7-BA18-C2A26D10D72C}"/>
+                <a16:creationId xmlns:a16="http://schemas.microsoft.com/office/drawing/2014/main" id="{09A4DD51-F450-4FA7-BA18-C2A26D10D72C}"/>
               </a:ext>
             </a:extLst>
           </p:cNvPr>
@@ -4628,8 +4004,8 @@
         </p:nvSpPr>
         <p:spPr>
           <a:xfrm>
-            <a:off x="190550" y="2132856"/>
-            <a:ext cx="8136904" cy="1200329"/>
+            <a:off x="190550" y="1124744"/>
+            <a:ext cx="11593288" cy="923330"/>
           </a:xfrm>
           <a:prstGeom prst="rect">
             <a:avLst/>
@@ -4693,7 +4069,13 @@
               <a:rPr lang="en-US" dirty="0" smtClean="0">
                 <a:latin typeface="Palatino Linotype" pitchFamily="18" charset="0"/>
               </a:rPr>
-              <a:t> database cannot contain multiple tables like a relational database can</a:t>
+              <a:t> database cannot contain multiple tables like a relational database </a:t>
+            </a:r>
+            <a:r>
+              <a:rPr lang="en-US" dirty="0" smtClean="0">
+                <a:latin typeface="Palatino Linotype" pitchFamily="18" charset="0"/>
+              </a:rPr>
+              <a:t>can have.</a:t>
             </a:r>
             <a:endParaRPr lang="en-US" dirty="0">
               <a:latin typeface="Palatino Linotype" pitchFamily="18" charset="0"/>
@@ -4701,149 +4083,34 @@
           </a:p>
         </p:txBody>
       </p:sp>
-      <p:sp>
-        <p:nvSpPr>
-          <p:cNvPr id="11" name="Rectangle 10"/>
-          <p:cNvSpPr/>
-          <p:nvPr/>
-        </p:nvSpPr>
-        <p:spPr>
-          <a:xfrm>
-            <a:off x="478582" y="1124744"/>
-            <a:ext cx="11305256" cy="646331"/>
-          </a:xfrm>
-          <a:prstGeom prst="rect">
-            <a:avLst/>
-          </a:prstGeom>
-        </p:spPr>
-        <p:txBody>
-          <a:bodyPr wrap="square">
-            <a:spAutoFit/>
-          </a:bodyPr>
-          <a:lstStyle/>
-          <a:p>
-            <a:r>
-              <a:rPr lang="en-US" dirty="0" smtClean="0">
-                <a:latin typeface="Palatino Linotype" pitchFamily="18" charset="0"/>
-              </a:rPr>
-              <a:t>A </a:t>
-            </a:r>
-            <a:r>
-              <a:rPr lang="en-US" b="1" dirty="0" smtClean="0">
-                <a:latin typeface="Palatino Linotype" pitchFamily="18" charset="0"/>
-              </a:rPr>
-              <a:t>filesystem</a:t>
-            </a:r>
-            <a:r>
-              <a:rPr lang="en-US" dirty="0" smtClean="0">
-                <a:latin typeface="Palatino Linotype" pitchFamily="18" charset="0"/>
-              </a:rPr>
-              <a:t> is the methods and data structures that an operating </a:t>
-            </a:r>
-            <a:r>
-              <a:rPr lang="en-US" b="1" dirty="0" smtClean="0">
-                <a:latin typeface="Palatino Linotype" pitchFamily="18" charset="0"/>
-              </a:rPr>
-              <a:t>system</a:t>
-            </a:r>
-            <a:r>
-              <a:rPr lang="en-US" dirty="0" smtClean="0">
-                <a:latin typeface="Palatino Linotype" pitchFamily="18" charset="0"/>
-              </a:rPr>
-              <a:t> uses to keep track of </a:t>
-            </a:r>
-            <a:r>
-              <a:rPr lang="en-US" b="1" dirty="0" smtClean="0">
-                <a:latin typeface="Palatino Linotype" pitchFamily="18" charset="0"/>
-              </a:rPr>
-              <a:t>files</a:t>
-            </a:r>
-            <a:r>
-              <a:rPr lang="en-US" dirty="0" smtClean="0">
-                <a:latin typeface="Palatino Linotype" pitchFamily="18" charset="0"/>
-              </a:rPr>
-              <a:t> on a disk or partition; that is, the way the </a:t>
-            </a:r>
-            <a:r>
-              <a:rPr lang="en-US" b="1" dirty="0" smtClean="0">
-                <a:latin typeface="Palatino Linotype" pitchFamily="18" charset="0"/>
-              </a:rPr>
-              <a:t>files</a:t>
-            </a:r>
-            <a:r>
-              <a:rPr lang="en-US" dirty="0" smtClean="0">
-                <a:latin typeface="Palatino Linotype" pitchFamily="18" charset="0"/>
-              </a:rPr>
-              <a:t> are organized on the disk.</a:t>
-            </a:r>
-            <a:endParaRPr lang="en-US" dirty="0">
-              <a:latin typeface="Palatino Linotype" pitchFamily="18" charset="0"/>
-            </a:endParaRPr>
-          </a:p>
-        </p:txBody>
-      </p:sp>
-      <p:sp>
-        <p:nvSpPr>
-          <p:cNvPr id="12" name="Rectangle 11"/>
-          <p:cNvSpPr/>
-          <p:nvPr/>
-        </p:nvSpPr>
-        <p:spPr>
-          <a:xfrm>
-            <a:off x="11755679" y="0"/>
-            <a:ext cx="434734" cy="369332"/>
-          </a:xfrm>
-          <a:prstGeom prst="rect">
-            <a:avLst/>
-          </a:prstGeom>
-        </p:spPr>
-        <p:txBody>
-          <a:bodyPr wrap="none">
-            <a:spAutoFit/>
-          </a:bodyPr>
-          <a:lstStyle/>
-          <a:p>
-            <a:r>
-              <a:rPr lang="en-IN" dirty="0" smtClean="0">
-                <a:latin typeface="Segoe UI Light" panose="020B0502040204020203" pitchFamily="34" charset="0"/>
-                <a:cs typeface="Segoe UI Light" panose="020B0502040204020203" pitchFamily="34" charset="0"/>
-              </a:rPr>
-              <a:t>(5)</a:t>
-            </a:r>
-            <a:endParaRPr lang="en-US" dirty="0"/>
-          </a:p>
-        </p:txBody>
-      </p:sp>
       <p:pic>
         <p:nvPicPr>
-          <p:cNvPr id="6146" name="Picture 2" descr="file_sys_8"/>
+          <p:cNvPr id="2" name="Picture 1"/>
           <p:cNvPicPr>
-            <a:picLocks noChangeAspect="1" noChangeArrowheads="1"/>
+            <a:picLocks noChangeAspect="1"/>
           </p:cNvPicPr>
           <p:nvPr/>
         </p:nvPicPr>
         <p:blipFill>
-          <a:blip r:embed="rId3" cstate="print"/>
-          <a:srcRect/>
+          <a:blip r:embed="rId3"/>
           <a:stretch>
             <a:fillRect/>
           </a:stretch>
         </p:blipFill>
-        <p:spPr bwMode="auto">
-          <a:xfrm>
-            <a:off x="8543478" y="1457400"/>
-            <a:ext cx="3646935" cy="5400600"/>
-          </a:xfrm>
-          <a:prstGeom prst="rect">
-            <a:avLst/>
-          </a:prstGeom>
-          <a:noFill/>
+        <p:spPr>
+          <a:xfrm>
+            <a:off x="309728" y="2406342"/>
+            <a:ext cx="6793590" cy="2102778"/>
+          </a:xfrm>
+          <a:prstGeom prst="rect">
+            <a:avLst/>
+          </a:prstGeom>
         </p:spPr>
       </p:pic>
     </p:spTree>
     <p:extLst>
       <p:ext uri="{BB962C8B-B14F-4D97-AF65-F5344CB8AC3E}">
-        <p14:creationId xmlns:p14="http://schemas.microsoft.com/office/powerpoint/2010/main" xmlns="" val="1941358839"/>
+        <p14:creationId xmlns:p14="http://schemas.microsoft.com/office/powerpoint/2010/main" val="1941358839"/>
       </p:ext>
     </p:extLst>
   </p:cSld>
@@ -4882,7 +4149,7 @@
           <p:cNvPr id="4" name="Picture 3">
             <a:extLst>
               <a:ext uri="{FF2B5EF4-FFF2-40B4-BE49-F238E27FC236}">
-                <a16:creationId xmlns:a16="http://schemas.microsoft.com/office/drawing/2014/main" xmlns="" id="{4B3E96E4-8532-4FFA-8020-A53D8FBA2F23}"/>
+                <a16:creationId xmlns:a16="http://schemas.microsoft.com/office/drawing/2014/main" id="{4B3E96E4-8532-4FFA-8020-A53D8FBA2F23}"/>
               </a:ext>
             </a:extLst>
           </p:cNvPr>
@@ -4895,7 +4162,7 @@
           <a:blip r:embed="rId2" cstate="print">
             <a:extLst>
               <a:ext uri="{28A0092B-C50C-407E-A947-70E740481C1C}">
-                <a14:useLocalDpi xmlns:a14="http://schemas.microsoft.com/office/drawing/2010/main" xmlns="" val="0"/>
+                <a14:useLocalDpi xmlns:a14="http://schemas.microsoft.com/office/drawing/2010/main" val="0"/>
               </a:ext>
             </a:extLst>
           </a:blip>
@@ -4918,7 +4185,7 @@
           <p:cNvPr id="5" name="Footer Placeholder 2">
             <a:extLst>
               <a:ext uri="{FF2B5EF4-FFF2-40B4-BE49-F238E27FC236}">
-                <a16:creationId xmlns:a16="http://schemas.microsoft.com/office/drawing/2014/main" xmlns="" id="{70AFCD6D-DBA1-4EE8-A96A-D9652119B5FA}"/>
+                <a16:creationId xmlns:a16="http://schemas.microsoft.com/office/drawing/2014/main" id="{70AFCD6D-DBA1-4EE8-A96A-D9652119B5FA}"/>
               </a:ext>
             </a:extLst>
           </p:cNvPr>
@@ -5050,7 +4317,7 @@
           <p:cNvPr id="7" name="Rectangle 6">
             <a:extLst>
               <a:ext uri="{FF2B5EF4-FFF2-40B4-BE49-F238E27FC236}">
-                <a16:creationId xmlns:a16="http://schemas.microsoft.com/office/drawing/2014/main" xmlns="" id="{09A4DD51-F450-4FA7-BA18-C2A26D10D72C}"/>
+                <a16:creationId xmlns:a16="http://schemas.microsoft.com/office/drawing/2014/main" id="{09A4DD51-F450-4FA7-BA18-C2A26D10D72C}"/>
               </a:ext>
             </a:extLst>
           </p:cNvPr>
@@ -5060,7 +4327,7 @@
         <p:spPr>
           <a:xfrm>
             <a:off x="1523802" y="2"/>
-            <a:ext cx="9142810" cy="838499"/>
+            <a:ext cx="9142810" cy="923330"/>
           </a:xfrm>
           <a:prstGeom prst="rect">
             <a:avLst/>
@@ -5081,10 +4348,16 @@
               </a:lnSpc>
             </a:pPr>
             <a:r>
-              <a:rPr lang="en-US" sz="3600" dirty="0" smtClean="0">
-                <a:latin typeface="Palatino Linotype" panose="02040502050505030304" pitchFamily="18" charset="0"/>
-              </a:rPr>
-              <a:t>DBMS</a:t>
+              <a:rPr lang="en-US" sz="3600" dirty="0" smtClean="0"/>
+              <a:t>Advantages </a:t>
+            </a:r>
+            <a:r>
+              <a:rPr lang="en-US" sz="3600" dirty="0" smtClean="0"/>
+              <a:t>of </a:t>
+            </a:r>
+            <a:r>
+              <a:rPr lang="en-US" sz="3600" dirty="0" smtClean="0"/>
+              <a:t>Flat Files</a:t>
             </a:r>
             <a:endParaRPr lang="en-US" sz="3600" dirty="0">
               <a:latin typeface="Palatino Linotype" panose="02040502050505030304" pitchFamily="18" charset="0"/>
@@ -5094,14 +4367,47 @@
       </p:sp>
       <p:sp>
         <p:nvSpPr>
-          <p:cNvPr id="12" name="Rectangle 11"/>
+          <p:cNvPr id="8" name="Rectangle 7"/>
           <p:cNvSpPr/>
           <p:nvPr/>
         </p:nvSpPr>
         <p:spPr>
           <a:xfrm>
-            <a:off x="11755679" y="0"/>
-            <a:ext cx="434734" cy="369332"/>
+            <a:off x="334566" y="1196752"/>
+            <a:ext cx="11521280" cy="369332"/>
+          </a:xfrm>
+          <a:prstGeom prst="rect">
+            <a:avLst/>
+          </a:prstGeom>
+        </p:spPr>
+        <p:txBody>
+          <a:bodyPr wrap="square">
+            <a:spAutoFit/>
+          </a:bodyPr>
+          <a:lstStyle/>
+          <a:p>
+            <a:r>
+              <a:rPr lang="en-US" dirty="0" smtClean="0">
+                <a:latin typeface="Palatino Linotype" pitchFamily="18" charset="0"/>
+              </a:rPr>
+              <a:t>The biggest advantage of file-based storage is that anyone can understand the system.</a:t>
+            </a:r>
+            <a:endParaRPr lang="en-US" dirty="0">
+              <a:latin typeface="Palatino Linotype" pitchFamily="18" charset="0"/>
+            </a:endParaRPr>
+          </a:p>
+        </p:txBody>
+      </p:sp>
+      <p:sp>
+        <p:nvSpPr>
+          <p:cNvPr id="2" name="Rectangle 1"/>
+          <p:cNvSpPr/>
+          <p:nvPr/>
+        </p:nvSpPr>
+        <p:spPr>
+          <a:xfrm>
+            <a:off x="118542" y="1700808"/>
+            <a:ext cx="3807453" cy="369332"/>
           </a:xfrm>
           <a:prstGeom prst="rect">
             <a:avLst/>
@@ -5114,32 +4420,34 @@
           <a:lstStyle/>
           <a:p>
             <a:r>
-              <a:rPr lang="en-IN" dirty="0" smtClean="0">
-                <a:latin typeface="Segoe UI Light" panose="020B0502040204020203" pitchFamily="34" charset="0"/>
-                <a:cs typeface="Segoe UI Light" panose="020B0502040204020203" pitchFamily="34" charset="0"/>
-              </a:rPr>
-              <a:t>(5)</a:t>
-            </a:r>
-            <a:endParaRPr lang="en-US" dirty="0"/>
-          </a:p>
-        </p:txBody>
-      </p:sp>
-      <p:sp>
-        <p:nvSpPr>
-          <p:cNvPr id="9" name="Rectangle 8">
-            <a:extLst>
-              <a:ext uri="{FF2B5EF4-FFF2-40B4-BE49-F238E27FC236}">
-                <a16:creationId xmlns:a16="http://schemas.microsoft.com/office/drawing/2014/main" xmlns="" id="{8FAE9B23-3ED4-4706-957F-B5A1738E90CC}"/>
-              </a:ext>
-            </a:extLst>
-          </p:cNvPr>
+              <a:rPr lang="en-IN" b="1" dirty="0">
+                <a:solidFill>
+                  <a:srgbClr val="000000"/>
+                </a:solidFill>
+                <a:latin typeface="Palatino Linotype" panose="02040502050505030304" pitchFamily="18" charset="0"/>
+              </a:rPr>
+              <a:t>Advantage of File-oriented system</a:t>
+            </a:r>
+            <a:endParaRPr lang="en-IN" b="1" i="0" dirty="0">
+              <a:solidFill>
+                <a:srgbClr val="000000"/>
+              </a:solidFill>
+              <a:effectLst/>
+              <a:latin typeface="Palatino Linotype" panose="02040502050505030304" pitchFamily="18" charset="0"/>
+            </a:endParaRPr>
+          </a:p>
+        </p:txBody>
+      </p:sp>
+      <p:sp>
+        <p:nvSpPr>
+          <p:cNvPr id="3" name="Rectangle 2"/>
           <p:cNvSpPr/>
           <p:nvPr/>
         </p:nvSpPr>
         <p:spPr>
           <a:xfrm>
-            <a:off x="190550" y="1196752"/>
-            <a:ext cx="11881320" cy="1138773"/>
+            <a:off x="118542" y="2388944"/>
+            <a:ext cx="11637137" cy="3416320"/>
           </a:xfrm>
           <a:prstGeom prst="rect">
             <a:avLst/>
@@ -5156,31 +4464,25 @@
               <a:buChar char="•"/>
             </a:pPr>
             <a:r>
-              <a:rPr lang="en-US" sz="2000" b="1" dirty="0">
-                <a:latin typeface="Palatino Linotype" panose="02040502050505030304" pitchFamily="18" charset="0"/>
-              </a:rPr>
-              <a:t>database: </a:t>
-            </a:r>
-            <a:r>
-              <a:rPr lang="en-US" sz="2000" dirty="0">
-                <a:latin typeface="Palatino Linotype" panose="02040502050505030304" pitchFamily="18" charset="0"/>
-              </a:rPr>
-              <a:t>Is the collection of related </a:t>
-            </a:r>
-            <a:r>
-              <a:rPr lang="en-US" sz="2000" b="1" dirty="0">
-                <a:latin typeface="Palatino Linotype" panose="02040502050505030304" pitchFamily="18" charset="0"/>
-              </a:rPr>
-              <a:t>data </a:t>
-            </a:r>
-            <a:r>
-              <a:rPr lang="en-US" sz="2000" dirty="0">
-                <a:latin typeface="Palatino Linotype" panose="02040502050505030304" pitchFamily="18" charset="0"/>
-              </a:rPr>
-              <a:t>which is organized, which is also called as structured data</a:t>
-            </a:r>
-            <a:r>
-              <a:rPr lang="en-US" sz="2000" b="1" dirty="0">
+              <a:rPr lang="en-US" b="1" dirty="0">
+                <a:latin typeface="Palatino Linotype" panose="02040502050505030304" pitchFamily="18" charset="0"/>
+              </a:rPr>
+              <a:t>Backup</a:t>
+            </a:r>
+            <a:r>
+              <a:rPr lang="en-US" dirty="0">
+                <a:latin typeface="Palatino Linotype" panose="02040502050505030304" pitchFamily="18" charset="0"/>
+              </a:rPr>
+              <a:t>: It </a:t>
+            </a:r>
+            <a:r>
+              <a:rPr lang="en-US" dirty="0">
+                <a:latin typeface="Palatino Linotype" panose="02040502050505030304" pitchFamily="18" charset="0"/>
+              </a:rPr>
+              <a:t>is possible to take faster and automatic back-up of database stored in files of computer-based systems</a:t>
+            </a:r>
+            <a:r>
+              <a:rPr lang="en-US" dirty="0" smtClean="0">
                 <a:latin typeface="Palatino Linotype" panose="02040502050505030304" pitchFamily="18" charset="0"/>
               </a:rPr>
               <a:t>.</a:t>
@@ -5191,7 +4493,7 @@
               <a:buFont typeface="Arial" panose="020B0604020202020204" pitchFamily="34" charset="0"/>
               <a:buChar char="•"/>
             </a:pPr>
-            <a:endParaRPr lang="en-US" sz="800" b="1" dirty="0">
+            <a:endParaRPr lang="en-US" dirty="0">
               <a:latin typeface="Palatino Linotype" panose="02040502050505030304" pitchFamily="18" charset="0"/>
             </a:endParaRPr>
           </a:p>
@@ -5201,105 +4503,192 @@
               <a:buChar char="•"/>
             </a:pPr>
             <a:r>
-              <a:rPr lang="en-IN" sz="2000" b="1" dirty="0">
-                <a:latin typeface="Palatino Linotype" panose="02040502050505030304" pitchFamily="18" charset="0"/>
-              </a:rPr>
-              <a:t>management</a:t>
-            </a:r>
-            <a:r>
-              <a:rPr lang="en-IN" sz="2000" dirty="0">
-                <a:latin typeface="Palatino Linotype" panose="02040502050505030304" pitchFamily="18" charset="0"/>
-              </a:rPr>
-              <a:t> </a:t>
-            </a:r>
-            <a:r>
-              <a:rPr lang="en-IN" sz="2000" b="1" dirty="0">
-                <a:latin typeface="Palatino Linotype" panose="02040502050505030304" pitchFamily="18" charset="0"/>
-              </a:rPr>
-              <a:t>system</a:t>
-            </a:r>
-            <a:r>
-              <a:rPr lang="en-IN" sz="2000" dirty="0">
+              <a:rPr lang="en-US" b="1" dirty="0">
+                <a:latin typeface="Palatino Linotype" panose="02040502050505030304" pitchFamily="18" charset="0"/>
+              </a:rPr>
+              <a:t>Data </a:t>
+            </a:r>
+            <a:r>
+              <a:rPr lang="en-US" b="1" dirty="0" smtClean="0">
+                <a:latin typeface="Palatino Linotype" panose="02040502050505030304" pitchFamily="18" charset="0"/>
+              </a:rPr>
+              <a:t>retrieval</a:t>
+            </a:r>
+            <a:r>
+              <a:rPr lang="en-US" b="1" dirty="0">
                 <a:latin typeface="Palatino Linotype" panose="02040502050505030304" pitchFamily="18" charset="0"/>
               </a:rPr>
               <a:t>: </a:t>
             </a:r>
             <a:r>
-              <a:rPr lang="en-US" sz="2000" dirty="0">
-                <a:latin typeface="Palatino Linotype" panose="02040502050505030304" pitchFamily="18" charset="0"/>
-              </a:rPr>
-              <a:t>is a software package designed to manipulate, retrieve and manage data in a database.</a:t>
-            </a:r>
-            <a:endParaRPr lang="en-IN" sz="2000" dirty="0">
+              <a:rPr lang="en-US" dirty="0">
+                <a:latin typeface="Palatino Linotype" panose="02040502050505030304" pitchFamily="18" charset="0"/>
+              </a:rPr>
+              <a:t>Computer-based systems provide enhanced data retrieval techniques to retrieve data stored in files in easy and efficient way</a:t>
+            </a:r>
+            <a:r>
+              <a:rPr lang="en-US" dirty="0" smtClean="0">
+                <a:latin typeface="Palatino Linotype" panose="02040502050505030304" pitchFamily="18" charset="0"/>
+              </a:rPr>
+              <a:t>.</a:t>
+            </a:r>
+          </a:p>
+          <a:p>
+            <a:pPr marL="285750" indent="-285750">
+              <a:buFont typeface="Arial" panose="020B0604020202020204" pitchFamily="34" charset="0"/>
+              <a:buChar char="•"/>
+            </a:pPr>
+            <a:endParaRPr lang="en-US" dirty="0" smtClean="0">
               <a:latin typeface="Palatino Linotype" panose="02040502050505030304" pitchFamily="18" charset="0"/>
             </a:endParaRPr>
           </a:p>
-        </p:txBody>
-      </p:sp>
-      <p:pic>
-        <p:nvPicPr>
-          <p:cNvPr id="14" name="Picture 13"/>
-          <p:cNvPicPr>
-            <a:picLocks noChangeAspect="1"/>
-          </p:cNvPicPr>
-          <p:nvPr/>
-        </p:nvPicPr>
-        <p:blipFill>
-          <a:blip r:embed="rId3" cstate="print">
-            <a:extLst>
-              <a:ext uri="{28A0092B-C50C-407E-A947-70E740481C1C}">
-                <a14:useLocalDpi xmlns:a14="http://schemas.microsoft.com/office/drawing/2010/main" xmlns="" val="0"/>
-              </a:ext>
-            </a:extLst>
-          </a:blip>
-          <a:stretch>
-            <a:fillRect/>
-          </a:stretch>
-        </p:blipFill>
-        <p:spPr>
-          <a:xfrm>
-            <a:off x="6167214" y="3140968"/>
-            <a:ext cx="4385660" cy="1656184"/>
-          </a:xfrm>
-          <a:prstGeom prst="rect">
-            <a:avLst/>
-          </a:prstGeom>
-        </p:spPr>
-      </p:pic>
-      <p:pic>
-        <p:nvPicPr>
-          <p:cNvPr id="8" name="Picture 7"/>
-          <p:cNvPicPr>
-            <a:picLocks noChangeAspect="1"/>
-          </p:cNvPicPr>
-          <p:nvPr/>
-        </p:nvPicPr>
-        <p:blipFill>
-          <a:blip r:embed="rId4" cstate="print">
-            <a:extLst>
-              <a:ext uri="{28A0092B-C50C-407E-A947-70E740481C1C}">
-                <a14:useLocalDpi xmlns:a14="http://schemas.microsoft.com/office/drawing/2010/main" xmlns="" val="0"/>
-              </a:ext>
-            </a:extLst>
-          </a:blip>
-          <a:stretch>
-            <a:fillRect/>
-          </a:stretch>
-        </p:blipFill>
-        <p:spPr>
-          <a:xfrm>
-            <a:off x="550590" y="2708920"/>
-            <a:ext cx="3816226" cy="2821057"/>
-          </a:xfrm>
-          <a:prstGeom prst="rect">
-            <a:avLst/>
-          </a:prstGeom>
-        </p:spPr>
-      </p:pic>
+          <a:p>
+            <a:pPr marL="285750" indent="-285750">
+              <a:buFont typeface="Arial" panose="020B0604020202020204" pitchFamily="34" charset="0"/>
+              <a:buChar char="•"/>
+            </a:pPr>
+            <a:r>
+              <a:rPr lang="en-US" b="1" dirty="0">
+                <a:latin typeface="Palatino Linotype" panose="02040502050505030304" pitchFamily="18" charset="0"/>
+              </a:rPr>
+              <a:t>Editing</a:t>
+            </a:r>
+            <a:r>
+              <a:rPr lang="en-US" i="1" dirty="0" smtClean="0">
+                <a:latin typeface="Palatino Linotype" panose="02040502050505030304" pitchFamily="18" charset="0"/>
+              </a:rPr>
+              <a:t>: </a:t>
+            </a:r>
+            <a:r>
+              <a:rPr lang="en-US" dirty="0" smtClean="0">
+                <a:latin typeface="Palatino Linotype" panose="02040502050505030304" pitchFamily="18" charset="0"/>
+              </a:rPr>
+              <a:t>It </a:t>
+            </a:r>
+            <a:r>
+              <a:rPr lang="en-US" dirty="0">
+                <a:latin typeface="Palatino Linotype" panose="02040502050505030304" pitchFamily="18" charset="0"/>
+              </a:rPr>
+              <a:t>is easy to edit any information stored in computers in form of files.</a:t>
+            </a:r>
+          </a:p>
+          <a:p>
+            <a:pPr marL="285750" indent="-285750">
+              <a:buFont typeface="Arial" panose="020B0604020202020204" pitchFamily="34" charset="0"/>
+              <a:buChar char="•"/>
+            </a:pPr>
+            <a:endParaRPr lang="en-US" dirty="0" smtClean="0">
+              <a:latin typeface="Palatino Linotype" panose="02040502050505030304" pitchFamily="18" charset="0"/>
+            </a:endParaRPr>
+          </a:p>
+          <a:p>
+            <a:pPr marL="285750" indent="-285750">
+              <a:buFont typeface="Arial" panose="020B0604020202020204" pitchFamily="34" charset="0"/>
+              <a:buChar char="•"/>
+            </a:pPr>
+            <a:r>
+              <a:rPr lang="en-US" b="1" dirty="0">
+                <a:latin typeface="Palatino Linotype" panose="02040502050505030304" pitchFamily="18" charset="0"/>
+              </a:rPr>
+              <a:t>Remote</a:t>
+            </a:r>
+            <a:r>
+              <a:rPr lang="en-US" i="1" dirty="0">
+                <a:latin typeface="Palatino Linotype" panose="02040502050505030304" pitchFamily="18" charset="0"/>
+              </a:rPr>
+              <a:t> </a:t>
+            </a:r>
+            <a:r>
+              <a:rPr lang="en-US" b="1" dirty="0" smtClean="0">
+                <a:latin typeface="Palatino Linotype" panose="02040502050505030304" pitchFamily="18" charset="0"/>
+              </a:rPr>
+              <a:t>access</a:t>
+            </a:r>
+            <a:r>
+              <a:rPr lang="en-US" i="1" dirty="0" smtClean="0">
+                <a:latin typeface="Palatino Linotype" panose="02040502050505030304" pitchFamily="18" charset="0"/>
+              </a:rPr>
+              <a:t>: </a:t>
+            </a:r>
+            <a:r>
+              <a:rPr lang="en-US" dirty="0" smtClean="0">
+                <a:latin typeface="Palatino Linotype" panose="02040502050505030304" pitchFamily="18" charset="0"/>
+              </a:rPr>
+              <a:t>In </a:t>
+            </a:r>
+            <a:r>
+              <a:rPr lang="en-US" dirty="0">
+                <a:latin typeface="Palatino Linotype" panose="02040502050505030304" pitchFamily="18" charset="0"/>
+              </a:rPr>
+              <a:t>computer-based systems</a:t>
+            </a:r>
+            <a:r>
+              <a:rPr lang="en-US" dirty="0" smtClean="0">
+                <a:latin typeface="Palatino Linotype" panose="02040502050505030304" pitchFamily="18" charset="0"/>
+              </a:rPr>
+              <a:t>, it </a:t>
+            </a:r>
+            <a:r>
+              <a:rPr lang="en-US" dirty="0">
+                <a:latin typeface="Palatino Linotype" panose="02040502050505030304" pitchFamily="18" charset="0"/>
+              </a:rPr>
+              <a:t>is possible to access data remotely.</a:t>
+            </a:r>
+          </a:p>
+          <a:p>
+            <a:pPr marL="285750" indent="-285750">
+              <a:buFont typeface="Arial" panose="020B0604020202020204" pitchFamily="34" charset="0"/>
+              <a:buChar char="•"/>
+            </a:pPr>
+            <a:endParaRPr lang="en-US" dirty="0" smtClean="0">
+              <a:latin typeface="Palatino Linotype" panose="02040502050505030304" pitchFamily="18" charset="0"/>
+            </a:endParaRPr>
+          </a:p>
+          <a:p>
+            <a:pPr marL="285750" indent="-285750">
+              <a:buFont typeface="Arial" panose="020B0604020202020204" pitchFamily="34" charset="0"/>
+              <a:buChar char="•"/>
+            </a:pPr>
+            <a:r>
+              <a:rPr lang="en-US" b="1" dirty="0">
+                <a:latin typeface="Palatino Linotype" panose="02040502050505030304" pitchFamily="18" charset="0"/>
+              </a:rPr>
+              <a:t>Sharing</a:t>
+            </a:r>
+            <a:r>
+              <a:rPr lang="en-US" i="1" dirty="0" smtClean="0">
+                <a:latin typeface="Palatino Linotype" panose="02040502050505030304" pitchFamily="18" charset="0"/>
+              </a:rPr>
+              <a:t>: </a:t>
+            </a:r>
+            <a:r>
+              <a:rPr lang="en-US" dirty="0" smtClean="0">
+                <a:latin typeface="Palatino Linotype" panose="02040502050505030304" pitchFamily="18" charset="0"/>
+              </a:rPr>
+              <a:t>Data </a:t>
+            </a:r>
+            <a:r>
+              <a:rPr lang="en-US" dirty="0">
+                <a:latin typeface="Palatino Linotype" panose="02040502050505030304" pitchFamily="18" charset="0"/>
+              </a:rPr>
+              <a:t>stored in files of computer-based systems ca be shared among multiple users at a same time.</a:t>
+            </a:r>
+          </a:p>
+          <a:p>
+            <a:pPr marL="285750" indent="-285750">
+              <a:buFont typeface="Arial" panose="020B0604020202020204" pitchFamily="34" charset="0"/>
+              <a:buChar char="•"/>
+            </a:pPr>
+            <a:endParaRPr lang="en-US" dirty="0">
+              <a:latin typeface="Palatino Linotype" panose="02040502050505030304" pitchFamily="18" charset="0"/>
+            </a:endParaRPr>
+          </a:p>
+        </p:txBody>
+      </p:sp>
     </p:spTree>
     <p:extLst>
       <p:ext uri="{BB962C8B-B14F-4D97-AF65-F5344CB8AC3E}">
-        <p14:creationId xmlns:p14="http://schemas.microsoft.com/office/powerpoint/2010/main" xmlns="" val="1941358839"/>
+        <p14:creationId xmlns:p14="http://schemas.microsoft.com/office/powerpoint/2010/main" val="3589360824"/>
       </p:ext>
     </p:extLst>
   </p:cSld>
@@ -5338,7 +4727,7 @@
           <p:cNvPr id="4" name="Picture 3">
             <a:extLst>
               <a:ext uri="{FF2B5EF4-FFF2-40B4-BE49-F238E27FC236}">
-                <a16:creationId xmlns:a16="http://schemas.microsoft.com/office/drawing/2014/main" xmlns="" id="{4B3E96E4-8532-4FFA-8020-A53D8FBA2F23}"/>
+                <a16:creationId xmlns:a16="http://schemas.microsoft.com/office/drawing/2014/main" id="{4B3E96E4-8532-4FFA-8020-A53D8FBA2F23}"/>
               </a:ext>
             </a:extLst>
           </p:cNvPr>
@@ -5351,7 +4740,7 @@
           <a:blip r:embed="rId2" cstate="print">
             <a:extLst>
               <a:ext uri="{28A0092B-C50C-407E-A947-70E740481C1C}">
-                <a14:useLocalDpi xmlns:a14="http://schemas.microsoft.com/office/drawing/2010/main" xmlns="" val="0"/>
+                <a14:useLocalDpi xmlns:a14="http://schemas.microsoft.com/office/drawing/2010/main" val="0"/>
               </a:ext>
             </a:extLst>
           </a:blip>
@@ -5374,7 +4763,7 @@
           <p:cNvPr id="5" name="Footer Placeholder 2">
             <a:extLst>
               <a:ext uri="{FF2B5EF4-FFF2-40B4-BE49-F238E27FC236}">
-                <a16:creationId xmlns:a16="http://schemas.microsoft.com/office/drawing/2014/main" xmlns="" id="{70AFCD6D-DBA1-4EE8-A96A-D9652119B5FA}"/>
+                <a16:creationId xmlns:a16="http://schemas.microsoft.com/office/drawing/2014/main" id="{70AFCD6D-DBA1-4EE8-A96A-D9652119B5FA}"/>
               </a:ext>
             </a:extLst>
           </p:cNvPr>
@@ -5506,7 +4895,7 @@
           <p:cNvPr id="7" name="Rectangle 6">
             <a:extLst>
               <a:ext uri="{FF2B5EF4-FFF2-40B4-BE49-F238E27FC236}">
-                <a16:creationId xmlns:a16="http://schemas.microsoft.com/office/drawing/2014/main" xmlns="" id="{09A4DD51-F450-4FA7-BA18-C2A26D10D72C}"/>
+                <a16:creationId xmlns:a16="http://schemas.microsoft.com/office/drawing/2014/main" id="{09A4DD51-F450-4FA7-BA18-C2A26D10D72C}"/>
               </a:ext>
             </a:extLst>
           </p:cNvPr>
@@ -5516,7 +4905,7 @@
         <p:spPr>
           <a:xfrm>
             <a:off x="1523802" y="2"/>
-            <a:ext cx="9142810" cy="838243"/>
+            <a:ext cx="9142810" cy="923330"/>
           </a:xfrm>
           <a:prstGeom prst="rect">
             <a:avLst/>
@@ -5537,44 +4926,20 @@
               </a:lnSpc>
             </a:pPr>
             <a:r>
+              <a:rPr lang="en-IN" sz="3600" dirty="0" smtClean="0"/>
+              <a:t>Disadvantage </a:t>
+            </a:r>
+            <a:r>
               <a:rPr lang="en-US" sz="3600" dirty="0" smtClean="0"/>
-              <a:t>Advantages and Disadvantages of Flat Files</a:t>
+              <a:t>of </a:t>
+            </a:r>
+            <a:r>
+              <a:rPr lang="en-US" sz="3600" dirty="0" smtClean="0"/>
+              <a:t>Flat Files</a:t>
             </a:r>
             <a:endParaRPr lang="en-US" sz="3600" dirty="0">
               <a:latin typeface="Palatino Linotype" panose="02040502050505030304" pitchFamily="18" charset="0"/>
             </a:endParaRPr>
-          </a:p>
-        </p:txBody>
-      </p:sp>
-      <p:sp>
-        <p:nvSpPr>
-          <p:cNvPr id="12" name="Rectangle 11"/>
-          <p:cNvSpPr/>
-          <p:nvPr/>
-        </p:nvSpPr>
-        <p:spPr>
-          <a:xfrm>
-            <a:off x="11755679" y="0"/>
-            <a:ext cx="434734" cy="369332"/>
-          </a:xfrm>
-          <a:prstGeom prst="rect">
-            <a:avLst/>
-          </a:prstGeom>
-        </p:spPr>
-        <p:txBody>
-          <a:bodyPr wrap="none">
-            <a:spAutoFit/>
-          </a:bodyPr>
-          <a:lstStyle/>
-          <a:p>
-            <a:r>
-              <a:rPr lang="en-IN" dirty="0" smtClean="0">
-                <a:latin typeface="Segoe UI Light" panose="020B0502040204020203" pitchFamily="34" charset="0"/>
-                <a:cs typeface="Segoe UI Light" panose="020B0502040204020203" pitchFamily="34" charset="0"/>
-              </a:rPr>
-              <a:t>(5)</a:t>
-            </a:r>
-            <a:endParaRPr lang="en-US" dirty="0"/>
           </a:p>
         </p:txBody>
       </p:sp>
@@ -5603,7 +4968,25 @@
               <a:rPr lang="en-US" dirty="0" smtClean="0">
                 <a:latin typeface="Palatino Linotype" pitchFamily="18" charset="0"/>
               </a:rPr>
-              <a:t>The biggest advantage of file-based storage is that anyone can understand the system.</a:t>
+              <a:t>The biggest </a:t>
+            </a:r>
+            <a:r>
+              <a:rPr lang="en-US" dirty="0" smtClean="0">
+                <a:latin typeface="Palatino Linotype" pitchFamily="18" charset="0"/>
+              </a:rPr>
+              <a:t>disadvantage </a:t>
+            </a:r>
+            <a:r>
+              <a:rPr lang="en-US" dirty="0" smtClean="0">
+                <a:latin typeface="Palatino Linotype" pitchFamily="18" charset="0"/>
+              </a:rPr>
+              <a:t>of file-based storage is </a:t>
+            </a:r>
+            <a:r>
+              <a:rPr lang="en-US" dirty="0" smtClean="0">
+                <a:latin typeface="Palatino Linotype" pitchFamily="18" charset="0"/>
+              </a:rPr>
+              <a:t>as follows.</a:t>
             </a:r>
             <a:endParaRPr lang="en-US" dirty="0">
               <a:latin typeface="Palatino Linotype" pitchFamily="18" charset="0"/>
@@ -5611,172 +4994,378 @@
           </a:p>
         </p:txBody>
       </p:sp>
-      <p:graphicFrame>
-        <p:nvGraphicFramePr>
-          <p:cNvPr id="10" name="Table 9"/>
-          <p:cNvGraphicFramePr>
-            <a:graphicFrameLocks noGrp="1"/>
-          </p:cNvGraphicFramePr>
+      <p:sp>
+        <p:nvSpPr>
+          <p:cNvPr id="2" name="Rectangle 1"/>
+          <p:cNvSpPr/>
           <p:nvPr/>
-        </p:nvGraphicFramePr>
-        <p:xfrm>
-          <a:off x="478582" y="1916832"/>
-          <a:ext cx="9217024" cy="1516380"/>
-        </p:xfrm>
-        <a:graphic>
-          <a:graphicData uri="http://schemas.openxmlformats.org/drawingml/2006/table">
-            <a:tbl>
-              <a:tblPr>
-                <a:tableStyleId>{5940675A-B579-460E-94D1-54222C63F5DA}</a:tableStyleId>
-              </a:tblPr>
-              <a:tblGrid>
-                <a:gridCol w="4608512"/>
-                <a:gridCol w="4608512"/>
-              </a:tblGrid>
-              <a:tr h="0">
-                <a:tc>
-                  <a:txBody>
-                    <a:bodyPr/>
-                    <a:lstStyle/>
-                    <a:p>
-                      <a:pPr algn="ctr" fontAlgn="b"/>
-                      <a:r>
-                        <a:rPr lang="en-US" b="1" dirty="0">
-                          <a:latin typeface="Palatino Linotype" pitchFamily="18" charset="0"/>
-                        </a:rPr>
-                        <a:t>Advantages</a:t>
-                      </a:r>
-                    </a:p>
-                  </a:txBody>
-                  <a:tcPr marL="95250" marR="95250" marT="95250" marB="95250" anchor="b"/>
-                </a:tc>
-                <a:tc>
-                  <a:txBody>
-                    <a:bodyPr/>
-                    <a:lstStyle/>
-                    <a:p>
-                      <a:pPr algn="ctr" fontAlgn="b"/>
-                      <a:r>
-                        <a:rPr lang="en-US" b="1" dirty="0">
-                          <a:latin typeface="Palatino Linotype" pitchFamily="18" charset="0"/>
-                        </a:rPr>
-                        <a:t>Disadvantages</a:t>
-                      </a:r>
-                    </a:p>
-                  </a:txBody>
-                  <a:tcPr marL="95250" marR="95250" marT="95250" marB="95250" anchor="b"/>
-                </a:tc>
-              </a:tr>
-              <a:tr h="0">
-                <a:tc>
-                  <a:txBody>
-                    <a:bodyPr/>
-                    <a:lstStyle/>
-                    <a:p>
-                      <a:pPr marL="360363" indent="0" fontAlgn="t"/>
-                      <a:r>
-                        <a:rPr lang="en-US" dirty="0">
-                          <a:latin typeface="Palatino Linotype" pitchFamily="18" charset="0"/>
-                        </a:rPr>
-                        <a:t>Low price</a:t>
-                      </a:r>
-                    </a:p>
-                  </a:txBody>
-                  <a:tcPr marL="38100" marR="38100" marT="38100" marB="38100"/>
-                </a:tc>
-                <a:tc>
-                  <a:txBody>
-                    <a:bodyPr/>
-                    <a:lstStyle/>
-                    <a:p>
-                      <a:pPr marL="360363" indent="0" fontAlgn="t"/>
-                      <a:r>
-                        <a:rPr lang="en-US" dirty="0">
-                          <a:latin typeface="Palatino Linotype" pitchFamily="18" charset="0"/>
-                        </a:rPr>
-                        <a:t>Slow access times</a:t>
-                      </a:r>
-                    </a:p>
-                  </a:txBody>
-                  <a:tcPr marL="38100" marR="38100" marT="38100" marB="38100"/>
-                </a:tc>
-              </a:tr>
-              <a:tr h="0">
-                <a:tc>
-                  <a:txBody>
-                    <a:bodyPr/>
-                    <a:lstStyle/>
-                    <a:p>
-                      <a:pPr marL="360363" indent="0" fontAlgn="t"/>
-                      <a:r>
-                        <a:rPr lang="en-US" dirty="0">
-                          <a:latin typeface="Palatino Linotype" pitchFamily="18" charset="0"/>
-                        </a:rPr>
-                        <a:t>Easy to use</a:t>
-                      </a:r>
-                    </a:p>
-                  </a:txBody>
-                  <a:tcPr marL="38100" marR="38100" marT="38100" marB="38100"/>
-                </a:tc>
-                <a:tc>
-                  <a:txBody>
-                    <a:bodyPr/>
-                    <a:lstStyle/>
-                    <a:p>
-                      <a:pPr fontAlgn="t"/>
-                      <a:r>
-                        <a:rPr lang="en-US" dirty="0">
-                          <a:latin typeface="Palatino Linotype" pitchFamily="18" charset="0"/>
-                        </a:rPr>
-                        <a:t> </a:t>
-                      </a:r>
-                    </a:p>
-                  </a:txBody>
-                  <a:tcPr marL="38100" marR="38100" marT="38100" marB="38100"/>
-                </a:tc>
-              </a:tr>
-              <a:tr h="0">
-                <a:tc>
-                  <a:txBody>
-                    <a:bodyPr/>
-                    <a:lstStyle/>
-                    <a:p>
-                      <a:pPr marL="360363" indent="0" fontAlgn="t"/>
-                      <a:r>
-                        <a:rPr lang="en-US" dirty="0">
-                          <a:latin typeface="Palatino Linotype" pitchFamily="18" charset="0"/>
-                        </a:rPr>
-                        <a:t>Easily scalable</a:t>
-                      </a:r>
-                    </a:p>
-                  </a:txBody>
-                  <a:tcPr marL="38100" marR="38100" marT="38100" marB="38100"/>
-                </a:tc>
-                <a:tc>
-                  <a:txBody>
-                    <a:bodyPr/>
-                    <a:lstStyle/>
-                    <a:p>
-                      <a:pPr fontAlgn="t"/>
-                      <a:r>
-                        <a:rPr lang="en-US" dirty="0">
-                          <a:latin typeface="Palatino Linotype" pitchFamily="18" charset="0"/>
-                        </a:rPr>
-                        <a:t> </a:t>
-                      </a:r>
-                    </a:p>
-                  </a:txBody>
-                  <a:tcPr marL="38100" marR="38100" marT="38100" marB="38100"/>
-                </a:tc>
-              </a:tr>
-            </a:tbl>
-          </a:graphicData>
-        </a:graphic>
-      </p:graphicFrame>
+        </p:nvSpPr>
+        <p:spPr>
+          <a:xfrm>
+            <a:off x="118542" y="1816411"/>
+            <a:ext cx="4536504" cy="369332"/>
+          </a:xfrm>
+          <a:prstGeom prst="rect">
+            <a:avLst/>
+          </a:prstGeom>
+        </p:spPr>
+        <p:txBody>
+          <a:bodyPr wrap="square">
+            <a:spAutoFit/>
+          </a:bodyPr>
+          <a:lstStyle/>
+          <a:p>
+            <a:r>
+              <a:rPr lang="en-IN" b="1" dirty="0">
+                <a:latin typeface="Palatino Linotype" panose="02040502050505030304" pitchFamily="18" charset="0"/>
+              </a:rPr>
+              <a:t>Disadvantage </a:t>
+            </a:r>
+            <a:r>
+              <a:rPr lang="en-IN" b="1" dirty="0" smtClean="0">
+                <a:solidFill>
+                  <a:srgbClr val="000000"/>
+                </a:solidFill>
+                <a:latin typeface="Palatino Linotype" panose="02040502050505030304" pitchFamily="18" charset="0"/>
+              </a:rPr>
+              <a:t> </a:t>
+            </a:r>
+            <a:r>
+              <a:rPr lang="en-IN" b="1" dirty="0">
+                <a:solidFill>
+                  <a:srgbClr val="000000"/>
+                </a:solidFill>
+                <a:latin typeface="Palatino Linotype" panose="02040502050505030304" pitchFamily="18" charset="0"/>
+              </a:rPr>
+              <a:t>of File-oriented system</a:t>
+            </a:r>
+            <a:endParaRPr lang="en-IN" b="1" i="0" dirty="0">
+              <a:solidFill>
+                <a:srgbClr val="000000"/>
+              </a:solidFill>
+              <a:effectLst/>
+              <a:latin typeface="Palatino Linotype" panose="02040502050505030304" pitchFamily="18" charset="0"/>
+            </a:endParaRPr>
+          </a:p>
+        </p:txBody>
+      </p:sp>
+      <p:sp>
+        <p:nvSpPr>
+          <p:cNvPr id="3" name="Rectangle 2"/>
+          <p:cNvSpPr/>
+          <p:nvPr/>
+        </p:nvSpPr>
+        <p:spPr>
+          <a:xfrm>
+            <a:off x="118542" y="2420811"/>
+            <a:ext cx="11637137" cy="3416320"/>
+          </a:xfrm>
+          <a:prstGeom prst="rect">
+            <a:avLst/>
+          </a:prstGeom>
+        </p:spPr>
+        <p:txBody>
+          <a:bodyPr wrap="square">
+            <a:spAutoFit/>
+          </a:bodyPr>
+          <a:lstStyle/>
+          <a:p>
+            <a:pPr marL="285750" indent="-285750">
+              <a:buFont typeface="Arial" panose="020B0604020202020204" pitchFamily="34" charset="0"/>
+              <a:buChar char="•"/>
+            </a:pPr>
+            <a:r>
+              <a:rPr lang="en-US" b="1" dirty="0">
+                <a:latin typeface="Palatino Linotype" panose="02040502050505030304" pitchFamily="18" charset="0"/>
+              </a:rPr>
+              <a:t>Data </a:t>
+            </a:r>
+            <a:r>
+              <a:rPr lang="en-US" b="1" dirty="0" smtClean="0">
+                <a:latin typeface="Palatino Linotype" panose="02040502050505030304" pitchFamily="18" charset="0"/>
+              </a:rPr>
+              <a:t>redundancy</a:t>
+            </a:r>
+            <a:r>
+              <a:rPr lang="en-US" i="1" dirty="0" smtClean="0">
+                <a:latin typeface="Palatino Linotype" panose="02040502050505030304" pitchFamily="18" charset="0"/>
+              </a:rPr>
+              <a:t>: </a:t>
+            </a:r>
+            <a:r>
+              <a:rPr lang="en-US" dirty="0" smtClean="0">
+                <a:latin typeface="Palatino Linotype" panose="02040502050505030304" pitchFamily="18" charset="0"/>
+              </a:rPr>
+              <a:t>It </a:t>
+            </a:r>
+            <a:r>
+              <a:rPr lang="en-US" dirty="0">
+                <a:latin typeface="Palatino Linotype" panose="02040502050505030304" pitchFamily="18" charset="0"/>
+              </a:rPr>
+              <a:t>is possible that the same information may be duplicated in different files</a:t>
+            </a:r>
+            <a:r>
+              <a:rPr lang="en-US" dirty="0" smtClean="0">
+                <a:latin typeface="Palatino Linotype" panose="02040502050505030304" pitchFamily="18" charset="0"/>
+              </a:rPr>
+              <a:t>. This </a:t>
+            </a:r>
+            <a:r>
+              <a:rPr lang="en-US" dirty="0">
+                <a:latin typeface="Palatino Linotype" panose="02040502050505030304" pitchFamily="18" charset="0"/>
+              </a:rPr>
+              <a:t>leads to data redundancy results in memory wastage</a:t>
+            </a:r>
+            <a:r>
+              <a:rPr lang="en-US" dirty="0" smtClean="0">
+                <a:latin typeface="Palatino Linotype" panose="02040502050505030304" pitchFamily="18" charset="0"/>
+              </a:rPr>
+              <a:t>.</a:t>
+            </a:r>
+          </a:p>
+          <a:p>
+            <a:pPr marL="285750" indent="-285750">
+              <a:buFont typeface="Arial" panose="020B0604020202020204" pitchFamily="34" charset="0"/>
+              <a:buChar char="•"/>
+            </a:pPr>
+            <a:endParaRPr lang="en-US" dirty="0">
+              <a:latin typeface="Palatino Linotype" panose="02040502050505030304" pitchFamily="18" charset="0"/>
+            </a:endParaRPr>
+          </a:p>
+          <a:p>
+            <a:pPr marL="285750" indent="-285750">
+              <a:buFont typeface="Arial" panose="020B0604020202020204" pitchFamily="34" charset="0"/>
+              <a:buChar char="•"/>
+            </a:pPr>
+            <a:r>
+              <a:rPr lang="en-US" b="1" dirty="0">
+                <a:latin typeface="Palatino Linotype" panose="02040502050505030304" pitchFamily="18" charset="0"/>
+              </a:rPr>
+              <a:t>Data</a:t>
+            </a:r>
+            <a:r>
+              <a:rPr lang="en-US" i="1" dirty="0">
+                <a:latin typeface="Palatino Linotype" panose="02040502050505030304" pitchFamily="18" charset="0"/>
+              </a:rPr>
+              <a:t> </a:t>
+            </a:r>
+            <a:r>
+              <a:rPr lang="en-US" b="1" dirty="0">
+                <a:latin typeface="Palatino Linotype" panose="02040502050505030304" pitchFamily="18" charset="0"/>
+              </a:rPr>
+              <a:t>i</a:t>
+            </a:r>
+            <a:r>
+              <a:rPr lang="en-US" b="1" dirty="0" smtClean="0">
+                <a:latin typeface="Palatino Linotype" panose="02040502050505030304" pitchFamily="18" charset="0"/>
+              </a:rPr>
+              <a:t>nconsistency</a:t>
+            </a:r>
+            <a:r>
+              <a:rPr lang="en-US" i="1" dirty="0" smtClean="0">
+                <a:latin typeface="Palatino Linotype" panose="02040502050505030304" pitchFamily="18" charset="0"/>
+              </a:rPr>
+              <a:t>: </a:t>
+            </a:r>
+            <a:r>
+              <a:rPr lang="en-US" dirty="0" smtClean="0">
+                <a:latin typeface="Palatino Linotype" panose="02040502050505030304" pitchFamily="18" charset="0"/>
+              </a:rPr>
+              <a:t>Because </a:t>
+            </a:r>
+            <a:r>
+              <a:rPr lang="en-US" dirty="0">
+                <a:latin typeface="Palatino Linotype" panose="02040502050505030304" pitchFamily="18" charset="0"/>
+              </a:rPr>
+              <a:t>of data redundancy</a:t>
+            </a:r>
+            <a:r>
+              <a:rPr lang="en-US" dirty="0" smtClean="0">
+                <a:latin typeface="Palatino Linotype" panose="02040502050505030304" pitchFamily="18" charset="0"/>
+              </a:rPr>
+              <a:t>, it </a:t>
+            </a:r>
+            <a:r>
+              <a:rPr lang="en-US" dirty="0">
+                <a:latin typeface="Palatino Linotype" panose="02040502050505030304" pitchFamily="18" charset="0"/>
+              </a:rPr>
+              <a:t>is possible that data may not be in consistent state.</a:t>
+            </a:r>
+          </a:p>
+          <a:p>
+            <a:pPr marL="285750" indent="-285750">
+              <a:buFont typeface="Arial" panose="020B0604020202020204" pitchFamily="34" charset="0"/>
+              <a:buChar char="•"/>
+            </a:pPr>
+            <a:endParaRPr lang="en-US" dirty="0" smtClean="0">
+              <a:latin typeface="Palatino Linotype" panose="02040502050505030304" pitchFamily="18" charset="0"/>
+            </a:endParaRPr>
+          </a:p>
+          <a:p>
+            <a:pPr marL="285750" indent="-285750">
+              <a:buFont typeface="Arial" panose="020B0604020202020204" pitchFamily="34" charset="0"/>
+              <a:buChar char="•"/>
+            </a:pPr>
+            <a:r>
+              <a:rPr lang="en-US" b="1" dirty="0">
+                <a:latin typeface="Palatino Linotype" panose="02040502050505030304" pitchFamily="18" charset="0"/>
+              </a:rPr>
+              <a:t>Limited</a:t>
+            </a:r>
+            <a:r>
+              <a:rPr lang="en-US" i="1" dirty="0">
+                <a:latin typeface="Palatino Linotype" panose="02040502050505030304" pitchFamily="18" charset="0"/>
+              </a:rPr>
+              <a:t> </a:t>
+            </a:r>
+            <a:r>
+              <a:rPr lang="en-US" b="1" dirty="0">
+                <a:latin typeface="Palatino Linotype" panose="02040502050505030304" pitchFamily="18" charset="0"/>
+              </a:rPr>
+              <a:t>d</a:t>
+            </a:r>
+            <a:r>
+              <a:rPr lang="en-US" b="1" dirty="0" smtClean="0">
+                <a:latin typeface="Palatino Linotype" panose="02040502050505030304" pitchFamily="18" charset="0"/>
+              </a:rPr>
+              <a:t>ata</a:t>
+            </a:r>
+            <a:r>
+              <a:rPr lang="en-US" i="1" dirty="0" smtClean="0">
+                <a:latin typeface="Palatino Linotype" panose="02040502050505030304" pitchFamily="18" charset="0"/>
+              </a:rPr>
+              <a:t> </a:t>
+            </a:r>
+            <a:r>
+              <a:rPr lang="en-US" b="1" dirty="0">
+                <a:latin typeface="Palatino Linotype" panose="02040502050505030304" pitchFamily="18" charset="0"/>
+              </a:rPr>
+              <a:t>s</a:t>
+            </a:r>
+            <a:r>
+              <a:rPr lang="en-US" b="1" dirty="0" smtClean="0">
+                <a:latin typeface="Palatino Linotype" panose="02040502050505030304" pitchFamily="18" charset="0"/>
+              </a:rPr>
+              <a:t>haring</a:t>
+            </a:r>
+            <a:r>
+              <a:rPr lang="en-US" i="1" dirty="0" smtClean="0">
+                <a:latin typeface="Palatino Linotype" panose="02040502050505030304" pitchFamily="18" charset="0"/>
+              </a:rPr>
+              <a:t>: </a:t>
+            </a:r>
+            <a:r>
+              <a:rPr lang="en-US" dirty="0" smtClean="0">
+                <a:latin typeface="Palatino Linotype" panose="02040502050505030304" pitchFamily="18" charset="0"/>
+              </a:rPr>
+              <a:t>Data </a:t>
+            </a:r>
+            <a:r>
+              <a:rPr lang="en-US" dirty="0">
+                <a:latin typeface="Palatino Linotype" panose="02040502050505030304" pitchFamily="18" charset="0"/>
+              </a:rPr>
+              <a:t>are scattered in various </a:t>
+            </a:r>
+            <a:r>
+              <a:rPr lang="en-US" dirty="0" smtClean="0">
+                <a:latin typeface="Palatino Linotype" panose="02040502050505030304" pitchFamily="18" charset="0"/>
+              </a:rPr>
+              <a:t>files and also </a:t>
+            </a:r>
+            <a:r>
+              <a:rPr lang="en-US" dirty="0">
+                <a:latin typeface="Palatino Linotype" panose="02040502050505030304" pitchFamily="18" charset="0"/>
+              </a:rPr>
+              <a:t>different files may have different formats and these files may be stored in different </a:t>
+            </a:r>
+            <a:r>
+              <a:rPr lang="en-US" dirty="0" smtClean="0">
+                <a:latin typeface="Palatino Linotype" panose="02040502050505030304" pitchFamily="18" charset="0"/>
+              </a:rPr>
+              <a:t>folders so</a:t>
+            </a:r>
+            <a:r>
+              <a:rPr lang="en-US" dirty="0">
+                <a:latin typeface="Palatino Linotype" panose="02040502050505030304" pitchFamily="18" charset="0"/>
+              </a:rPr>
+              <a:t>, due to this </a:t>
+            </a:r>
+            <a:r>
+              <a:rPr lang="en-US" dirty="0" smtClean="0">
+                <a:latin typeface="Palatino Linotype" panose="02040502050505030304" pitchFamily="18" charset="0"/>
+              </a:rPr>
+              <a:t>it </a:t>
+            </a:r>
+            <a:r>
+              <a:rPr lang="en-US" dirty="0">
+                <a:latin typeface="Palatino Linotype" panose="02040502050505030304" pitchFamily="18" charset="0"/>
+              </a:rPr>
+              <a:t>is difficult to share data among different applications</a:t>
+            </a:r>
+            <a:r>
+              <a:rPr lang="en-US" dirty="0" smtClean="0">
+                <a:latin typeface="Palatino Linotype" panose="02040502050505030304" pitchFamily="18" charset="0"/>
+              </a:rPr>
+              <a:t>.</a:t>
+            </a:r>
+          </a:p>
+          <a:p>
+            <a:pPr marL="285750" indent="-285750">
+              <a:buFont typeface="Arial" panose="020B0604020202020204" pitchFamily="34" charset="0"/>
+              <a:buChar char="•"/>
+            </a:pPr>
+            <a:endParaRPr lang="en-US" dirty="0">
+              <a:latin typeface="Palatino Linotype" panose="02040502050505030304" pitchFamily="18" charset="0"/>
+            </a:endParaRPr>
+          </a:p>
+          <a:p>
+            <a:pPr marL="285750" indent="-285750">
+              <a:buFont typeface="Arial" panose="020B0604020202020204" pitchFamily="34" charset="0"/>
+              <a:buChar char="•"/>
+            </a:pPr>
+            <a:r>
+              <a:rPr lang="en-US" b="1" dirty="0" smtClean="0">
+                <a:latin typeface="Palatino Linotype" panose="02040502050505030304" pitchFamily="18" charset="0"/>
+              </a:rPr>
+              <a:t>Data</a:t>
+            </a:r>
+            <a:r>
+              <a:rPr lang="en-US" i="1" dirty="0" smtClean="0">
+                <a:latin typeface="Palatino Linotype" panose="02040502050505030304" pitchFamily="18" charset="0"/>
+              </a:rPr>
+              <a:t> </a:t>
+            </a:r>
+            <a:r>
+              <a:rPr lang="en-US" b="1" dirty="0" smtClean="0">
+                <a:latin typeface="Palatino Linotype" panose="02040502050505030304" pitchFamily="18" charset="0"/>
+              </a:rPr>
+              <a:t>security: </a:t>
+            </a:r>
+            <a:r>
+              <a:rPr lang="en-US" dirty="0">
+                <a:latin typeface="Palatino Linotype" panose="02040502050505030304" pitchFamily="18" charset="0"/>
+              </a:rPr>
+              <a:t>Data should be secured from </a:t>
+            </a:r>
+            <a:r>
+              <a:rPr lang="en-US" dirty="0" smtClean="0">
+                <a:latin typeface="Palatino Linotype" panose="02040502050505030304" pitchFamily="18" charset="0"/>
+              </a:rPr>
+              <a:t>unauthorized </a:t>
+            </a:r>
+            <a:r>
+              <a:rPr lang="en-US" dirty="0">
+                <a:latin typeface="Palatino Linotype" panose="02040502050505030304" pitchFamily="18" charset="0"/>
+              </a:rPr>
+              <a:t>access, for example a student in a college should not be able to see the payroll details of the teachers, such kind of security constraints are difficult to apply in file processing systems.</a:t>
+            </a:r>
+          </a:p>
+        </p:txBody>
+      </p:sp>
     </p:spTree>
     <p:extLst>
       <p:ext uri="{BB962C8B-B14F-4D97-AF65-F5344CB8AC3E}">
-        <p14:creationId xmlns:p14="http://schemas.microsoft.com/office/powerpoint/2010/main" xmlns="" val="1941358839"/>
+        <p14:creationId xmlns:p14="http://schemas.microsoft.com/office/powerpoint/2010/main" val="1941358839"/>
       </p:ext>
     </p:extLst>
   </p:cSld>
@@ -5815,7 +5404,7 @@
           <p:cNvPr id="4" name="Picture 3">
             <a:extLst>
               <a:ext uri="{FF2B5EF4-FFF2-40B4-BE49-F238E27FC236}">
-                <a16:creationId xmlns:a16="http://schemas.microsoft.com/office/drawing/2014/main" xmlns="" id="{4B3E96E4-8532-4FFA-8020-A53D8FBA2F23}"/>
+                <a16:creationId xmlns:a16="http://schemas.microsoft.com/office/drawing/2014/main" id="{4B3E96E4-8532-4FFA-8020-A53D8FBA2F23}"/>
               </a:ext>
             </a:extLst>
           </p:cNvPr>
@@ -5828,7 +5417,7 @@
           <a:blip r:embed="rId2" cstate="print">
             <a:extLst>
               <a:ext uri="{28A0092B-C50C-407E-A947-70E740481C1C}">
-                <a14:useLocalDpi xmlns:a14="http://schemas.microsoft.com/office/drawing/2010/main" xmlns="" val="0"/>
+                <a14:useLocalDpi xmlns:a14="http://schemas.microsoft.com/office/drawing/2010/main" val="0"/>
               </a:ext>
             </a:extLst>
           </a:blip>
@@ -5851,7 +5440,7 @@
           <p:cNvPr id="5" name="Footer Placeholder 2">
             <a:extLst>
               <a:ext uri="{FF2B5EF4-FFF2-40B4-BE49-F238E27FC236}">
-                <a16:creationId xmlns:a16="http://schemas.microsoft.com/office/drawing/2014/main" xmlns="" id="{70AFCD6D-DBA1-4EE8-A96A-D9652119B5FA}"/>
+                <a16:creationId xmlns:a16="http://schemas.microsoft.com/office/drawing/2014/main" id="{70AFCD6D-DBA1-4EE8-A96A-D9652119B5FA}"/>
               </a:ext>
             </a:extLst>
           </p:cNvPr>
@@ -5983,7 +5572,7 @@
           <p:cNvPr id="7" name="Rectangle 6">
             <a:extLst>
               <a:ext uri="{FF2B5EF4-FFF2-40B4-BE49-F238E27FC236}">
-                <a16:creationId xmlns:a16="http://schemas.microsoft.com/office/drawing/2014/main" xmlns="" id="{09A4DD51-F450-4FA7-BA18-C2A26D10D72C}"/>
+                <a16:creationId xmlns:a16="http://schemas.microsoft.com/office/drawing/2014/main" id="{09A4DD51-F450-4FA7-BA18-C2A26D10D72C}"/>
               </a:ext>
             </a:extLst>
           </p:cNvPr>
@@ -5993,7 +5582,7 @@
         <p:spPr>
           <a:xfrm>
             <a:off x="1523802" y="2"/>
-            <a:ext cx="9142810" cy="923330"/>
+            <a:ext cx="9142810" cy="838499"/>
           </a:xfrm>
           <a:prstGeom prst="rect">
             <a:avLst/>
@@ -6014,8 +5603,10 @@
               </a:lnSpc>
             </a:pPr>
             <a:r>
-              <a:rPr lang="en-US" sz="3600" dirty="0" smtClean="0"/>
-              <a:t>Advantages and Disadvantages of DBMS</a:t>
+              <a:rPr lang="en-US" sz="3600" dirty="0" smtClean="0">
+                <a:latin typeface="Palatino Linotype" panose="02040502050505030304" pitchFamily="18" charset="0"/>
+              </a:rPr>
+              <a:t>DBMS</a:t>
             </a:r>
             <a:endParaRPr lang="en-US" sz="3600" dirty="0">
               <a:latin typeface="Palatino Linotype" panose="02040502050505030304" pitchFamily="18" charset="0"/>
@@ -6025,521 +5616,182 @@
       </p:sp>
       <p:sp>
         <p:nvSpPr>
-          <p:cNvPr id="12" name="Rectangle 11"/>
+          <p:cNvPr id="9" name="Rectangle 8">
+            <a:extLst>
+              <a:ext uri="{FF2B5EF4-FFF2-40B4-BE49-F238E27FC236}">
+                <a16:creationId xmlns:a16="http://schemas.microsoft.com/office/drawing/2014/main" id="{8FAE9B23-3ED4-4706-957F-B5A1738E90CC}"/>
+              </a:ext>
+            </a:extLst>
+          </p:cNvPr>
           <p:cNvSpPr/>
           <p:nvPr/>
         </p:nvSpPr>
         <p:spPr>
           <a:xfrm>
-            <a:off x="11755679" y="0"/>
-            <a:ext cx="434734" cy="369332"/>
-          </a:xfrm>
-          <a:prstGeom prst="rect">
-            <a:avLst/>
-          </a:prstGeom>
-        </p:spPr>
-        <p:txBody>
-          <a:bodyPr wrap="none">
+            <a:off x="190550" y="1196752"/>
+            <a:ext cx="11881320" cy="1138773"/>
+          </a:xfrm>
+          <a:prstGeom prst="rect">
+            <a:avLst/>
+          </a:prstGeom>
+        </p:spPr>
+        <p:txBody>
+          <a:bodyPr wrap="square">
             <a:spAutoFit/>
           </a:bodyPr>
           <a:lstStyle/>
           <a:p>
-            <a:r>
-              <a:rPr lang="en-IN" dirty="0" smtClean="0">
-                <a:latin typeface="Segoe UI Light" panose="020B0502040204020203" pitchFamily="34" charset="0"/>
-                <a:cs typeface="Segoe UI Light" panose="020B0502040204020203" pitchFamily="34" charset="0"/>
-              </a:rPr>
-              <a:t>(5)</a:t>
-            </a:r>
-            <a:endParaRPr lang="en-US" dirty="0"/>
-          </a:p>
-        </p:txBody>
-      </p:sp>
-      <p:graphicFrame>
-        <p:nvGraphicFramePr>
-          <p:cNvPr id="6" name="Table 5"/>
-          <p:cNvGraphicFramePr>
-            <a:graphicFrameLocks noGrp="1"/>
-          </p:cNvGraphicFramePr>
+            <a:pPr marL="285750" indent="-285750">
+              <a:buFont typeface="Arial" panose="020B0604020202020204" pitchFamily="34" charset="0"/>
+              <a:buChar char="•"/>
+            </a:pPr>
+            <a:r>
+              <a:rPr lang="en-US" sz="2000" b="1" dirty="0">
+                <a:latin typeface="Palatino Linotype" panose="02040502050505030304" pitchFamily="18" charset="0"/>
+              </a:rPr>
+              <a:t>database: </a:t>
+            </a:r>
+            <a:r>
+              <a:rPr lang="en-US" sz="2000" dirty="0">
+                <a:latin typeface="Palatino Linotype" panose="02040502050505030304" pitchFamily="18" charset="0"/>
+              </a:rPr>
+              <a:t>Is the collection of related </a:t>
+            </a:r>
+            <a:r>
+              <a:rPr lang="en-US" sz="2000" b="1" dirty="0">
+                <a:latin typeface="Palatino Linotype" panose="02040502050505030304" pitchFamily="18" charset="0"/>
+              </a:rPr>
+              <a:t>data </a:t>
+            </a:r>
+            <a:r>
+              <a:rPr lang="en-US" sz="2000" dirty="0">
+                <a:latin typeface="Palatino Linotype" panose="02040502050505030304" pitchFamily="18" charset="0"/>
+              </a:rPr>
+              <a:t>which is organized, which is also called as structured data</a:t>
+            </a:r>
+            <a:r>
+              <a:rPr lang="en-US" sz="2000" b="1" dirty="0">
+                <a:latin typeface="Palatino Linotype" panose="02040502050505030304" pitchFamily="18" charset="0"/>
+              </a:rPr>
+              <a:t>.</a:t>
+            </a:r>
+          </a:p>
+          <a:p>
+            <a:pPr marL="285750" indent="-285750">
+              <a:buFont typeface="Arial" panose="020B0604020202020204" pitchFamily="34" charset="0"/>
+              <a:buChar char="•"/>
+            </a:pPr>
+            <a:endParaRPr lang="en-US" sz="800" b="1" dirty="0">
+              <a:latin typeface="Palatino Linotype" panose="02040502050505030304" pitchFamily="18" charset="0"/>
+            </a:endParaRPr>
+          </a:p>
+          <a:p>
+            <a:pPr marL="285750" indent="-285750">
+              <a:buFont typeface="Arial" panose="020B0604020202020204" pitchFamily="34" charset="0"/>
+              <a:buChar char="•"/>
+            </a:pPr>
+            <a:r>
+              <a:rPr lang="en-IN" sz="2000" b="1" dirty="0">
+                <a:latin typeface="Palatino Linotype" panose="02040502050505030304" pitchFamily="18" charset="0"/>
+              </a:rPr>
+              <a:t>management</a:t>
+            </a:r>
+            <a:r>
+              <a:rPr lang="en-IN" sz="2000" dirty="0">
+                <a:latin typeface="Palatino Linotype" panose="02040502050505030304" pitchFamily="18" charset="0"/>
+              </a:rPr>
+              <a:t> </a:t>
+            </a:r>
+            <a:r>
+              <a:rPr lang="en-IN" sz="2000" b="1" dirty="0">
+                <a:latin typeface="Palatino Linotype" panose="02040502050505030304" pitchFamily="18" charset="0"/>
+              </a:rPr>
+              <a:t>system</a:t>
+            </a:r>
+            <a:r>
+              <a:rPr lang="en-IN" sz="2000" dirty="0">
+                <a:latin typeface="Palatino Linotype" panose="02040502050505030304" pitchFamily="18" charset="0"/>
+              </a:rPr>
+              <a:t>: </a:t>
+            </a:r>
+            <a:r>
+              <a:rPr lang="en-US" sz="2000" dirty="0">
+                <a:latin typeface="Palatino Linotype" panose="02040502050505030304" pitchFamily="18" charset="0"/>
+              </a:rPr>
+              <a:t>is a software package designed to manipulate, retrieve and manage data in a database.</a:t>
+            </a:r>
+            <a:endParaRPr lang="en-IN" sz="2000" dirty="0">
+              <a:latin typeface="Palatino Linotype" panose="02040502050505030304" pitchFamily="18" charset="0"/>
+            </a:endParaRPr>
+          </a:p>
+        </p:txBody>
+      </p:sp>
+      <p:pic>
+        <p:nvPicPr>
+          <p:cNvPr id="8" name="Picture 7"/>
+          <p:cNvPicPr>
+            <a:picLocks noChangeAspect="1"/>
+          </p:cNvPicPr>
           <p:nvPr/>
-        </p:nvGraphicFramePr>
-        <p:xfrm>
-          <a:off x="478582" y="1052736"/>
-          <a:ext cx="9217024" cy="1866900"/>
-        </p:xfrm>
-        <a:graphic>
-          <a:graphicData uri="http://schemas.openxmlformats.org/drawingml/2006/table">
-            <a:tbl>
-              <a:tblPr>
-                <a:tableStyleId>{5940675A-B579-460E-94D1-54222C63F5DA}</a:tableStyleId>
-              </a:tblPr>
-              <a:tblGrid>
-                <a:gridCol w="4608512"/>
-                <a:gridCol w="4608512"/>
-              </a:tblGrid>
-              <a:tr h="0">
-                <a:tc>
-                  <a:txBody>
-                    <a:bodyPr/>
-                    <a:lstStyle/>
-                    <a:p>
-                      <a:pPr algn="ctr" fontAlgn="b"/>
-                      <a:r>
-                        <a:rPr lang="en-US" b="1" dirty="0">
-                          <a:latin typeface="Palatino Linotype" pitchFamily="18" charset="0"/>
-                        </a:rPr>
-                        <a:t>Advantages</a:t>
-                      </a:r>
-                    </a:p>
-                  </a:txBody>
-                  <a:tcPr marL="95250" marR="95250" marT="95250" marB="95250" anchor="b"/>
-                </a:tc>
-                <a:tc>
-                  <a:txBody>
-                    <a:bodyPr/>
-                    <a:lstStyle/>
-                    <a:p>
-                      <a:pPr algn="ctr" fontAlgn="b"/>
-                      <a:r>
-                        <a:rPr lang="en-US" b="1" dirty="0">
-                          <a:latin typeface="Palatino Linotype" pitchFamily="18" charset="0"/>
-                        </a:rPr>
-                        <a:t>Disadvantages</a:t>
-                      </a:r>
-                    </a:p>
-                  </a:txBody>
-                  <a:tcPr marL="95250" marR="95250" marT="95250" marB="95250" anchor="b"/>
-                </a:tc>
-              </a:tr>
-              <a:tr h="0">
-                <a:tc>
-                  <a:txBody>
-                    <a:bodyPr/>
-                    <a:lstStyle/>
-                    <a:p>
-                      <a:pPr marL="360363" indent="0" algn="l" defTabSz="914400" rtl="0" eaLnBrk="1" fontAlgn="t" latinLnBrk="0" hangingPunct="1"/>
-                      <a:r>
-                        <a:rPr lang="en-US" sz="1800" kern="1200" dirty="0" smtClean="0">
-                          <a:solidFill>
-                            <a:schemeClr val="tx1"/>
-                          </a:solidFill>
-                          <a:latin typeface="Palatino Linotype" pitchFamily="18" charset="0"/>
-                          <a:ea typeface="+mn-ea"/>
-                          <a:cs typeface="+mn-cs"/>
-                        </a:rPr>
-                        <a:t>Improved data sharing</a:t>
-                      </a:r>
-                      <a:endParaRPr lang="en-US" sz="1800" kern="1200" dirty="0">
-                        <a:solidFill>
-                          <a:schemeClr val="tx1"/>
-                        </a:solidFill>
-                        <a:latin typeface="Palatino Linotype" pitchFamily="18" charset="0"/>
-                        <a:ea typeface="+mn-ea"/>
-                        <a:cs typeface="+mn-cs"/>
-                      </a:endParaRPr>
-                    </a:p>
-                  </a:txBody>
-                  <a:tcPr marL="38100" marR="38100" marT="38100" marB="38100"/>
-                </a:tc>
-                <a:tc>
-                  <a:txBody>
-                    <a:bodyPr/>
-                    <a:lstStyle/>
-                    <a:p>
-                      <a:pPr marL="360363" indent="0" algn="l" defTabSz="914400" rtl="0" eaLnBrk="1" fontAlgn="t" latinLnBrk="0" hangingPunct="1"/>
-                      <a:r>
-                        <a:rPr lang="en-US" sz="1800" kern="1200" dirty="0" smtClean="0">
-                          <a:solidFill>
-                            <a:schemeClr val="tx1"/>
-                          </a:solidFill>
-                          <a:latin typeface="Palatino Linotype" pitchFamily="18" charset="0"/>
-                          <a:ea typeface="+mn-ea"/>
-                          <a:cs typeface="+mn-cs"/>
-                        </a:rPr>
-                        <a:t>Increased costs</a:t>
-                      </a:r>
-                    </a:p>
-                  </a:txBody>
-                  <a:tcPr marL="38100" marR="38100" marT="38100" marB="38100"/>
-                </a:tc>
-              </a:tr>
-              <a:tr h="0">
-                <a:tc>
-                  <a:txBody>
-                    <a:bodyPr/>
-                    <a:lstStyle/>
-                    <a:p>
-                      <a:pPr marL="360363" indent="0" algn="l" defTabSz="914400" rtl="0" eaLnBrk="1" fontAlgn="t" latinLnBrk="0" hangingPunct="1"/>
-                      <a:r>
-                        <a:rPr lang="en-US" sz="1800" kern="1200" dirty="0" smtClean="0">
-                          <a:solidFill>
-                            <a:schemeClr val="tx1"/>
-                          </a:solidFill>
-                          <a:latin typeface="Palatino Linotype" pitchFamily="18" charset="0"/>
-                          <a:ea typeface="+mn-ea"/>
-                          <a:cs typeface="+mn-cs"/>
-                        </a:rPr>
-                        <a:t>Improved data security</a:t>
-                      </a:r>
-                    </a:p>
-                  </a:txBody>
-                  <a:tcPr marL="38100" marR="38100" marT="38100" marB="38100"/>
-                </a:tc>
-                <a:tc>
-                  <a:txBody>
-                    <a:bodyPr/>
-                    <a:lstStyle/>
-                    <a:p>
-                      <a:pPr marL="269875" indent="0" algn="l" defTabSz="914400" rtl="0" eaLnBrk="1" fontAlgn="t" latinLnBrk="0" hangingPunct="1"/>
-                      <a:r>
-                        <a:rPr lang="en-US" sz="1800" kern="1200" dirty="0" smtClean="0">
-                          <a:solidFill>
-                            <a:schemeClr val="tx1"/>
-                          </a:solidFill>
-                          <a:latin typeface="Palatino Linotype" pitchFamily="18" charset="0"/>
-                          <a:ea typeface="+mn-ea"/>
-                          <a:cs typeface="+mn-cs"/>
-                        </a:rPr>
-                        <a:t> Complexity</a:t>
-                      </a:r>
-                    </a:p>
-                  </a:txBody>
-                  <a:tcPr marL="38100" marR="38100" marT="38100" marB="38100"/>
-                </a:tc>
-              </a:tr>
-              <a:tr h="0">
-                <a:tc>
-                  <a:txBody>
-                    <a:bodyPr/>
-                    <a:lstStyle/>
-                    <a:p>
-                      <a:pPr marL="360363" indent="0" fontAlgn="t"/>
-                      <a:r>
-                        <a:rPr lang="en-US" sz="1800" kern="1200" dirty="0" smtClean="0">
-                          <a:solidFill>
-                            <a:schemeClr val="tx1"/>
-                          </a:solidFill>
-                          <a:latin typeface="Palatino Linotype" pitchFamily="18" charset="0"/>
-                          <a:ea typeface="+mn-ea"/>
-                          <a:cs typeface="+mn-cs"/>
-                        </a:rPr>
-                        <a:t>Minimized data inconsistency</a:t>
-                      </a:r>
-                    </a:p>
-                  </a:txBody>
-                  <a:tcPr marL="38100" marR="38100" marT="38100" marB="38100"/>
-                </a:tc>
-                <a:tc>
-                  <a:txBody>
-                    <a:bodyPr/>
-                    <a:lstStyle/>
-                    <a:p>
-                      <a:pPr marL="269875" indent="0" fontAlgn="t"/>
-                      <a:r>
-                        <a:rPr lang="en-US" sz="1800" kern="1200" dirty="0" smtClean="0">
-                          <a:solidFill>
-                            <a:schemeClr val="tx1"/>
-                          </a:solidFill>
-                          <a:latin typeface="Palatino Linotype" pitchFamily="18" charset="0"/>
-                          <a:ea typeface="+mn-ea"/>
-                          <a:cs typeface="+mn-cs"/>
-                        </a:rPr>
-                        <a:t> Performance</a:t>
-                      </a:r>
-                    </a:p>
-                  </a:txBody>
-                  <a:tcPr marL="38100" marR="38100" marT="38100" marB="38100"/>
-                </a:tc>
-              </a:tr>
-              <a:tr h="0">
-                <a:tc>
-                  <a:txBody>
-                    <a:bodyPr/>
-                    <a:lstStyle/>
-                    <a:p>
-                      <a:pPr marL="360363" indent="0" fontAlgn="t"/>
-                      <a:r>
-                        <a:rPr lang="en-US" sz="1800" kern="1200" dirty="0" smtClean="0">
-                          <a:solidFill>
-                            <a:schemeClr val="tx1"/>
-                          </a:solidFill>
-                          <a:latin typeface="Palatino Linotype" pitchFamily="18" charset="0"/>
-                          <a:ea typeface="+mn-ea"/>
-                          <a:cs typeface="+mn-cs"/>
-                        </a:rPr>
-                        <a:t>Improved data access</a:t>
-                      </a:r>
-                    </a:p>
-                  </a:txBody>
-                  <a:tcPr marL="38100" marR="38100" marT="38100" marB="38100"/>
-                </a:tc>
-                <a:tc>
-                  <a:txBody>
-                    <a:bodyPr/>
-                    <a:lstStyle/>
-                    <a:p>
-                      <a:pPr marL="360363" indent="0" fontAlgn="t"/>
-                      <a:r>
-                        <a:rPr lang="en-US" sz="1800" kern="1200" dirty="0" smtClean="0">
-                          <a:solidFill>
-                            <a:schemeClr val="tx1"/>
-                          </a:solidFill>
-                          <a:latin typeface="Palatino Linotype" pitchFamily="18" charset="0"/>
-                          <a:ea typeface="+mn-ea"/>
-                          <a:cs typeface="+mn-cs"/>
-                        </a:rPr>
-                        <a:t>Frequency Upgrade/Replacement Cycles</a:t>
-                      </a:r>
-                    </a:p>
-                  </a:txBody>
-                  <a:tcPr marL="38100" marR="38100" marT="38100" marB="38100"/>
-                </a:tc>
-              </a:tr>
-            </a:tbl>
-          </a:graphicData>
-        </a:graphic>
-      </p:graphicFrame>
-      <p:grpSp>
-        <p:nvGrpSpPr>
-          <p:cNvPr id="8" name="Group 7">
+        </p:nvPicPr>
+        <p:blipFill>
+          <a:blip r:embed="rId3" cstate="print">
             <a:extLst>
-              <a:ext uri="{FF2B5EF4-FFF2-40B4-BE49-F238E27FC236}">
-                <a16:creationId xmlns:a16="http://schemas.microsoft.com/office/drawing/2014/main" xmlns="" id="{9B9E6FC1-B1D0-4BB5-820D-E5CA5904A39A}"/>
+              <a:ext uri="{28A0092B-C50C-407E-A947-70E740481C1C}">
+                <a14:useLocalDpi xmlns:a14="http://schemas.microsoft.com/office/drawing/2010/main" val="0"/>
               </a:ext>
             </a:extLst>
-          </p:cNvPr>
-          <p:cNvGrpSpPr/>
+          </a:blip>
+          <a:stretch>
+            <a:fillRect/>
+          </a:stretch>
+        </p:blipFill>
+        <p:spPr>
+          <a:xfrm>
+            <a:off x="406574" y="2970495"/>
+            <a:ext cx="3134481" cy="2317093"/>
+          </a:xfrm>
+          <a:prstGeom prst="rect">
+            <a:avLst/>
+          </a:prstGeom>
+        </p:spPr>
+      </p:pic>
+      <p:pic>
+        <p:nvPicPr>
+          <p:cNvPr id="10" name="Picture 2"/>
+          <p:cNvPicPr>
+            <a:picLocks noChangeAspect="1" noChangeArrowheads="1"/>
+          </p:cNvPicPr>
           <p:nvPr/>
-        </p:nvGrpSpPr>
-        <p:grpSpPr>
-          <a:xfrm>
-            <a:off x="1846734" y="3140968"/>
-            <a:ext cx="6624736" cy="3240360"/>
-            <a:chOff x="1198662" y="2277271"/>
-            <a:chExt cx="9286490" cy="4047332"/>
-          </a:xfrm>
-        </p:grpSpPr>
-        <p:sp>
-          <p:nvSpPr>
-            <p:cNvPr id="9" name="Rectangle 8"/>
-            <p:cNvSpPr/>
-            <p:nvPr/>
-          </p:nvSpPr>
-          <p:spPr>
-            <a:xfrm>
-              <a:off x="1198662" y="2740223"/>
-              <a:ext cx="4643245" cy="2652529"/>
-            </a:xfrm>
-            <a:prstGeom prst="rect">
-              <a:avLst/>
-            </a:prstGeom>
-            <a:solidFill>
-              <a:schemeClr val="bg1">
-                <a:lumMod val="95000"/>
-              </a:schemeClr>
-            </a:solidFill>
-          </p:spPr>
-          <p:txBody>
-            <a:bodyPr wrap="square">
-              <a:spAutoFit/>
-            </a:bodyPr>
-            <a:lstStyle/>
-            <a:p>
-              <a:pPr marL="342900" indent="-342900">
-                <a:lnSpc>
-                  <a:spcPct val="150000"/>
-                </a:lnSpc>
-                <a:buFont typeface="Arial" panose="020B0604020202020204" pitchFamily="34" charset="0"/>
-                <a:buChar char="•"/>
-              </a:pPr>
-              <a:r>
-                <a:rPr lang="en-IN" sz="1600" i="1" dirty="0">
-                  <a:solidFill>
-                    <a:srgbClr val="0070C0"/>
-                  </a:solidFill>
-                  <a:latin typeface="Calibri" panose="020F0502020204030204" pitchFamily="34" charset="0"/>
-                  <a:cs typeface="Calibri" panose="020F0502020204030204" pitchFamily="34" charset="0"/>
-                </a:rPr>
-                <a:t>client/server Technology</a:t>
-              </a:r>
-            </a:p>
-            <a:p>
-              <a:pPr marL="342900" indent="-342900">
-                <a:lnSpc>
-                  <a:spcPct val="150000"/>
-                </a:lnSpc>
-                <a:buFont typeface="Arial" panose="020B0604020202020204" pitchFamily="34" charset="0"/>
-                <a:buChar char="•"/>
-              </a:pPr>
-              <a:endParaRPr lang="en-IN" sz="1600" i="1" dirty="0">
-                <a:solidFill>
-                  <a:srgbClr val="0070C0"/>
-                </a:solidFill>
-                <a:latin typeface="Calibri" panose="020F0502020204030204" pitchFamily="34" charset="0"/>
-                <a:cs typeface="Calibri" panose="020F0502020204030204" pitchFamily="34" charset="0"/>
-              </a:endParaRPr>
-            </a:p>
-            <a:p>
-              <a:pPr marL="342900" indent="-342900">
-                <a:lnSpc>
-                  <a:spcPct val="150000"/>
-                </a:lnSpc>
-                <a:buFont typeface="Arial" panose="020B0604020202020204" pitchFamily="34" charset="0"/>
-                <a:buChar char="•"/>
-              </a:pPr>
-              <a:r>
-                <a:rPr lang="en-IN" sz="1600" i="1" dirty="0">
-                  <a:solidFill>
-                    <a:srgbClr val="0070C0"/>
-                  </a:solidFill>
-                  <a:latin typeface="Calibri" panose="020F0502020204030204" pitchFamily="34" charset="0"/>
-                  <a:cs typeface="Calibri" panose="020F0502020204030204" pitchFamily="34" charset="0"/>
-                </a:rPr>
-                <a:t>Highly Secured</a:t>
-              </a:r>
-            </a:p>
-            <a:p>
-              <a:pPr marL="342900" indent="-342900">
-                <a:lnSpc>
-                  <a:spcPct val="150000"/>
-                </a:lnSpc>
-                <a:buFont typeface="Arial" panose="020B0604020202020204" pitchFamily="34" charset="0"/>
-                <a:buChar char="•"/>
-              </a:pPr>
-              <a:endParaRPr lang="en-IN" sz="1600" i="1" dirty="0">
-                <a:solidFill>
-                  <a:srgbClr val="0070C0"/>
-                </a:solidFill>
-                <a:latin typeface="Calibri" panose="020F0502020204030204" pitchFamily="34" charset="0"/>
-                <a:cs typeface="Calibri" panose="020F0502020204030204" pitchFamily="34" charset="0"/>
-              </a:endParaRPr>
-            </a:p>
-            <a:p>
-              <a:pPr marL="342900" indent="-342900">
-                <a:lnSpc>
-                  <a:spcPct val="150000"/>
-                </a:lnSpc>
-                <a:buFont typeface="Arial" panose="020B0604020202020204" pitchFamily="34" charset="0"/>
-                <a:buChar char="•"/>
-              </a:pPr>
-              <a:r>
-                <a:rPr lang="en-IN" sz="1600" i="1" dirty="0">
-                  <a:solidFill>
-                    <a:srgbClr val="0070C0"/>
-                  </a:solidFill>
-                  <a:latin typeface="Calibri" panose="020F0502020204030204" pitchFamily="34" charset="0"/>
-                  <a:cs typeface="Calibri" panose="020F0502020204030204" pitchFamily="34" charset="0"/>
-                </a:rPr>
-                <a:t>Relationship </a:t>
-              </a:r>
-              <a:r>
-                <a:rPr lang="en-IN" sz="2400" i="1" dirty="0">
-                  <a:solidFill>
-                    <a:srgbClr val="0070C0"/>
-                  </a:solidFill>
-                  <a:latin typeface="Calibri" panose="020F0502020204030204" pitchFamily="34" charset="0"/>
-                  <a:cs typeface="Calibri" panose="020F0502020204030204" pitchFamily="34" charset="0"/>
-                </a:rPr>
-                <a:t>(PK/FK)</a:t>
-              </a:r>
-            </a:p>
-          </p:txBody>
-        </p:sp>
-        <p:pic>
-          <p:nvPicPr>
-            <p:cNvPr id="10" name="Picture 9"/>
-            <p:cNvPicPr>
-              <a:picLocks noChangeAspect="1"/>
-            </p:cNvPicPr>
-            <p:nvPr/>
-          </p:nvPicPr>
-          <p:blipFill>
-            <a:blip r:embed="rId3" cstate="print">
-              <a:extLst>
-                <a:ext uri="{28A0092B-C50C-407E-A947-70E740481C1C}">
-                  <a14:useLocalDpi xmlns:a14="http://schemas.microsoft.com/office/drawing/2010/main" xmlns="" val="0"/>
-                </a:ext>
-              </a:extLst>
-            </a:blip>
-            <a:stretch>
-              <a:fillRect/>
-            </a:stretch>
-          </p:blipFill>
-          <p:spPr>
-            <a:xfrm>
-              <a:off x="6649428" y="2277271"/>
-              <a:ext cx="3835724" cy="1272817"/>
-            </a:xfrm>
-            <a:prstGeom prst="rect">
-              <a:avLst/>
-            </a:prstGeom>
-          </p:spPr>
-        </p:pic>
-        <p:pic>
-          <p:nvPicPr>
-            <p:cNvPr id="11" name="Picture 10"/>
-            <p:cNvPicPr>
-              <a:picLocks noChangeAspect="1"/>
-            </p:cNvPicPr>
-            <p:nvPr/>
-          </p:nvPicPr>
-          <p:blipFill>
-            <a:blip r:embed="rId4" cstate="print">
-              <a:extLst>
-                <a:ext uri="{28A0092B-C50C-407E-A947-70E740481C1C}">
-                  <a14:useLocalDpi xmlns:a14="http://schemas.microsoft.com/office/drawing/2010/main" xmlns="" val="0"/>
-                </a:ext>
-              </a:extLst>
-            </a:blip>
-            <a:stretch>
-              <a:fillRect/>
-            </a:stretch>
-          </p:blipFill>
-          <p:spPr>
-            <a:xfrm>
-              <a:off x="5936231" y="3651004"/>
-              <a:ext cx="1301829" cy="1301999"/>
-            </a:xfrm>
-            <a:prstGeom prst="rect">
-              <a:avLst/>
-            </a:prstGeom>
-          </p:spPr>
-        </p:pic>
-        <p:pic>
-          <p:nvPicPr>
-            <p:cNvPr id="13" name="Picture 12"/>
-            <p:cNvPicPr>
-              <a:picLocks noChangeAspect="1"/>
-            </p:cNvPicPr>
-            <p:nvPr/>
-          </p:nvPicPr>
-          <p:blipFill>
-            <a:blip r:embed="rId5" cstate="print">
-              <a:extLst>
-                <a:ext uri="{28A0092B-C50C-407E-A947-70E740481C1C}">
-                  <a14:useLocalDpi xmlns:a14="http://schemas.microsoft.com/office/drawing/2010/main" xmlns="" val="0"/>
-                </a:ext>
-              </a:extLst>
-            </a:blip>
-            <a:stretch>
-              <a:fillRect/>
-            </a:stretch>
-          </p:blipFill>
-          <p:spPr>
-            <a:xfrm>
-              <a:off x="7314248" y="4334454"/>
-              <a:ext cx="3123793" cy="1990149"/>
-            </a:xfrm>
-            <a:prstGeom prst="rect">
-              <a:avLst/>
-            </a:prstGeom>
-          </p:spPr>
-        </p:pic>
-      </p:grpSp>
+        </p:nvPicPr>
+        <p:blipFill>
+          <a:blip r:embed="rId4" cstate="print"/>
+          <a:srcRect/>
+          <a:stretch>
+            <a:fillRect/>
+          </a:stretch>
+        </p:blipFill>
+        <p:spPr bwMode="auto">
+          <a:xfrm>
+            <a:off x="4511030" y="3212976"/>
+            <a:ext cx="7243081" cy="2000025"/>
+          </a:xfrm>
+          <a:prstGeom prst="rect">
+            <a:avLst/>
+          </a:prstGeom>
+          <a:noFill/>
+          <a:ln w="9525">
+            <a:noFill/>
+            <a:miter lim="800000"/>
+            <a:headEnd/>
+            <a:tailEnd/>
+          </a:ln>
+        </p:spPr>
+      </p:pic>
     </p:spTree>
     <p:extLst>
       <p:ext uri="{BB962C8B-B14F-4D97-AF65-F5344CB8AC3E}">
-        <p14:creationId xmlns:p14="http://schemas.microsoft.com/office/powerpoint/2010/main" xmlns="" val="1941358839"/>
+        <p14:creationId xmlns:p14="http://schemas.microsoft.com/office/powerpoint/2010/main" val="2566691846"/>
       </p:ext>
     </p:extLst>
   </p:cSld>
@@ -6573,12 +5825,1000 @@
           <a:chExt cx="0" cy="0"/>
         </a:xfrm>
       </p:grpSpPr>
+      <p:pic>
+        <p:nvPicPr>
+          <p:cNvPr id="4" name="Picture 3">
+            <a:extLst>
+              <a:ext uri="{FF2B5EF4-FFF2-40B4-BE49-F238E27FC236}">
+                <a16:creationId xmlns:a16="http://schemas.microsoft.com/office/drawing/2014/main" id="{4B3E96E4-8532-4FFA-8020-A53D8FBA2F23}"/>
+              </a:ext>
+            </a:extLst>
+          </p:cNvPr>
+          <p:cNvPicPr>
+            <a:picLocks noChangeAspect="1"/>
+          </p:cNvPicPr>
+          <p:nvPr/>
+        </p:nvPicPr>
+        <p:blipFill>
+          <a:blip r:embed="rId2" cstate="print">
+            <a:extLst>
+              <a:ext uri="{28A0092B-C50C-407E-A947-70E740481C1C}">
+                <a14:useLocalDpi xmlns:a14="http://schemas.microsoft.com/office/drawing/2010/main" val="0"/>
+              </a:ext>
+            </a:extLst>
+          </a:blip>
+          <a:stretch>
+            <a:fillRect/>
+          </a:stretch>
+        </p:blipFill>
+        <p:spPr>
+          <a:xfrm>
+            <a:off x="118542" y="116632"/>
+            <a:ext cx="1371859" cy="445150"/>
+          </a:xfrm>
+          <a:prstGeom prst="rect">
+            <a:avLst/>
+          </a:prstGeom>
+        </p:spPr>
+      </p:pic>
+      <p:sp>
+        <p:nvSpPr>
+          <p:cNvPr id="5" name="Footer Placeholder 2">
+            <a:extLst>
+              <a:ext uri="{FF2B5EF4-FFF2-40B4-BE49-F238E27FC236}">
+                <a16:creationId xmlns:a16="http://schemas.microsoft.com/office/drawing/2014/main" id="{70AFCD6D-DBA1-4EE8-A96A-D9652119B5FA}"/>
+              </a:ext>
+            </a:extLst>
+          </p:cNvPr>
+          <p:cNvSpPr txBox="1">
+            <a:spLocks/>
+          </p:cNvSpPr>
+          <p:nvPr/>
+        </p:nvSpPr>
+        <p:spPr>
+          <a:xfrm>
+            <a:off x="3237431" y="6523037"/>
+            <a:ext cx="5400600" cy="365125"/>
+          </a:xfrm>
+          <a:prstGeom prst="rect">
+            <a:avLst/>
+          </a:prstGeom>
+        </p:spPr>
+        <p:txBody>
+          <a:bodyPr/>
+          <a:lstStyle>
+            <a:defPPr>
+              <a:defRPr lang="en-US"/>
+            </a:defPPr>
+            <a:lvl1pPr marL="0" algn="l" defTabSz="914400" rtl="0" eaLnBrk="1" latinLnBrk="0" hangingPunct="1">
+              <a:defRPr sz="1050" kern="1200">
+                <a:solidFill>
+                  <a:schemeClr val="tx1"/>
+                </a:solidFill>
+                <a:latin typeface="+mn-lt"/>
+                <a:ea typeface="+mn-ea"/>
+                <a:cs typeface="+mn-cs"/>
+              </a:defRPr>
+            </a:lvl1pPr>
+            <a:lvl2pPr marL="457200" algn="l" defTabSz="914400" rtl="0" eaLnBrk="1" latinLnBrk="0" hangingPunct="1">
+              <a:defRPr sz="1800" kern="1200">
+                <a:solidFill>
+                  <a:schemeClr val="tx1"/>
+                </a:solidFill>
+                <a:latin typeface="+mn-lt"/>
+                <a:ea typeface="+mn-ea"/>
+                <a:cs typeface="+mn-cs"/>
+              </a:defRPr>
+            </a:lvl2pPr>
+            <a:lvl3pPr marL="914400" algn="l" defTabSz="914400" rtl="0" eaLnBrk="1" latinLnBrk="0" hangingPunct="1">
+              <a:defRPr sz="1800" kern="1200">
+                <a:solidFill>
+                  <a:schemeClr val="tx1"/>
+                </a:solidFill>
+                <a:latin typeface="+mn-lt"/>
+                <a:ea typeface="+mn-ea"/>
+                <a:cs typeface="+mn-cs"/>
+              </a:defRPr>
+            </a:lvl3pPr>
+            <a:lvl4pPr marL="1371600" algn="l" defTabSz="914400" rtl="0" eaLnBrk="1" latinLnBrk="0" hangingPunct="1">
+              <a:defRPr sz="1800" kern="1200">
+                <a:solidFill>
+                  <a:schemeClr val="tx1"/>
+                </a:solidFill>
+                <a:latin typeface="+mn-lt"/>
+                <a:ea typeface="+mn-ea"/>
+                <a:cs typeface="+mn-cs"/>
+              </a:defRPr>
+            </a:lvl4pPr>
+            <a:lvl5pPr marL="1828800" algn="l" defTabSz="914400" rtl="0" eaLnBrk="1" latinLnBrk="0" hangingPunct="1">
+              <a:defRPr sz="1800" kern="1200">
+                <a:solidFill>
+                  <a:schemeClr val="tx1"/>
+                </a:solidFill>
+                <a:latin typeface="+mn-lt"/>
+                <a:ea typeface="+mn-ea"/>
+                <a:cs typeface="+mn-cs"/>
+              </a:defRPr>
+            </a:lvl5pPr>
+            <a:lvl6pPr marL="2286000" algn="l" defTabSz="914400" rtl="0" eaLnBrk="1" latinLnBrk="0" hangingPunct="1">
+              <a:defRPr sz="1800" kern="1200">
+                <a:solidFill>
+                  <a:schemeClr val="tx1"/>
+                </a:solidFill>
+                <a:latin typeface="+mn-lt"/>
+                <a:ea typeface="+mn-ea"/>
+                <a:cs typeface="+mn-cs"/>
+              </a:defRPr>
+            </a:lvl6pPr>
+            <a:lvl7pPr marL="2743200" algn="l" defTabSz="914400" rtl="0" eaLnBrk="1" latinLnBrk="0" hangingPunct="1">
+              <a:defRPr sz="1800" kern="1200">
+                <a:solidFill>
+                  <a:schemeClr val="tx1"/>
+                </a:solidFill>
+                <a:latin typeface="+mn-lt"/>
+                <a:ea typeface="+mn-ea"/>
+                <a:cs typeface="+mn-cs"/>
+              </a:defRPr>
+            </a:lvl7pPr>
+            <a:lvl8pPr marL="3200400" algn="l" defTabSz="914400" rtl="0" eaLnBrk="1" latinLnBrk="0" hangingPunct="1">
+              <a:defRPr sz="1800" kern="1200">
+                <a:solidFill>
+                  <a:schemeClr val="tx1"/>
+                </a:solidFill>
+                <a:latin typeface="+mn-lt"/>
+                <a:ea typeface="+mn-ea"/>
+                <a:cs typeface="+mn-cs"/>
+              </a:defRPr>
+            </a:lvl8pPr>
+            <a:lvl9pPr marL="3657600" algn="l" defTabSz="914400" rtl="0" eaLnBrk="1" latinLnBrk="0" hangingPunct="1">
+              <a:defRPr sz="1800" kern="1200">
+                <a:solidFill>
+                  <a:schemeClr val="tx1"/>
+                </a:solidFill>
+                <a:latin typeface="+mn-lt"/>
+                <a:ea typeface="+mn-ea"/>
+                <a:cs typeface="+mn-cs"/>
+              </a:defRPr>
+            </a:lvl9pPr>
+          </a:lstStyle>
+          <a:p>
+            <a:r>
+              <a:rPr lang="en-US" dirty="0"/>
+              <a:t>Infoway Technologies, 3rd  Floor Commerce Centre, Rambaug Colony, Paud Road Pune 411038</a:t>
+            </a:r>
+            <a:endParaRPr lang="en-IN" dirty="0"/>
+          </a:p>
+          <a:p>
+            <a:endParaRPr lang="en-US" dirty="0"/>
+          </a:p>
+        </p:txBody>
+      </p:sp>
+      <p:sp>
+        <p:nvSpPr>
+          <p:cNvPr id="7" name="Rectangle 6">
+            <a:extLst>
+              <a:ext uri="{FF2B5EF4-FFF2-40B4-BE49-F238E27FC236}">
+                <a16:creationId xmlns:a16="http://schemas.microsoft.com/office/drawing/2014/main" id="{09A4DD51-F450-4FA7-BA18-C2A26D10D72C}"/>
+              </a:ext>
+            </a:extLst>
+          </p:cNvPr>
+          <p:cNvSpPr/>
+          <p:nvPr/>
+        </p:nvSpPr>
+        <p:spPr>
+          <a:xfrm>
+            <a:off x="1523802" y="2"/>
+            <a:ext cx="9142810" cy="838243"/>
+          </a:xfrm>
+          <a:prstGeom prst="rect">
+            <a:avLst/>
+          </a:prstGeom>
+          <a:solidFill>
+            <a:schemeClr val="bg1"/>
+          </a:solidFill>
+        </p:spPr>
+        <p:txBody>
+          <a:bodyPr wrap="square">
+            <a:spAutoFit/>
+          </a:bodyPr>
+          <a:lstStyle/>
+          <a:p>
+            <a:pPr algn="r" fontAlgn="base">
+              <a:lnSpc>
+                <a:spcPct val="150000"/>
+              </a:lnSpc>
+            </a:pPr>
+            <a:r>
+              <a:rPr lang="en-US" sz="3600" dirty="0" smtClean="0"/>
+              <a:t>Advantages of </a:t>
+            </a:r>
+            <a:r>
+              <a:rPr lang="en-US" sz="3600" dirty="0" smtClean="0"/>
+              <a:t>DBMS</a:t>
+            </a:r>
+            <a:endParaRPr lang="en-US" sz="3600" dirty="0">
+              <a:latin typeface="Palatino Linotype" panose="02040502050505030304" pitchFamily="18" charset="0"/>
+            </a:endParaRPr>
+          </a:p>
+        </p:txBody>
+      </p:sp>
+      <p:sp>
+        <p:nvSpPr>
+          <p:cNvPr id="2" name="Rectangle 1"/>
+          <p:cNvSpPr/>
+          <p:nvPr/>
+        </p:nvSpPr>
+        <p:spPr>
+          <a:xfrm>
+            <a:off x="262558" y="853378"/>
+            <a:ext cx="2286395" cy="369332"/>
+          </a:xfrm>
+          <a:prstGeom prst="rect">
+            <a:avLst/>
+          </a:prstGeom>
+        </p:spPr>
+        <p:txBody>
+          <a:bodyPr wrap="none">
+            <a:spAutoFit/>
+          </a:bodyPr>
+          <a:lstStyle/>
+          <a:p>
+            <a:r>
+              <a:rPr lang="en-IN" dirty="0">
+                <a:solidFill>
+                  <a:srgbClr val="000000"/>
+                </a:solidFill>
+                <a:latin typeface="Palatino Linotype" panose="02040502050505030304" pitchFamily="18" charset="0"/>
+              </a:rPr>
+              <a:t>Advantage of DBMS</a:t>
+            </a:r>
+            <a:endParaRPr lang="en-IN" b="0" i="0" dirty="0">
+              <a:solidFill>
+                <a:srgbClr val="000000"/>
+              </a:solidFill>
+              <a:effectLst/>
+              <a:latin typeface="Palatino Linotype" panose="02040502050505030304" pitchFamily="18" charset="0"/>
+            </a:endParaRPr>
+          </a:p>
+        </p:txBody>
+      </p:sp>
+      <p:sp>
+        <p:nvSpPr>
+          <p:cNvPr id="12" name="Rectangle 11"/>
+          <p:cNvSpPr/>
+          <p:nvPr/>
+        </p:nvSpPr>
+        <p:spPr>
+          <a:xfrm>
+            <a:off x="118542" y="1484784"/>
+            <a:ext cx="11637137" cy="2862322"/>
+          </a:xfrm>
+          <a:prstGeom prst="rect">
+            <a:avLst/>
+          </a:prstGeom>
+        </p:spPr>
+        <p:txBody>
+          <a:bodyPr wrap="square">
+            <a:spAutoFit/>
+          </a:bodyPr>
+          <a:lstStyle/>
+          <a:p>
+            <a:pPr marL="285750" indent="-285750">
+              <a:buFont typeface="Arial" panose="020B0604020202020204" pitchFamily="34" charset="0"/>
+              <a:buChar char="•"/>
+            </a:pPr>
+            <a:r>
+              <a:rPr lang="en-US" i="1" dirty="0">
+                <a:latin typeface="Palatino Linotype" panose="02040502050505030304" pitchFamily="18" charset="0"/>
+              </a:rPr>
+              <a:t> </a:t>
+            </a:r>
+            <a:r>
+              <a:rPr lang="en-US" b="1" dirty="0">
+                <a:latin typeface="Palatino Linotype" panose="02040502050505030304" pitchFamily="18" charset="0"/>
+              </a:rPr>
+              <a:t>Improved</a:t>
+            </a:r>
+            <a:r>
+              <a:rPr lang="en-US" i="1" dirty="0">
+                <a:latin typeface="Palatino Linotype" panose="02040502050505030304" pitchFamily="18" charset="0"/>
+              </a:rPr>
+              <a:t> </a:t>
+            </a:r>
+            <a:r>
+              <a:rPr lang="en-US" b="1" dirty="0">
+                <a:latin typeface="Palatino Linotype" panose="02040502050505030304" pitchFamily="18" charset="0"/>
+              </a:rPr>
+              <a:t>data</a:t>
+            </a:r>
+            <a:r>
+              <a:rPr lang="en-US" i="1" dirty="0">
+                <a:latin typeface="Palatino Linotype" panose="02040502050505030304" pitchFamily="18" charset="0"/>
+              </a:rPr>
+              <a:t> </a:t>
+            </a:r>
+            <a:r>
+              <a:rPr lang="en-US" b="1" dirty="0">
+                <a:latin typeface="Palatino Linotype" panose="02040502050505030304" pitchFamily="18" charset="0"/>
+              </a:rPr>
+              <a:t>sharing</a:t>
+            </a:r>
+            <a:r>
+              <a:rPr lang="en-US" i="1" dirty="0" smtClean="0">
+                <a:latin typeface="Palatino Linotype" panose="02040502050505030304" pitchFamily="18" charset="0"/>
+              </a:rPr>
+              <a:t>: </a:t>
+            </a:r>
+            <a:r>
+              <a:rPr lang="en-US" dirty="0" smtClean="0">
+                <a:latin typeface="Palatino Linotype" panose="02040502050505030304" pitchFamily="18" charset="0"/>
+              </a:rPr>
+              <a:t>The </a:t>
+            </a:r>
+            <a:r>
+              <a:rPr lang="en-US" dirty="0">
+                <a:latin typeface="Palatino Linotype" panose="02040502050505030304" pitchFamily="18" charset="0"/>
+              </a:rPr>
+              <a:t>DBMS helps create an environment in which end users have better access to more and better-managed data.</a:t>
+            </a:r>
+          </a:p>
+          <a:p>
+            <a:pPr marL="285750" indent="-285750">
+              <a:buFont typeface="Arial" panose="020B0604020202020204" pitchFamily="34" charset="0"/>
+              <a:buChar char="•"/>
+            </a:pPr>
+            <a:endParaRPr lang="en-US" dirty="0">
+              <a:latin typeface="Palatino Linotype" panose="02040502050505030304" pitchFamily="18" charset="0"/>
+            </a:endParaRPr>
+          </a:p>
+          <a:p>
+            <a:pPr marL="285750" indent="-285750">
+              <a:buFont typeface="Arial" panose="020B0604020202020204" pitchFamily="34" charset="0"/>
+              <a:buChar char="•"/>
+            </a:pPr>
+            <a:r>
+              <a:rPr lang="en-US" b="1" dirty="0">
+                <a:latin typeface="Palatino Linotype" panose="02040502050505030304" pitchFamily="18" charset="0"/>
+              </a:rPr>
+              <a:t>Improved</a:t>
+            </a:r>
+            <a:r>
+              <a:rPr lang="en-US" i="1" dirty="0">
+                <a:latin typeface="Palatino Linotype" panose="02040502050505030304" pitchFamily="18" charset="0"/>
+              </a:rPr>
+              <a:t> </a:t>
+            </a:r>
+            <a:r>
+              <a:rPr lang="en-US" b="1" dirty="0">
+                <a:latin typeface="Palatino Linotype" panose="02040502050505030304" pitchFamily="18" charset="0"/>
+              </a:rPr>
+              <a:t>data</a:t>
+            </a:r>
+            <a:r>
+              <a:rPr lang="en-US" i="1" dirty="0">
+                <a:latin typeface="Palatino Linotype" panose="02040502050505030304" pitchFamily="18" charset="0"/>
+              </a:rPr>
+              <a:t> </a:t>
+            </a:r>
+            <a:r>
+              <a:rPr lang="en-US" b="1" dirty="0">
+                <a:latin typeface="Palatino Linotype" panose="02040502050505030304" pitchFamily="18" charset="0"/>
+              </a:rPr>
+              <a:t>security</a:t>
+            </a:r>
+            <a:r>
+              <a:rPr lang="en-US" i="1" dirty="0" smtClean="0">
+                <a:latin typeface="Palatino Linotype" panose="02040502050505030304" pitchFamily="18" charset="0"/>
+              </a:rPr>
+              <a:t>: </a:t>
+            </a:r>
+            <a:r>
+              <a:rPr lang="en-US" dirty="0" smtClean="0">
+                <a:latin typeface="Palatino Linotype" panose="02040502050505030304" pitchFamily="18" charset="0"/>
+              </a:rPr>
+              <a:t>The </a:t>
+            </a:r>
+            <a:r>
+              <a:rPr lang="en-US" dirty="0">
+                <a:latin typeface="Palatino Linotype" panose="02040502050505030304" pitchFamily="18" charset="0"/>
+              </a:rPr>
+              <a:t>more users access the data, the greater the risks of data security </a:t>
+            </a:r>
+            <a:r>
+              <a:rPr lang="en-US" dirty="0" smtClean="0">
+                <a:latin typeface="Palatino Linotype" panose="02040502050505030304" pitchFamily="18" charset="0"/>
+              </a:rPr>
+              <a:t>breaches. DBMS </a:t>
+            </a:r>
+            <a:r>
+              <a:rPr lang="en-US" dirty="0">
+                <a:latin typeface="Palatino Linotype" panose="02040502050505030304" pitchFamily="18" charset="0"/>
+              </a:rPr>
+              <a:t>provides a framework for better enforcement of data privacy and security policies.</a:t>
+            </a:r>
+          </a:p>
+          <a:p>
+            <a:pPr marL="285750" indent="-285750">
+              <a:buFont typeface="Arial" panose="020B0604020202020204" pitchFamily="34" charset="0"/>
+              <a:buChar char="•"/>
+            </a:pPr>
+            <a:endParaRPr lang="en-US" dirty="0" smtClean="0">
+              <a:latin typeface="Palatino Linotype" panose="02040502050505030304" pitchFamily="18" charset="0"/>
+            </a:endParaRPr>
+          </a:p>
+          <a:p>
+            <a:pPr marL="285750" indent="-285750">
+              <a:buFont typeface="Arial" panose="020B0604020202020204" pitchFamily="34" charset="0"/>
+              <a:buChar char="•"/>
+            </a:pPr>
+            <a:r>
+              <a:rPr lang="en-US" b="1" dirty="0">
+                <a:latin typeface="Palatino Linotype" panose="02040502050505030304" pitchFamily="18" charset="0"/>
+              </a:rPr>
+              <a:t>Minimized</a:t>
+            </a:r>
+            <a:r>
+              <a:rPr lang="en-US" i="1" dirty="0">
+                <a:latin typeface="Palatino Linotype" panose="02040502050505030304" pitchFamily="18" charset="0"/>
+              </a:rPr>
+              <a:t> </a:t>
+            </a:r>
+            <a:r>
+              <a:rPr lang="en-US" b="1" dirty="0">
+                <a:latin typeface="Palatino Linotype" panose="02040502050505030304" pitchFamily="18" charset="0"/>
+              </a:rPr>
+              <a:t>data</a:t>
+            </a:r>
+            <a:r>
+              <a:rPr lang="en-US" i="1" dirty="0">
+                <a:latin typeface="Palatino Linotype" panose="02040502050505030304" pitchFamily="18" charset="0"/>
+              </a:rPr>
+              <a:t> </a:t>
+            </a:r>
+            <a:r>
+              <a:rPr lang="en-US" b="1" dirty="0">
+                <a:latin typeface="Palatino Linotype" panose="02040502050505030304" pitchFamily="18" charset="0"/>
+              </a:rPr>
+              <a:t>inconsistency</a:t>
+            </a:r>
+            <a:r>
+              <a:rPr lang="en-US" i="1" dirty="0" smtClean="0">
+                <a:latin typeface="Palatino Linotype" panose="02040502050505030304" pitchFamily="18" charset="0"/>
+              </a:rPr>
+              <a:t>: </a:t>
+            </a:r>
+            <a:r>
+              <a:rPr lang="en-US" dirty="0" smtClean="0">
+                <a:latin typeface="Palatino Linotype" panose="02040502050505030304" pitchFamily="18" charset="0"/>
+              </a:rPr>
+              <a:t>Data </a:t>
+            </a:r>
+            <a:r>
+              <a:rPr lang="en-US" dirty="0">
+                <a:latin typeface="Palatino Linotype" panose="02040502050505030304" pitchFamily="18" charset="0"/>
+              </a:rPr>
+              <a:t>inconsistency exists when different versions of the same data appear in different places</a:t>
+            </a:r>
+            <a:r>
+              <a:rPr lang="en-US" dirty="0" smtClean="0">
+                <a:latin typeface="Palatino Linotype" panose="02040502050505030304" pitchFamily="18" charset="0"/>
+              </a:rPr>
+              <a:t>. </a:t>
+            </a:r>
+            <a:endParaRPr lang="en-US" dirty="0">
+              <a:latin typeface="Palatino Linotype" panose="02040502050505030304" pitchFamily="18" charset="0"/>
+            </a:endParaRPr>
+          </a:p>
+          <a:p>
+            <a:pPr marL="285750" indent="-285750">
+              <a:buFont typeface="Arial" panose="020B0604020202020204" pitchFamily="34" charset="0"/>
+              <a:buChar char="•"/>
+            </a:pPr>
+            <a:endParaRPr lang="en-US" dirty="0" smtClean="0">
+              <a:latin typeface="Palatino Linotype" panose="02040502050505030304" pitchFamily="18" charset="0"/>
+            </a:endParaRPr>
+          </a:p>
+          <a:p>
+            <a:pPr marL="285750" indent="-285750">
+              <a:buFont typeface="Arial" panose="020B0604020202020204" pitchFamily="34" charset="0"/>
+              <a:buChar char="•"/>
+            </a:pPr>
+            <a:r>
+              <a:rPr lang="en-US" b="1" dirty="0">
+                <a:latin typeface="Palatino Linotype" panose="02040502050505030304" pitchFamily="18" charset="0"/>
+              </a:rPr>
+              <a:t>Minimized </a:t>
+            </a:r>
+            <a:r>
+              <a:rPr lang="en-US" b="1" dirty="0" smtClean="0">
+                <a:latin typeface="Palatino Linotype" panose="02040502050505030304" pitchFamily="18" charset="0"/>
+              </a:rPr>
+              <a:t>data</a:t>
+            </a:r>
+            <a:r>
+              <a:rPr lang="en-US" b="1" i="1" dirty="0" smtClean="0">
+                <a:latin typeface="Palatino Linotype" panose="02040502050505030304" pitchFamily="18" charset="0"/>
+              </a:rPr>
+              <a:t> </a:t>
+            </a:r>
+            <a:r>
+              <a:rPr lang="en-US" b="1" dirty="0" smtClean="0">
+                <a:latin typeface="Palatino Linotype" panose="02040502050505030304" pitchFamily="18" charset="0"/>
+              </a:rPr>
+              <a:t>redundancy </a:t>
+            </a:r>
+            <a:r>
+              <a:rPr lang="en-US" i="1" dirty="0" smtClean="0">
+                <a:latin typeface="Palatino Linotype" panose="02040502050505030304" pitchFamily="18" charset="0"/>
+              </a:rPr>
+              <a:t>: </a:t>
+            </a:r>
+            <a:r>
+              <a:rPr lang="en-US" dirty="0"/>
+              <a:t>DBMS controls the data redundancy </a:t>
+            </a:r>
+            <a:r>
+              <a:rPr lang="en-US" dirty="0" smtClean="0"/>
+              <a:t>of </a:t>
+            </a:r>
+            <a:r>
+              <a:rPr lang="en-US" dirty="0"/>
+              <a:t>all data into a single database file</a:t>
+            </a:r>
+            <a:r>
+              <a:rPr lang="en-US" dirty="0" smtClean="0">
+                <a:latin typeface="Palatino Linotype" panose="02040502050505030304" pitchFamily="18" charset="0"/>
+              </a:rPr>
+              <a:t>.</a:t>
+            </a:r>
+            <a:endParaRPr lang="en-US" dirty="0">
+              <a:latin typeface="Palatino Linotype" panose="02040502050505030304" pitchFamily="18" charset="0"/>
+            </a:endParaRPr>
+          </a:p>
+        </p:txBody>
+      </p:sp>
+    </p:spTree>
+    <p:extLst>
+      <p:ext uri="{BB962C8B-B14F-4D97-AF65-F5344CB8AC3E}">
+        <p14:creationId xmlns:p14="http://schemas.microsoft.com/office/powerpoint/2010/main" val="4237775325"/>
+      </p:ext>
+    </p:extLst>
+  </p:cSld>
+  <p:clrMapOvr>
+    <a:masterClrMapping/>
+  </p:clrMapOvr>
+  <p:timing>
+    <p:tnLst>
+      <p:par>
+        <p:cTn id="1" dur="indefinite" restart="never" nodeType="tmRoot"/>
+      </p:par>
+    </p:tnLst>
+  </p:timing>
+</p:sld>
+</file>
+
+<file path=ppt/slides/slide7.xml><?xml version="1.0" encoding="utf-8"?>
+<p:sld xmlns:a="http://schemas.openxmlformats.org/drawingml/2006/main" xmlns:r="http://schemas.openxmlformats.org/officeDocument/2006/relationships" xmlns:p="http://schemas.openxmlformats.org/presentationml/2006/main">
+  <p:cSld>
+    <p:spTree>
+      <p:nvGrpSpPr>
+        <p:cNvPr id="1" name=""/>
+        <p:cNvGrpSpPr/>
+        <p:nvPr/>
+      </p:nvGrpSpPr>
+      <p:grpSpPr>
+        <a:xfrm>
+          <a:off x="0" y="0"/>
+          <a:ext cx="0" cy="0"/>
+          <a:chOff x="0" y="0"/>
+          <a:chExt cx="0" cy="0"/>
+        </a:xfrm>
+      </p:grpSpPr>
+      <p:pic>
+        <p:nvPicPr>
+          <p:cNvPr id="4" name="Picture 3">
+            <a:extLst>
+              <a:ext uri="{FF2B5EF4-FFF2-40B4-BE49-F238E27FC236}">
+                <a16:creationId xmlns:a16="http://schemas.microsoft.com/office/drawing/2014/main" id="{4B3E96E4-8532-4FFA-8020-A53D8FBA2F23}"/>
+              </a:ext>
+            </a:extLst>
+          </p:cNvPr>
+          <p:cNvPicPr>
+            <a:picLocks noChangeAspect="1"/>
+          </p:cNvPicPr>
+          <p:nvPr/>
+        </p:nvPicPr>
+        <p:blipFill>
+          <a:blip r:embed="rId2" cstate="print">
+            <a:extLst>
+              <a:ext uri="{28A0092B-C50C-407E-A947-70E740481C1C}">
+                <a14:useLocalDpi xmlns:a14="http://schemas.microsoft.com/office/drawing/2010/main" val="0"/>
+              </a:ext>
+            </a:extLst>
+          </a:blip>
+          <a:stretch>
+            <a:fillRect/>
+          </a:stretch>
+        </p:blipFill>
+        <p:spPr>
+          <a:xfrm>
+            <a:off x="118542" y="116632"/>
+            <a:ext cx="1371859" cy="445150"/>
+          </a:xfrm>
+          <a:prstGeom prst="rect">
+            <a:avLst/>
+          </a:prstGeom>
+        </p:spPr>
+      </p:pic>
+      <p:sp>
+        <p:nvSpPr>
+          <p:cNvPr id="5" name="Footer Placeholder 2">
+            <a:extLst>
+              <a:ext uri="{FF2B5EF4-FFF2-40B4-BE49-F238E27FC236}">
+                <a16:creationId xmlns:a16="http://schemas.microsoft.com/office/drawing/2014/main" id="{70AFCD6D-DBA1-4EE8-A96A-D9652119B5FA}"/>
+              </a:ext>
+            </a:extLst>
+          </p:cNvPr>
+          <p:cNvSpPr txBox="1">
+            <a:spLocks/>
+          </p:cNvSpPr>
+          <p:nvPr/>
+        </p:nvSpPr>
+        <p:spPr>
+          <a:xfrm>
+            <a:off x="3237431" y="6523037"/>
+            <a:ext cx="5400600" cy="365125"/>
+          </a:xfrm>
+          <a:prstGeom prst="rect">
+            <a:avLst/>
+          </a:prstGeom>
+        </p:spPr>
+        <p:txBody>
+          <a:bodyPr/>
+          <a:lstStyle>
+            <a:defPPr>
+              <a:defRPr lang="en-US"/>
+            </a:defPPr>
+            <a:lvl1pPr marL="0" algn="l" defTabSz="914400" rtl="0" eaLnBrk="1" latinLnBrk="0" hangingPunct="1">
+              <a:defRPr sz="1050" kern="1200">
+                <a:solidFill>
+                  <a:schemeClr val="tx1"/>
+                </a:solidFill>
+                <a:latin typeface="+mn-lt"/>
+                <a:ea typeface="+mn-ea"/>
+                <a:cs typeface="+mn-cs"/>
+              </a:defRPr>
+            </a:lvl1pPr>
+            <a:lvl2pPr marL="457200" algn="l" defTabSz="914400" rtl="0" eaLnBrk="1" latinLnBrk="0" hangingPunct="1">
+              <a:defRPr sz="1800" kern="1200">
+                <a:solidFill>
+                  <a:schemeClr val="tx1"/>
+                </a:solidFill>
+                <a:latin typeface="+mn-lt"/>
+                <a:ea typeface="+mn-ea"/>
+                <a:cs typeface="+mn-cs"/>
+              </a:defRPr>
+            </a:lvl2pPr>
+            <a:lvl3pPr marL="914400" algn="l" defTabSz="914400" rtl="0" eaLnBrk="1" latinLnBrk="0" hangingPunct="1">
+              <a:defRPr sz="1800" kern="1200">
+                <a:solidFill>
+                  <a:schemeClr val="tx1"/>
+                </a:solidFill>
+                <a:latin typeface="+mn-lt"/>
+                <a:ea typeface="+mn-ea"/>
+                <a:cs typeface="+mn-cs"/>
+              </a:defRPr>
+            </a:lvl3pPr>
+            <a:lvl4pPr marL="1371600" algn="l" defTabSz="914400" rtl="0" eaLnBrk="1" latinLnBrk="0" hangingPunct="1">
+              <a:defRPr sz="1800" kern="1200">
+                <a:solidFill>
+                  <a:schemeClr val="tx1"/>
+                </a:solidFill>
+                <a:latin typeface="+mn-lt"/>
+                <a:ea typeface="+mn-ea"/>
+                <a:cs typeface="+mn-cs"/>
+              </a:defRPr>
+            </a:lvl4pPr>
+            <a:lvl5pPr marL="1828800" algn="l" defTabSz="914400" rtl="0" eaLnBrk="1" latinLnBrk="0" hangingPunct="1">
+              <a:defRPr sz="1800" kern="1200">
+                <a:solidFill>
+                  <a:schemeClr val="tx1"/>
+                </a:solidFill>
+                <a:latin typeface="+mn-lt"/>
+                <a:ea typeface="+mn-ea"/>
+                <a:cs typeface="+mn-cs"/>
+              </a:defRPr>
+            </a:lvl5pPr>
+            <a:lvl6pPr marL="2286000" algn="l" defTabSz="914400" rtl="0" eaLnBrk="1" latinLnBrk="0" hangingPunct="1">
+              <a:defRPr sz="1800" kern="1200">
+                <a:solidFill>
+                  <a:schemeClr val="tx1"/>
+                </a:solidFill>
+                <a:latin typeface="+mn-lt"/>
+                <a:ea typeface="+mn-ea"/>
+                <a:cs typeface="+mn-cs"/>
+              </a:defRPr>
+            </a:lvl6pPr>
+            <a:lvl7pPr marL="2743200" algn="l" defTabSz="914400" rtl="0" eaLnBrk="1" latinLnBrk="0" hangingPunct="1">
+              <a:defRPr sz="1800" kern="1200">
+                <a:solidFill>
+                  <a:schemeClr val="tx1"/>
+                </a:solidFill>
+                <a:latin typeface="+mn-lt"/>
+                <a:ea typeface="+mn-ea"/>
+                <a:cs typeface="+mn-cs"/>
+              </a:defRPr>
+            </a:lvl7pPr>
+            <a:lvl8pPr marL="3200400" algn="l" defTabSz="914400" rtl="0" eaLnBrk="1" latinLnBrk="0" hangingPunct="1">
+              <a:defRPr sz="1800" kern="1200">
+                <a:solidFill>
+                  <a:schemeClr val="tx1"/>
+                </a:solidFill>
+                <a:latin typeface="+mn-lt"/>
+                <a:ea typeface="+mn-ea"/>
+                <a:cs typeface="+mn-cs"/>
+              </a:defRPr>
+            </a:lvl8pPr>
+            <a:lvl9pPr marL="3657600" algn="l" defTabSz="914400" rtl="0" eaLnBrk="1" latinLnBrk="0" hangingPunct="1">
+              <a:defRPr sz="1800" kern="1200">
+                <a:solidFill>
+                  <a:schemeClr val="tx1"/>
+                </a:solidFill>
+                <a:latin typeface="+mn-lt"/>
+                <a:ea typeface="+mn-ea"/>
+                <a:cs typeface="+mn-cs"/>
+              </a:defRPr>
+            </a:lvl9pPr>
+          </a:lstStyle>
+          <a:p>
+            <a:r>
+              <a:rPr lang="en-US" dirty="0"/>
+              <a:t>Infoway Technologies, 3rd  Floor Commerce Centre, Rambaug Colony, Paud Road Pune 411038</a:t>
+            </a:r>
+            <a:endParaRPr lang="en-IN" dirty="0"/>
+          </a:p>
+          <a:p>
+            <a:endParaRPr lang="en-US" dirty="0"/>
+          </a:p>
+        </p:txBody>
+      </p:sp>
+      <p:sp>
+        <p:nvSpPr>
+          <p:cNvPr id="7" name="Rectangle 6">
+            <a:extLst>
+              <a:ext uri="{FF2B5EF4-FFF2-40B4-BE49-F238E27FC236}">
+                <a16:creationId xmlns:a16="http://schemas.microsoft.com/office/drawing/2014/main" id="{09A4DD51-F450-4FA7-BA18-C2A26D10D72C}"/>
+              </a:ext>
+            </a:extLst>
+          </p:cNvPr>
+          <p:cNvSpPr/>
+          <p:nvPr/>
+        </p:nvSpPr>
+        <p:spPr>
+          <a:xfrm>
+            <a:off x="1523802" y="2"/>
+            <a:ext cx="9142810" cy="923330"/>
+          </a:xfrm>
+          <a:prstGeom prst="rect">
+            <a:avLst/>
+          </a:prstGeom>
+          <a:solidFill>
+            <a:schemeClr val="bg1"/>
+          </a:solidFill>
+        </p:spPr>
+        <p:txBody>
+          <a:bodyPr wrap="square">
+            <a:spAutoFit/>
+          </a:bodyPr>
+          <a:lstStyle/>
+          <a:p>
+            <a:pPr algn="r" fontAlgn="base">
+              <a:lnSpc>
+                <a:spcPct val="150000"/>
+              </a:lnSpc>
+            </a:pPr>
+            <a:r>
+              <a:rPr lang="en-US" sz="3600" dirty="0" smtClean="0"/>
+              <a:t>Disadvantages </a:t>
+            </a:r>
+            <a:r>
+              <a:rPr lang="en-US" sz="3600" dirty="0" smtClean="0"/>
+              <a:t>of DBMS</a:t>
+            </a:r>
+            <a:endParaRPr lang="en-US" sz="3600" dirty="0">
+              <a:latin typeface="Palatino Linotype" panose="02040502050505030304" pitchFamily="18" charset="0"/>
+            </a:endParaRPr>
+          </a:p>
+        </p:txBody>
+      </p:sp>
+      <p:sp>
+        <p:nvSpPr>
+          <p:cNvPr id="14" name="Rectangle 13"/>
+          <p:cNvSpPr/>
+          <p:nvPr/>
+        </p:nvSpPr>
+        <p:spPr>
+          <a:xfrm>
+            <a:off x="262558" y="853378"/>
+            <a:ext cx="2565318" cy="369332"/>
+          </a:xfrm>
+          <a:prstGeom prst="rect">
+            <a:avLst/>
+          </a:prstGeom>
+        </p:spPr>
+        <p:txBody>
+          <a:bodyPr wrap="none">
+            <a:spAutoFit/>
+          </a:bodyPr>
+          <a:lstStyle/>
+          <a:p>
+            <a:r>
+              <a:rPr lang="en-IN" dirty="0" smtClean="0">
+                <a:solidFill>
+                  <a:srgbClr val="000000"/>
+                </a:solidFill>
+                <a:latin typeface="Palatino Linotype" panose="02040502050505030304" pitchFamily="18" charset="0"/>
+              </a:rPr>
+              <a:t>Disadvantage </a:t>
+            </a:r>
+            <a:r>
+              <a:rPr lang="en-IN" dirty="0">
+                <a:solidFill>
+                  <a:srgbClr val="000000"/>
+                </a:solidFill>
+                <a:latin typeface="Palatino Linotype" panose="02040502050505030304" pitchFamily="18" charset="0"/>
+              </a:rPr>
+              <a:t>of DBMS</a:t>
+            </a:r>
+            <a:endParaRPr lang="en-IN" b="0" i="0" dirty="0">
+              <a:solidFill>
+                <a:srgbClr val="000000"/>
+              </a:solidFill>
+              <a:effectLst/>
+              <a:latin typeface="Palatino Linotype" panose="02040502050505030304" pitchFamily="18" charset="0"/>
+            </a:endParaRPr>
+          </a:p>
+        </p:txBody>
+      </p:sp>
+      <p:sp>
+        <p:nvSpPr>
+          <p:cNvPr id="15" name="Rectangle 14"/>
+          <p:cNvSpPr/>
+          <p:nvPr/>
+        </p:nvSpPr>
+        <p:spPr>
+          <a:xfrm>
+            <a:off x="118542" y="1484784"/>
+            <a:ext cx="11637137" cy="1754326"/>
+          </a:xfrm>
+          <a:prstGeom prst="rect">
+            <a:avLst/>
+          </a:prstGeom>
+        </p:spPr>
+        <p:txBody>
+          <a:bodyPr wrap="square">
+            <a:spAutoFit/>
+          </a:bodyPr>
+          <a:lstStyle/>
+          <a:p>
+            <a:pPr marL="285750" indent="-285750">
+              <a:buFont typeface="Arial" panose="020B0604020202020204" pitchFamily="34" charset="0"/>
+              <a:buChar char="•"/>
+            </a:pPr>
+            <a:r>
+              <a:rPr lang="en-US" i="1" dirty="0">
+                <a:latin typeface="Palatino Linotype" panose="02040502050505030304" pitchFamily="18" charset="0"/>
+              </a:rPr>
+              <a:t> </a:t>
+            </a:r>
+            <a:r>
+              <a:rPr lang="en-US" dirty="0"/>
+              <a:t>Cost of Hardware and Software of a DBMS is quite </a:t>
+            </a:r>
+            <a:r>
+              <a:rPr lang="en-US" dirty="0" smtClean="0"/>
+              <a:t>high</a:t>
+            </a:r>
+          </a:p>
+          <a:p>
+            <a:pPr marL="285750" indent="-285750">
+              <a:buFont typeface="Arial" panose="020B0604020202020204" pitchFamily="34" charset="0"/>
+              <a:buChar char="•"/>
+            </a:pPr>
+            <a:endParaRPr lang="en-US" dirty="0">
+              <a:latin typeface="Palatino Linotype" panose="02040502050505030304" pitchFamily="18" charset="0"/>
+            </a:endParaRPr>
+          </a:p>
+          <a:p>
+            <a:pPr marL="285750" indent="-285750">
+              <a:buFont typeface="Arial" panose="020B0604020202020204" pitchFamily="34" charset="0"/>
+              <a:buChar char="•"/>
+            </a:pPr>
+            <a:r>
+              <a:rPr lang="en-US" dirty="0"/>
+              <a:t>Most database management systems are often complex systems, so the training for users to use the DBMS is required</a:t>
+            </a:r>
+            <a:r>
+              <a:rPr lang="en-US" dirty="0" smtClean="0"/>
+              <a:t>.</a:t>
+            </a:r>
+          </a:p>
+          <a:p>
+            <a:pPr marL="285750" indent="-285750">
+              <a:buFont typeface="Arial" panose="020B0604020202020204" pitchFamily="34" charset="0"/>
+              <a:buChar char="•"/>
+            </a:pPr>
+            <a:endParaRPr lang="en-US" b="1" dirty="0">
+              <a:latin typeface="Palatino Linotype" panose="02040502050505030304" pitchFamily="18" charset="0"/>
+            </a:endParaRPr>
+          </a:p>
+          <a:p>
+            <a:pPr marL="285750" indent="-285750">
+              <a:buFont typeface="Arial" panose="020B0604020202020204" pitchFamily="34" charset="0"/>
+              <a:buChar char="•"/>
+            </a:pPr>
+            <a:r>
+              <a:rPr lang="en-US" dirty="0"/>
+              <a:t>A</a:t>
+            </a:r>
+            <a:r>
+              <a:rPr lang="en-US" dirty="0" smtClean="0"/>
+              <a:t>ll </a:t>
+            </a:r>
+            <a:r>
+              <a:rPr lang="en-US" dirty="0"/>
+              <a:t>data is integrated into a single database which can be damaged because of electric failure or database is corrupted on the storage </a:t>
+            </a:r>
+            <a:r>
+              <a:rPr lang="en-US" dirty="0" smtClean="0"/>
+              <a:t>device.</a:t>
+            </a:r>
+          </a:p>
+        </p:txBody>
+      </p:sp>
+    </p:spTree>
+    <p:extLst>
+      <p:ext uri="{BB962C8B-B14F-4D97-AF65-F5344CB8AC3E}">
+        <p14:creationId xmlns:p14="http://schemas.microsoft.com/office/powerpoint/2010/main" val="1941358839"/>
+      </p:ext>
+    </p:extLst>
+  </p:cSld>
+  <p:clrMapOvr>
+    <a:masterClrMapping/>
+  </p:clrMapOvr>
+  <p:timing>
+    <p:tnLst>
+      <p:par>
+        <p:cTn id="1" dur="indefinite" restart="never" nodeType="tmRoot"/>
+      </p:par>
+    </p:tnLst>
+  </p:timing>
+</p:sld>
+</file>
+
+<file path=ppt/slides/slide8.xml><?xml version="1.0" encoding="utf-8"?>
+<p:sld xmlns:a="http://schemas.openxmlformats.org/drawingml/2006/main" xmlns:r="http://schemas.openxmlformats.org/officeDocument/2006/relationships" xmlns:p="http://schemas.openxmlformats.org/presentationml/2006/main">
+  <p:cSld>
+    <p:spTree>
+      <p:nvGrpSpPr>
+        <p:cNvPr id="1" name=""/>
+        <p:cNvGrpSpPr/>
+        <p:nvPr/>
+      </p:nvGrpSpPr>
+      <p:grpSpPr>
+        <a:xfrm>
+          <a:off x="0" y="0"/>
+          <a:ext cx="0" cy="0"/>
+          <a:chOff x="0" y="0"/>
+          <a:chExt cx="0" cy="0"/>
+        </a:xfrm>
+      </p:grpSpPr>
       <p:graphicFrame>
         <p:nvGraphicFramePr>
           <p:cNvPr id="3" name="Table 2">
             <a:extLst>
               <a:ext uri="{FF2B5EF4-FFF2-40B4-BE49-F238E27FC236}">
-                <a16:creationId xmlns:a16="http://schemas.microsoft.com/office/drawing/2014/main" xmlns="" id="{3B98D881-C189-488C-A721-AE415CC7E2F7}"/>
+                <a16:creationId xmlns:a16="http://schemas.microsoft.com/office/drawing/2014/main" id="{3B98D881-C189-488C-A721-AE415CC7E2F7}"/>
               </a:ext>
             </a:extLst>
           </p:cNvPr>
@@ -6588,7 +6828,7 @@
           <p:nvPr>
             <p:extLst>
               <p:ext uri="{D42A27DB-BD31-4B8C-83A1-F6EECF244321}">
-                <p14:modId xmlns:p14="http://schemas.microsoft.com/office/powerpoint/2010/main" xmlns="" val="1213537051"/>
+                <p14:modId xmlns:p14="http://schemas.microsoft.com/office/powerpoint/2010/main" val="1213537051"/>
               </p:ext>
             </p:extLst>
           </p:nvPr>
@@ -6605,14 +6845,14 @@
                 <a:gridCol w="5688632">
                   <a:extLst>
                     <a:ext uri="{9D8B030D-6E8A-4147-A177-3AD203B41FA5}">
-                      <a16:colId xmlns:a16="http://schemas.microsoft.com/office/drawing/2014/main" xmlns="" val="3406180870"/>
+                      <a16:colId xmlns:a16="http://schemas.microsoft.com/office/drawing/2014/main" val="3406180870"/>
                     </a:ext>
                   </a:extLst>
                 </a:gridCol>
                 <a:gridCol w="5688632">
                   <a:extLst>
                     <a:ext uri="{9D8B030D-6E8A-4147-A177-3AD203B41FA5}">
-                      <a16:colId xmlns:a16="http://schemas.microsoft.com/office/drawing/2014/main" xmlns="" val="814245111"/>
+                      <a16:colId xmlns:a16="http://schemas.microsoft.com/office/drawing/2014/main" val="814245111"/>
                     </a:ext>
                   </a:extLst>
                 </a:gridCol>
@@ -6742,7 +6982,7 @@
                 </a:tc>
                 <a:extLst>
                   <a:ext uri="{0D108BD9-81ED-4DB2-BD59-A6C34878D82A}">
-                    <a16:rowId xmlns:a16="http://schemas.microsoft.com/office/drawing/2014/main" xmlns="" val="1900950636"/>
+                    <a16:rowId xmlns:a16="http://schemas.microsoft.com/office/drawing/2014/main" val="1900950636"/>
                   </a:ext>
                 </a:extLst>
               </a:tr>
@@ -6863,7 +7103,7 @@
                 </a:tc>
                 <a:extLst>
                   <a:ext uri="{0D108BD9-81ED-4DB2-BD59-A6C34878D82A}">
-                    <a16:rowId xmlns:a16="http://schemas.microsoft.com/office/drawing/2014/main" xmlns="" val="1976220946"/>
+                    <a16:rowId xmlns:a16="http://schemas.microsoft.com/office/drawing/2014/main" val="1976220946"/>
                   </a:ext>
                 </a:extLst>
               </a:tr>
@@ -6984,7 +7224,7 @@
                 </a:tc>
                 <a:extLst>
                   <a:ext uri="{0D108BD9-81ED-4DB2-BD59-A6C34878D82A}">
-                    <a16:rowId xmlns:a16="http://schemas.microsoft.com/office/drawing/2014/main" xmlns="" val="60521205"/>
+                    <a16:rowId xmlns:a16="http://schemas.microsoft.com/office/drawing/2014/main" val="60521205"/>
                   </a:ext>
                 </a:extLst>
               </a:tr>
@@ -7105,7 +7345,7 @@
                 </a:tc>
                 <a:extLst>
                   <a:ext uri="{0D108BD9-81ED-4DB2-BD59-A6C34878D82A}">
-                    <a16:rowId xmlns:a16="http://schemas.microsoft.com/office/drawing/2014/main" xmlns="" val="1102398876"/>
+                    <a16:rowId xmlns:a16="http://schemas.microsoft.com/office/drawing/2014/main" val="1102398876"/>
                   </a:ext>
                 </a:extLst>
               </a:tr>
@@ -7233,7 +7473,7 @@
                 </a:tc>
                 <a:extLst>
                   <a:ext uri="{0D108BD9-81ED-4DB2-BD59-A6C34878D82A}">
-                    <a16:rowId xmlns:a16="http://schemas.microsoft.com/office/drawing/2014/main" xmlns="" val="1056554043"/>
+                    <a16:rowId xmlns:a16="http://schemas.microsoft.com/office/drawing/2014/main" val="1056554043"/>
                   </a:ext>
                 </a:extLst>
               </a:tr>
@@ -7354,7 +7594,7 @@
                 </a:tc>
                 <a:extLst>
                   <a:ext uri="{0D108BD9-81ED-4DB2-BD59-A6C34878D82A}">
-                    <a16:rowId xmlns:a16="http://schemas.microsoft.com/office/drawing/2014/main" xmlns="" val="164864743"/>
+                    <a16:rowId xmlns:a16="http://schemas.microsoft.com/office/drawing/2014/main" val="164864743"/>
                   </a:ext>
                 </a:extLst>
               </a:tr>
@@ -7475,7 +7715,7 @@
                 </a:tc>
                 <a:extLst>
                   <a:ext uri="{0D108BD9-81ED-4DB2-BD59-A6C34878D82A}">
-                    <a16:rowId xmlns:a16="http://schemas.microsoft.com/office/drawing/2014/main" xmlns="" val="4288000239"/>
+                    <a16:rowId xmlns:a16="http://schemas.microsoft.com/office/drawing/2014/main" val="4288000239"/>
                   </a:ext>
                 </a:extLst>
               </a:tr>
@@ -7596,7 +7836,7 @@
                 </a:tc>
                 <a:extLst>
                   <a:ext uri="{0D108BD9-81ED-4DB2-BD59-A6C34878D82A}">
-                    <a16:rowId xmlns:a16="http://schemas.microsoft.com/office/drawing/2014/main" xmlns="" val="792765653"/>
+                    <a16:rowId xmlns:a16="http://schemas.microsoft.com/office/drawing/2014/main" val="792765653"/>
                   </a:ext>
                 </a:extLst>
               </a:tr>
@@ -7609,7 +7849,7 @@
           <p:cNvPr id="4" name="Picture 3">
             <a:extLst>
               <a:ext uri="{FF2B5EF4-FFF2-40B4-BE49-F238E27FC236}">
-                <a16:creationId xmlns:a16="http://schemas.microsoft.com/office/drawing/2014/main" xmlns="" id="{361872CA-52F5-482F-9ACC-E5430DCC16FE}"/>
+                <a16:creationId xmlns:a16="http://schemas.microsoft.com/office/drawing/2014/main" id="{361872CA-52F5-482F-9ACC-E5430DCC16FE}"/>
               </a:ext>
             </a:extLst>
           </p:cNvPr>
@@ -7622,7 +7862,7 @@
           <a:blip r:embed="rId2" cstate="print">
             <a:extLst>
               <a:ext uri="{28A0092B-C50C-407E-A947-70E740481C1C}">
-                <a14:useLocalDpi xmlns:a14="http://schemas.microsoft.com/office/drawing/2010/main" xmlns="" val="0"/>
+                <a14:useLocalDpi xmlns:a14="http://schemas.microsoft.com/office/drawing/2010/main" val="0"/>
               </a:ext>
             </a:extLst>
           </a:blip>
@@ -7642,42 +7882,10 @@
       </p:pic>
       <p:sp>
         <p:nvSpPr>
-          <p:cNvPr id="5" name="Rectangle 4"/>
-          <p:cNvSpPr/>
-          <p:nvPr/>
-        </p:nvSpPr>
-        <p:spPr>
-          <a:xfrm>
-            <a:off x="11755679" y="0"/>
-            <a:ext cx="434734" cy="369332"/>
-          </a:xfrm>
-          <a:prstGeom prst="rect">
-            <a:avLst/>
-          </a:prstGeom>
-        </p:spPr>
-        <p:txBody>
-          <a:bodyPr wrap="none">
-            <a:spAutoFit/>
-          </a:bodyPr>
-          <a:lstStyle/>
-          <a:p>
-            <a:r>
-              <a:rPr lang="en-IN" dirty="0" smtClean="0">
-                <a:latin typeface="Segoe UI Light" panose="020B0502040204020203" pitchFamily="34" charset="0"/>
-                <a:cs typeface="Segoe UI Light" panose="020B0502040204020203" pitchFamily="34" charset="0"/>
-              </a:rPr>
-              <a:t>(5)</a:t>
-            </a:r>
-            <a:endParaRPr lang="en-US" dirty="0"/>
-          </a:p>
-        </p:txBody>
-      </p:sp>
-      <p:sp>
-        <p:nvSpPr>
           <p:cNvPr id="7" name="Rectangle 6">
             <a:extLst>
               <a:ext uri="{FF2B5EF4-FFF2-40B4-BE49-F238E27FC236}">
-                <a16:creationId xmlns:a16="http://schemas.microsoft.com/office/drawing/2014/main" xmlns="" id="{09A4DD51-F450-4FA7-BA18-C2A26D10D72C}"/>
+                <a16:creationId xmlns:a16="http://schemas.microsoft.com/office/drawing/2014/main" id="{09A4DD51-F450-4FA7-BA18-C2A26D10D72C}"/>
               </a:ext>
             </a:extLst>
           </p:cNvPr>
@@ -7721,7 +7929,7 @@
     </p:spTree>
     <p:extLst>
       <p:ext uri="{BB962C8B-B14F-4D97-AF65-F5344CB8AC3E}">
-        <p14:creationId xmlns:p14="http://schemas.microsoft.com/office/powerpoint/2010/main" xmlns="" val="3649515502"/>
+        <p14:creationId xmlns:p14="http://schemas.microsoft.com/office/powerpoint/2010/main" val="3649515502"/>
       </p:ext>
     </p:extLst>
   </p:cSld>

--- a/Video Ver1/Video PPT/5. File System vs DBMS.pptx
+++ b/Video Ver1/Video PPT/5. File System vs DBMS.pptx
@@ -116,7 +116,7 @@
   </p:defaultTextStyle>
   <p:extLst>
     <p:ext uri="{521415D9-36F7-43E2-AB2F-B90AF26B5E84}">
-      <p14:sectionLst xmlns:p14="http://schemas.microsoft.com/office/powerpoint/2010/main">
+      <p14:sectionLst xmlns:p14="http://schemas.microsoft.com/office/powerpoint/2010/main" xmlns="">
         <p14:section name="Introduction" id="{A3D14946-8297-4856-B082-4FEFA482017C}">
           <p14:sldIdLst>
             <p14:sldId id="1195"/>
@@ -156,7 +156,7 @@
       </p14:sectionLst>
     </p:ext>
     <p:ext uri="{EFAFB233-063F-42B5-8137-9DF3F51BA10A}">
-      <p15:sldGuideLst xmlns:p15="http://schemas.microsoft.com/office/powerpoint/2012/main">
+      <p15:sldGuideLst xmlns:p15="http://schemas.microsoft.com/office/powerpoint/2012/main" xmlns="">
         <p15:guide id="1" orient="horz" pos="2160">
           <p15:clr>
             <a:srgbClr val="A4A3A4"/>
@@ -178,7 +178,7 @@
   <p:cmAuthor id="1" name="Saleel" initials="S" lastIdx="1" clrIdx="0">
     <p:extLst>
       <p:ext uri="{19B8F6BF-5375-455C-9EA6-DF929625EA0E}">
-        <p15:presenceInfo xmlns:p15="http://schemas.microsoft.com/office/powerpoint/2012/main" userId="Saleel" providerId="None"/>
+        <p15:presenceInfo xmlns:p15="http://schemas.microsoft.com/office/powerpoint/2012/main" xmlns="" userId="Saleel" providerId="None"/>
       </p:ext>
     </p:extLst>
   </p:cmAuthor>
@@ -268,7 +268,7 @@
             <a:fld id="{4DF51050-3720-483B-B552-57DC1341D582}" type="datetimeFigureOut">
               <a:rPr lang="en-US" smtClean="0"/>
               <a:pPr/>
-              <a:t>6/11/2020</a:t>
+              <a:t>6/19/2020</a:t>
             </a:fld>
             <a:endParaRPr lang="en-US"/>
           </a:p>
@@ -727,7 +727,7 @@
             <a:fld id="{EEE556E8-492E-4E8F-8E7F-7A7787724D01}" type="datetimeFigureOut">
               <a:rPr lang="en-US" smtClean="0"/>
               <a:pPr/>
-              <a:t>6/11/2020</a:t>
+              <a:t>6/19/2020</a:t>
             </a:fld>
             <a:endParaRPr lang="en-US"/>
           </a:p>
@@ -932,7 +932,7 @@
             <a:fld id="{EEE556E8-492E-4E8F-8E7F-7A7787724D01}" type="datetimeFigureOut">
               <a:rPr lang="en-US" smtClean="0"/>
               <a:pPr/>
-              <a:t>6/11/2020</a:t>
+              <a:t>6/19/2020</a:t>
             </a:fld>
             <a:endParaRPr lang="en-US"/>
           </a:p>
@@ -1137,7 +1137,7 @@
             <a:fld id="{EEE556E8-492E-4E8F-8E7F-7A7787724D01}" type="datetimeFigureOut">
               <a:rPr lang="en-US" smtClean="0"/>
               <a:pPr/>
-              <a:t>6/11/2020</a:t>
+              <a:t>6/19/2020</a:t>
             </a:fld>
             <a:endParaRPr lang="en-US"/>
           </a:p>
@@ -1342,7 +1342,7 @@
             <a:fld id="{EEE556E8-492E-4E8F-8E7F-7A7787724D01}" type="datetimeFigureOut">
               <a:rPr lang="en-US" smtClean="0"/>
               <a:pPr/>
-              <a:t>6/11/2020</a:t>
+              <a:t>6/19/2020</a:t>
             </a:fld>
             <a:endParaRPr lang="en-US"/>
           </a:p>
@@ -1614,7 +1614,7 @@
             <a:fld id="{EEE556E8-492E-4E8F-8E7F-7A7787724D01}" type="datetimeFigureOut">
               <a:rPr lang="en-US" smtClean="0"/>
               <a:pPr/>
-              <a:t>6/11/2020</a:t>
+              <a:t>6/19/2020</a:t>
             </a:fld>
             <a:endParaRPr lang="en-US"/>
           </a:p>
@@ -1934,7 +1934,7 @@
             <a:fld id="{EEE556E8-492E-4E8F-8E7F-7A7787724D01}" type="datetimeFigureOut">
               <a:rPr lang="en-US" smtClean="0"/>
               <a:pPr/>
-              <a:t>6/11/2020</a:t>
+              <a:t>6/19/2020</a:t>
             </a:fld>
             <a:endParaRPr lang="en-US"/>
           </a:p>
@@ -2394,7 +2394,7 @@
             <a:fld id="{EEE556E8-492E-4E8F-8E7F-7A7787724D01}" type="datetimeFigureOut">
               <a:rPr lang="en-US" smtClean="0"/>
               <a:pPr/>
-              <a:t>6/11/2020</a:t>
+              <a:t>6/19/2020</a:t>
             </a:fld>
             <a:endParaRPr lang="en-US"/>
           </a:p>
@@ -2540,7 +2540,7 @@
             <a:fld id="{EEE556E8-492E-4E8F-8E7F-7A7787724D01}" type="datetimeFigureOut">
               <a:rPr lang="en-US" smtClean="0"/>
               <a:pPr/>
-              <a:t>6/11/2020</a:t>
+              <a:t>6/19/2020</a:t>
             </a:fld>
             <a:endParaRPr lang="en-US"/>
           </a:p>
@@ -2870,7 +2870,7 @@
             <a:fld id="{EEE556E8-492E-4E8F-8E7F-7A7787724D01}" type="datetimeFigureOut">
               <a:rPr lang="en-US" smtClean="0"/>
               <a:pPr/>
-              <a:t>6/11/2020</a:t>
+              <a:t>6/19/2020</a:t>
             </a:fld>
             <a:endParaRPr lang="en-US"/>
           </a:p>
@@ -3152,7 +3152,7 @@
             <a:fld id="{EEE556E8-492E-4E8F-8E7F-7A7787724D01}" type="datetimeFigureOut">
               <a:rPr lang="en-US" smtClean="0"/>
               <a:pPr/>
-              <a:t>6/11/2020</a:t>
+              <a:t>6/19/2020</a:t>
             </a:fld>
             <a:endParaRPr lang="en-US"/>
           </a:p>
@@ -3581,7 +3581,7 @@
           <p:cNvPr id="3" name="Picture 2">
             <a:extLst>
               <a:ext uri="{FF2B5EF4-FFF2-40B4-BE49-F238E27FC236}">
-                <a16:creationId xmlns:a16="http://schemas.microsoft.com/office/drawing/2014/main" id="{B5C1FD02-D961-4CAF-BF5C-47309320BDE6}"/>
+                <a16:creationId xmlns:a16="http://schemas.microsoft.com/office/drawing/2014/main" xmlns="" id="{B5C1FD02-D961-4CAF-BF5C-47309320BDE6}"/>
               </a:ext>
             </a:extLst>
           </p:cNvPr>
@@ -3594,7 +3594,7 @@
           <a:blip r:embed="rId2" cstate="print">
             <a:extLst>
               <a:ext uri="{28A0092B-C50C-407E-A947-70E740481C1C}">
-                <a14:useLocalDpi xmlns:a14="http://schemas.microsoft.com/office/drawing/2010/main" val="0"/>
+                <a14:useLocalDpi xmlns:a14="http://schemas.microsoft.com/office/drawing/2010/main" xmlns="" val="0"/>
               </a:ext>
             </a:extLst>
           </a:blip>
@@ -3617,7 +3617,7 @@
           <p:cNvPr id="4" name="Footer Placeholder 2">
             <a:extLst>
               <a:ext uri="{FF2B5EF4-FFF2-40B4-BE49-F238E27FC236}">
-                <a16:creationId xmlns:a16="http://schemas.microsoft.com/office/drawing/2014/main" id="{8AC76C4F-4C95-4C8D-AF8A-E786504CFA0E}"/>
+                <a16:creationId xmlns:a16="http://schemas.microsoft.com/office/drawing/2014/main" xmlns="" id="{8AC76C4F-4C95-4C8D-AF8A-E786504CFA0E}"/>
               </a:ext>
             </a:extLst>
           </p:cNvPr>
@@ -3747,7 +3747,7 @@
     </p:spTree>
     <p:extLst>
       <p:ext uri="{BB962C8B-B14F-4D97-AF65-F5344CB8AC3E}">
-        <p14:creationId xmlns:p14="http://schemas.microsoft.com/office/powerpoint/2010/main" val="1792769669"/>
+        <p14:creationId xmlns:p14="http://schemas.microsoft.com/office/powerpoint/2010/main" xmlns="" val="1792769669"/>
       </p:ext>
     </p:extLst>
   </p:cSld>
@@ -3786,7 +3786,7 @@
           <p:cNvPr id="4" name="Picture 3">
             <a:extLst>
               <a:ext uri="{FF2B5EF4-FFF2-40B4-BE49-F238E27FC236}">
-                <a16:creationId xmlns:a16="http://schemas.microsoft.com/office/drawing/2014/main" id="{4B3E96E4-8532-4FFA-8020-A53D8FBA2F23}"/>
+                <a16:creationId xmlns:a16="http://schemas.microsoft.com/office/drawing/2014/main" xmlns="" id="{4B3E96E4-8532-4FFA-8020-A53D8FBA2F23}"/>
               </a:ext>
             </a:extLst>
           </p:cNvPr>
@@ -3799,7 +3799,7 @@
           <a:blip r:embed="rId2" cstate="print">
             <a:extLst>
               <a:ext uri="{28A0092B-C50C-407E-A947-70E740481C1C}">
-                <a14:useLocalDpi xmlns:a14="http://schemas.microsoft.com/office/drawing/2010/main" val="0"/>
+                <a14:useLocalDpi xmlns:a14="http://schemas.microsoft.com/office/drawing/2010/main" xmlns="" val="0"/>
               </a:ext>
             </a:extLst>
           </a:blip>
@@ -3822,7 +3822,7 @@
           <p:cNvPr id="5" name="Footer Placeholder 2">
             <a:extLst>
               <a:ext uri="{FF2B5EF4-FFF2-40B4-BE49-F238E27FC236}">
-                <a16:creationId xmlns:a16="http://schemas.microsoft.com/office/drawing/2014/main" id="{70AFCD6D-DBA1-4EE8-A96A-D9652119B5FA}"/>
+                <a16:creationId xmlns:a16="http://schemas.microsoft.com/office/drawing/2014/main" xmlns="" id="{70AFCD6D-DBA1-4EE8-A96A-D9652119B5FA}"/>
               </a:ext>
             </a:extLst>
           </p:cNvPr>
@@ -3954,7 +3954,7 @@
           <p:cNvPr id="7" name="Rectangle 6">
             <a:extLst>
               <a:ext uri="{FF2B5EF4-FFF2-40B4-BE49-F238E27FC236}">
-                <a16:creationId xmlns:a16="http://schemas.microsoft.com/office/drawing/2014/main" id="{09A4DD51-F450-4FA7-BA18-C2A26D10D72C}"/>
+                <a16:creationId xmlns:a16="http://schemas.microsoft.com/office/drawing/2014/main" xmlns="" id="{09A4DD51-F450-4FA7-BA18-C2A26D10D72C}"/>
               </a:ext>
             </a:extLst>
           </p:cNvPr>
@@ -4069,13 +4069,7 @@
               <a:rPr lang="en-US" dirty="0" smtClean="0">
                 <a:latin typeface="Palatino Linotype" pitchFamily="18" charset="0"/>
               </a:rPr>
-              <a:t> database cannot contain multiple tables like a relational database </a:t>
-            </a:r>
-            <a:r>
-              <a:rPr lang="en-US" dirty="0" smtClean="0">
-                <a:latin typeface="Palatino Linotype" pitchFamily="18" charset="0"/>
-              </a:rPr>
-              <a:t>can have.</a:t>
+              <a:t> database cannot contain multiple tables like a relational database can have.</a:t>
             </a:r>
             <a:endParaRPr lang="en-US" dirty="0">
               <a:latin typeface="Palatino Linotype" pitchFamily="18" charset="0"/>
@@ -4110,7 +4104,7 @@
     </p:spTree>
     <p:extLst>
       <p:ext uri="{BB962C8B-B14F-4D97-AF65-F5344CB8AC3E}">
-        <p14:creationId xmlns:p14="http://schemas.microsoft.com/office/powerpoint/2010/main" val="1941358839"/>
+        <p14:creationId xmlns:p14="http://schemas.microsoft.com/office/powerpoint/2010/main" xmlns="" val="1941358839"/>
       </p:ext>
     </p:extLst>
   </p:cSld>
@@ -4149,7 +4143,7 @@
           <p:cNvPr id="4" name="Picture 3">
             <a:extLst>
               <a:ext uri="{FF2B5EF4-FFF2-40B4-BE49-F238E27FC236}">
-                <a16:creationId xmlns:a16="http://schemas.microsoft.com/office/drawing/2014/main" id="{4B3E96E4-8532-4FFA-8020-A53D8FBA2F23}"/>
+                <a16:creationId xmlns:a16="http://schemas.microsoft.com/office/drawing/2014/main" xmlns="" id="{4B3E96E4-8532-4FFA-8020-A53D8FBA2F23}"/>
               </a:ext>
             </a:extLst>
           </p:cNvPr>
@@ -4162,7 +4156,7 @@
           <a:blip r:embed="rId2" cstate="print">
             <a:extLst>
               <a:ext uri="{28A0092B-C50C-407E-A947-70E740481C1C}">
-                <a14:useLocalDpi xmlns:a14="http://schemas.microsoft.com/office/drawing/2010/main" val="0"/>
+                <a14:useLocalDpi xmlns:a14="http://schemas.microsoft.com/office/drawing/2010/main" xmlns="" val="0"/>
               </a:ext>
             </a:extLst>
           </a:blip>
@@ -4185,7 +4179,7 @@
           <p:cNvPr id="5" name="Footer Placeholder 2">
             <a:extLst>
               <a:ext uri="{FF2B5EF4-FFF2-40B4-BE49-F238E27FC236}">
-                <a16:creationId xmlns:a16="http://schemas.microsoft.com/office/drawing/2014/main" id="{70AFCD6D-DBA1-4EE8-A96A-D9652119B5FA}"/>
+                <a16:creationId xmlns:a16="http://schemas.microsoft.com/office/drawing/2014/main" xmlns="" id="{70AFCD6D-DBA1-4EE8-A96A-D9652119B5FA}"/>
               </a:ext>
             </a:extLst>
           </p:cNvPr>
@@ -4317,7 +4311,7 @@
           <p:cNvPr id="7" name="Rectangle 6">
             <a:extLst>
               <a:ext uri="{FF2B5EF4-FFF2-40B4-BE49-F238E27FC236}">
-                <a16:creationId xmlns:a16="http://schemas.microsoft.com/office/drawing/2014/main" id="{09A4DD51-F450-4FA7-BA18-C2A26D10D72C}"/>
+                <a16:creationId xmlns:a16="http://schemas.microsoft.com/office/drawing/2014/main" xmlns="" id="{09A4DD51-F450-4FA7-BA18-C2A26D10D72C}"/>
               </a:ext>
             </a:extLst>
           </p:cNvPr>
@@ -4349,15 +4343,7 @@
             </a:pPr>
             <a:r>
               <a:rPr lang="en-US" sz="3600" dirty="0" smtClean="0"/>
-              <a:t>Advantages </a:t>
-            </a:r>
-            <a:r>
-              <a:rPr lang="en-US" sz="3600" dirty="0" smtClean="0"/>
-              <a:t>of </a:t>
-            </a:r>
-            <a:r>
-              <a:rPr lang="en-US" sz="3600" dirty="0" smtClean="0"/>
-              <a:t>Flat Files</a:t>
+              <a:t>Advantages of Flat Files</a:t>
             </a:r>
             <a:endParaRPr lang="en-US" sz="3600" dirty="0">
               <a:latin typeface="Palatino Linotype" panose="02040502050505030304" pitchFamily="18" charset="0"/>
@@ -4473,13 +4459,7 @@
               <a:rPr lang="en-US" dirty="0">
                 <a:latin typeface="Palatino Linotype" panose="02040502050505030304" pitchFamily="18" charset="0"/>
               </a:rPr>
-              <a:t>: It </a:t>
-            </a:r>
-            <a:r>
-              <a:rPr lang="en-US" dirty="0">
-                <a:latin typeface="Palatino Linotype" panose="02040502050505030304" pitchFamily="18" charset="0"/>
-              </a:rPr>
-              <a:t>is possible to take faster and automatic back-up of database stored in files of computer-based systems</a:t>
+              <a:t>: It is possible to take faster and automatic back-up of database stored in files of computer-based systems</a:t>
             </a:r>
             <a:r>
               <a:rPr lang="en-US" dirty="0" smtClean="0">
@@ -4688,7 +4668,7 @@
     </p:spTree>
     <p:extLst>
       <p:ext uri="{BB962C8B-B14F-4D97-AF65-F5344CB8AC3E}">
-        <p14:creationId xmlns:p14="http://schemas.microsoft.com/office/powerpoint/2010/main" val="3589360824"/>
+        <p14:creationId xmlns:p14="http://schemas.microsoft.com/office/powerpoint/2010/main" xmlns="" val="3589360824"/>
       </p:ext>
     </p:extLst>
   </p:cSld>
@@ -4727,7 +4707,7 @@
           <p:cNvPr id="4" name="Picture 3">
             <a:extLst>
               <a:ext uri="{FF2B5EF4-FFF2-40B4-BE49-F238E27FC236}">
-                <a16:creationId xmlns:a16="http://schemas.microsoft.com/office/drawing/2014/main" id="{4B3E96E4-8532-4FFA-8020-A53D8FBA2F23}"/>
+                <a16:creationId xmlns:a16="http://schemas.microsoft.com/office/drawing/2014/main" xmlns="" id="{4B3E96E4-8532-4FFA-8020-A53D8FBA2F23}"/>
               </a:ext>
             </a:extLst>
           </p:cNvPr>
@@ -4740,7 +4720,7 @@
           <a:blip r:embed="rId2" cstate="print">
             <a:extLst>
               <a:ext uri="{28A0092B-C50C-407E-A947-70E740481C1C}">
-                <a14:useLocalDpi xmlns:a14="http://schemas.microsoft.com/office/drawing/2010/main" val="0"/>
+                <a14:useLocalDpi xmlns:a14="http://schemas.microsoft.com/office/drawing/2010/main" xmlns="" val="0"/>
               </a:ext>
             </a:extLst>
           </a:blip>
@@ -4763,7 +4743,7 @@
           <p:cNvPr id="5" name="Footer Placeholder 2">
             <a:extLst>
               <a:ext uri="{FF2B5EF4-FFF2-40B4-BE49-F238E27FC236}">
-                <a16:creationId xmlns:a16="http://schemas.microsoft.com/office/drawing/2014/main" id="{70AFCD6D-DBA1-4EE8-A96A-D9652119B5FA}"/>
+                <a16:creationId xmlns:a16="http://schemas.microsoft.com/office/drawing/2014/main" xmlns="" id="{70AFCD6D-DBA1-4EE8-A96A-D9652119B5FA}"/>
               </a:ext>
             </a:extLst>
           </p:cNvPr>
@@ -4895,7 +4875,7 @@
           <p:cNvPr id="7" name="Rectangle 6">
             <a:extLst>
               <a:ext uri="{FF2B5EF4-FFF2-40B4-BE49-F238E27FC236}">
-                <a16:creationId xmlns:a16="http://schemas.microsoft.com/office/drawing/2014/main" id="{09A4DD51-F450-4FA7-BA18-C2A26D10D72C}"/>
+                <a16:creationId xmlns:a16="http://schemas.microsoft.com/office/drawing/2014/main" xmlns="" id="{09A4DD51-F450-4FA7-BA18-C2A26D10D72C}"/>
               </a:ext>
             </a:extLst>
           </p:cNvPr>
@@ -4931,11 +4911,7 @@
             </a:r>
             <a:r>
               <a:rPr lang="en-US" sz="3600" dirty="0" smtClean="0"/>
-              <a:t>of </a:t>
-            </a:r>
-            <a:r>
-              <a:rPr lang="en-US" sz="3600" dirty="0" smtClean="0"/>
-              <a:t>Flat Files</a:t>
+              <a:t>of Flat Files</a:t>
             </a:r>
             <a:endParaRPr lang="en-US" sz="3600" dirty="0">
               <a:latin typeface="Palatino Linotype" panose="02040502050505030304" pitchFamily="18" charset="0"/>
@@ -4968,25 +4944,7 @@
               <a:rPr lang="en-US" dirty="0" smtClean="0">
                 <a:latin typeface="Palatino Linotype" pitchFamily="18" charset="0"/>
               </a:rPr>
-              <a:t>The biggest </a:t>
-            </a:r>
-            <a:r>
-              <a:rPr lang="en-US" dirty="0" smtClean="0">
-                <a:latin typeface="Palatino Linotype" pitchFamily="18" charset="0"/>
-              </a:rPr>
-              <a:t>disadvantage </a:t>
-            </a:r>
-            <a:r>
-              <a:rPr lang="en-US" dirty="0" smtClean="0">
-                <a:latin typeface="Palatino Linotype" pitchFamily="18" charset="0"/>
-              </a:rPr>
-              <a:t>of file-based storage is </a:t>
-            </a:r>
-            <a:r>
-              <a:rPr lang="en-US" dirty="0" smtClean="0">
-                <a:latin typeface="Palatino Linotype" pitchFamily="18" charset="0"/>
-              </a:rPr>
-              <a:t>as follows.</a:t>
+              <a:t>The biggest disadvantage of file-based storage is as follows.</a:t>
             </a:r>
             <a:endParaRPr lang="en-US" dirty="0">
               <a:latin typeface="Palatino Linotype" pitchFamily="18" charset="0"/>
@@ -5365,7 +5323,7 @@
     </p:spTree>
     <p:extLst>
       <p:ext uri="{BB962C8B-B14F-4D97-AF65-F5344CB8AC3E}">
-        <p14:creationId xmlns:p14="http://schemas.microsoft.com/office/powerpoint/2010/main" val="1941358839"/>
+        <p14:creationId xmlns:p14="http://schemas.microsoft.com/office/powerpoint/2010/main" xmlns="" val="1941358839"/>
       </p:ext>
     </p:extLst>
   </p:cSld>
@@ -5404,7 +5362,7 @@
           <p:cNvPr id="4" name="Picture 3">
             <a:extLst>
               <a:ext uri="{FF2B5EF4-FFF2-40B4-BE49-F238E27FC236}">
-                <a16:creationId xmlns:a16="http://schemas.microsoft.com/office/drawing/2014/main" id="{4B3E96E4-8532-4FFA-8020-A53D8FBA2F23}"/>
+                <a16:creationId xmlns:a16="http://schemas.microsoft.com/office/drawing/2014/main" xmlns="" id="{4B3E96E4-8532-4FFA-8020-A53D8FBA2F23}"/>
               </a:ext>
             </a:extLst>
           </p:cNvPr>
@@ -5417,7 +5375,7 @@
           <a:blip r:embed="rId2" cstate="print">
             <a:extLst>
               <a:ext uri="{28A0092B-C50C-407E-A947-70E740481C1C}">
-                <a14:useLocalDpi xmlns:a14="http://schemas.microsoft.com/office/drawing/2010/main" val="0"/>
+                <a14:useLocalDpi xmlns:a14="http://schemas.microsoft.com/office/drawing/2010/main" xmlns="" val="0"/>
               </a:ext>
             </a:extLst>
           </a:blip>
@@ -5440,7 +5398,7 @@
           <p:cNvPr id="5" name="Footer Placeholder 2">
             <a:extLst>
               <a:ext uri="{FF2B5EF4-FFF2-40B4-BE49-F238E27FC236}">
-                <a16:creationId xmlns:a16="http://schemas.microsoft.com/office/drawing/2014/main" id="{70AFCD6D-DBA1-4EE8-A96A-D9652119B5FA}"/>
+                <a16:creationId xmlns:a16="http://schemas.microsoft.com/office/drawing/2014/main" xmlns="" id="{70AFCD6D-DBA1-4EE8-A96A-D9652119B5FA}"/>
               </a:ext>
             </a:extLst>
           </p:cNvPr>
@@ -5572,7 +5530,7 @@
           <p:cNvPr id="7" name="Rectangle 6">
             <a:extLst>
               <a:ext uri="{FF2B5EF4-FFF2-40B4-BE49-F238E27FC236}">
-                <a16:creationId xmlns:a16="http://schemas.microsoft.com/office/drawing/2014/main" id="{09A4DD51-F450-4FA7-BA18-C2A26D10D72C}"/>
+                <a16:creationId xmlns:a16="http://schemas.microsoft.com/office/drawing/2014/main" xmlns="" id="{09A4DD51-F450-4FA7-BA18-C2A26D10D72C}"/>
               </a:ext>
             </a:extLst>
           </p:cNvPr>
@@ -5619,7 +5577,7 @@
           <p:cNvPr id="9" name="Rectangle 8">
             <a:extLst>
               <a:ext uri="{FF2B5EF4-FFF2-40B4-BE49-F238E27FC236}">
-                <a16:creationId xmlns:a16="http://schemas.microsoft.com/office/drawing/2014/main" id="{8FAE9B23-3ED4-4706-957F-B5A1738E90CC}"/>
+                <a16:creationId xmlns:a16="http://schemas.microsoft.com/office/drawing/2014/main" xmlns="" id="{8FAE9B23-3ED4-4706-957F-B5A1738E90CC}"/>
               </a:ext>
             </a:extLst>
           </p:cNvPr>
@@ -5738,7 +5696,7 @@
           <a:blip r:embed="rId3" cstate="print">
             <a:extLst>
               <a:ext uri="{28A0092B-C50C-407E-A947-70E740481C1C}">
-                <a14:useLocalDpi xmlns:a14="http://schemas.microsoft.com/office/drawing/2010/main" val="0"/>
+                <a14:useLocalDpi xmlns:a14="http://schemas.microsoft.com/office/drawing/2010/main" xmlns="" val="0"/>
               </a:ext>
             </a:extLst>
           </a:blip>
@@ -5791,7 +5749,7 @@
     </p:spTree>
     <p:extLst>
       <p:ext uri="{BB962C8B-B14F-4D97-AF65-F5344CB8AC3E}">
-        <p14:creationId xmlns:p14="http://schemas.microsoft.com/office/powerpoint/2010/main" val="2566691846"/>
+        <p14:creationId xmlns:p14="http://schemas.microsoft.com/office/powerpoint/2010/main" xmlns="" val="2566691846"/>
       </p:ext>
     </p:extLst>
   </p:cSld>
@@ -5830,7 +5788,7 @@
           <p:cNvPr id="4" name="Picture 3">
             <a:extLst>
               <a:ext uri="{FF2B5EF4-FFF2-40B4-BE49-F238E27FC236}">
-                <a16:creationId xmlns:a16="http://schemas.microsoft.com/office/drawing/2014/main" id="{4B3E96E4-8532-4FFA-8020-A53D8FBA2F23}"/>
+                <a16:creationId xmlns:a16="http://schemas.microsoft.com/office/drawing/2014/main" xmlns="" id="{4B3E96E4-8532-4FFA-8020-A53D8FBA2F23}"/>
               </a:ext>
             </a:extLst>
           </p:cNvPr>
@@ -5843,7 +5801,7 @@
           <a:blip r:embed="rId2" cstate="print">
             <a:extLst>
               <a:ext uri="{28A0092B-C50C-407E-A947-70E740481C1C}">
-                <a14:useLocalDpi xmlns:a14="http://schemas.microsoft.com/office/drawing/2010/main" val="0"/>
+                <a14:useLocalDpi xmlns:a14="http://schemas.microsoft.com/office/drawing/2010/main" xmlns="" val="0"/>
               </a:ext>
             </a:extLst>
           </a:blip>
@@ -5866,7 +5824,7 @@
           <p:cNvPr id="5" name="Footer Placeholder 2">
             <a:extLst>
               <a:ext uri="{FF2B5EF4-FFF2-40B4-BE49-F238E27FC236}">
-                <a16:creationId xmlns:a16="http://schemas.microsoft.com/office/drawing/2014/main" id="{70AFCD6D-DBA1-4EE8-A96A-D9652119B5FA}"/>
+                <a16:creationId xmlns:a16="http://schemas.microsoft.com/office/drawing/2014/main" xmlns="" id="{70AFCD6D-DBA1-4EE8-A96A-D9652119B5FA}"/>
               </a:ext>
             </a:extLst>
           </p:cNvPr>
@@ -5998,7 +5956,7 @@
           <p:cNvPr id="7" name="Rectangle 6">
             <a:extLst>
               <a:ext uri="{FF2B5EF4-FFF2-40B4-BE49-F238E27FC236}">
-                <a16:creationId xmlns:a16="http://schemas.microsoft.com/office/drawing/2014/main" id="{09A4DD51-F450-4FA7-BA18-C2A26D10D72C}"/>
+                <a16:creationId xmlns:a16="http://schemas.microsoft.com/office/drawing/2014/main" xmlns="" id="{09A4DD51-F450-4FA7-BA18-C2A26D10D72C}"/>
               </a:ext>
             </a:extLst>
           </p:cNvPr>
@@ -6030,11 +5988,7 @@
             </a:pPr>
             <a:r>
               <a:rPr lang="en-US" sz="3600" dirty="0" smtClean="0"/>
-              <a:t>Advantages of </a:t>
-            </a:r>
-            <a:r>
-              <a:rPr lang="en-US" sz="3600" dirty="0" smtClean="0"/>
-              <a:t>DBMS</a:t>
+              <a:t>Advantages of DBMS</a:t>
             </a:r>
             <a:endParaRPr lang="en-US" sz="3600" dirty="0">
               <a:latin typeface="Palatino Linotype" panose="02040502050505030304" pitchFamily="18" charset="0"/>
@@ -6380,7 +6334,7 @@
     </p:spTree>
     <p:extLst>
       <p:ext uri="{BB962C8B-B14F-4D97-AF65-F5344CB8AC3E}">
-        <p14:creationId xmlns:p14="http://schemas.microsoft.com/office/powerpoint/2010/main" val="4237775325"/>
+        <p14:creationId xmlns:p14="http://schemas.microsoft.com/office/powerpoint/2010/main" xmlns="" val="4237775325"/>
       </p:ext>
     </p:extLst>
   </p:cSld>
@@ -6419,7 +6373,7 @@
           <p:cNvPr id="4" name="Picture 3">
             <a:extLst>
               <a:ext uri="{FF2B5EF4-FFF2-40B4-BE49-F238E27FC236}">
-                <a16:creationId xmlns:a16="http://schemas.microsoft.com/office/drawing/2014/main" id="{4B3E96E4-8532-4FFA-8020-A53D8FBA2F23}"/>
+                <a16:creationId xmlns:a16="http://schemas.microsoft.com/office/drawing/2014/main" xmlns="" id="{4B3E96E4-8532-4FFA-8020-A53D8FBA2F23}"/>
               </a:ext>
             </a:extLst>
           </p:cNvPr>
@@ -6432,7 +6386,7 @@
           <a:blip r:embed="rId2" cstate="print">
             <a:extLst>
               <a:ext uri="{28A0092B-C50C-407E-A947-70E740481C1C}">
-                <a14:useLocalDpi xmlns:a14="http://schemas.microsoft.com/office/drawing/2010/main" val="0"/>
+                <a14:useLocalDpi xmlns:a14="http://schemas.microsoft.com/office/drawing/2010/main" xmlns="" val="0"/>
               </a:ext>
             </a:extLst>
           </a:blip>
@@ -6455,7 +6409,7 @@
           <p:cNvPr id="5" name="Footer Placeholder 2">
             <a:extLst>
               <a:ext uri="{FF2B5EF4-FFF2-40B4-BE49-F238E27FC236}">
-                <a16:creationId xmlns:a16="http://schemas.microsoft.com/office/drawing/2014/main" id="{70AFCD6D-DBA1-4EE8-A96A-D9652119B5FA}"/>
+                <a16:creationId xmlns:a16="http://schemas.microsoft.com/office/drawing/2014/main" xmlns="" id="{70AFCD6D-DBA1-4EE8-A96A-D9652119B5FA}"/>
               </a:ext>
             </a:extLst>
           </p:cNvPr>
@@ -6587,7 +6541,7 @@
           <p:cNvPr id="7" name="Rectangle 6">
             <a:extLst>
               <a:ext uri="{FF2B5EF4-FFF2-40B4-BE49-F238E27FC236}">
-                <a16:creationId xmlns:a16="http://schemas.microsoft.com/office/drawing/2014/main" id="{09A4DD51-F450-4FA7-BA18-C2A26D10D72C}"/>
+                <a16:creationId xmlns:a16="http://schemas.microsoft.com/office/drawing/2014/main" xmlns="" id="{09A4DD51-F450-4FA7-BA18-C2A26D10D72C}"/>
               </a:ext>
             </a:extLst>
           </p:cNvPr>
@@ -6619,11 +6573,7 @@
             </a:pPr>
             <a:r>
               <a:rPr lang="en-US" sz="3600" dirty="0" smtClean="0"/>
-              <a:t>Disadvantages </a:t>
-            </a:r>
-            <a:r>
-              <a:rPr lang="en-US" sz="3600" dirty="0" smtClean="0"/>
-              <a:t>of DBMS</a:t>
+              <a:t>Disadvantages of DBMS</a:t>
             </a:r>
             <a:endParaRPr lang="en-US" sz="3600" dirty="0">
               <a:latin typeface="Palatino Linotype" panose="02040502050505030304" pitchFamily="18" charset="0"/>
@@ -6779,7 +6729,7 @@
     </p:spTree>
     <p:extLst>
       <p:ext uri="{BB962C8B-B14F-4D97-AF65-F5344CB8AC3E}">
-        <p14:creationId xmlns:p14="http://schemas.microsoft.com/office/powerpoint/2010/main" val="1941358839"/>
+        <p14:creationId xmlns:p14="http://schemas.microsoft.com/office/powerpoint/2010/main" xmlns="" val="1941358839"/>
       </p:ext>
     </p:extLst>
   </p:cSld>
@@ -6818,7 +6768,7 @@
           <p:cNvPr id="3" name="Table 2">
             <a:extLst>
               <a:ext uri="{FF2B5EF4-FFF2-40B4-BE49-F238E27FC236}">
-                <a16:creationId xmlns:a16="http://schemas.microsoft.com/office/drawing/2014/main" id="{3B98D881-C189-488C-A721-AE415CC7E2F7}"/>
+                <a16:creationId xmlns:a16="http://schemas.microsoft.com/office/drawing/2014/main" xmlns="" id="{3B98D881-C189-488C-A721-AE415CC7E2F7}"/>
               </a:ext>
             </a:extLst>
           </p:cNvPr>
@@ -6828,7 +6778,7 @@
           <p:nvPr>
             <p:extLst>
               <p:ext uri="{D42A27DB-BD31-4B8C-83A1-F6EECF244321}">
-                <p14:modId xmlns:p14="http://schemas.microsoft.com/office/powerpoint/2010/main" val="1213537051"/>
+                <p14:modId xmlns:p14="http://schemas.microsoft.com/office/powerpoint/2010/main" xmlns="" val="1213537051"/>
               </p:ext>
             </p:extLst>
           </p:nvPr>
@@ -6845,14 +6795,14 @@
                 <a:gridCol w="5688632">
                   <a:extLst>
                     <a:ext uri="{9D8B030D-6E8A-4147-A177-3AD203B41FA5}">
-                      <a16:colId xmlns:a16="http://schemas.microsoft.com/office/drawing/2014/main" val="3406180870"/>
+                      <a16:colId xmlns:a16="http://schemas.microsoft.com/office/drawing/2014/main" xmlns="" val="3406180870"/>
                     </a:ext>
                   </a:extLst>
                 </a:gridCol>
                 <a:gridCol w="5688632">
                   <a:extLst>
                     <a:ext uri="{9D8B030D-6E8A-4147-A177-3AD203B41FA5}">
-                      <a16:colId xmlns:a16="http://schemas.microsoft.com/office/drawing/2014/main" val="814245111"/>
+                      <a16:colId xmlns:a16="http://schemas.microsoft.com/office/drawing/2014/main" xmlns="" val="814245111"/>
                     </a:ext>
                   </a:extLst>
                 </a:gridCol>
@@ -6982,7 +6932,7 @@
                 </a:tc>
                 <a:extLst>
                   <a:ext uri="{0D108BD9-81ED-4DB2-BD59-A6C34878D82A}">
-                    <a16:rowId xmlns:a16="http://schemas.microsoft.com/office/drawing/2014/main" val="1900950636"/>
+                    <a16:rowId xmlns:a16="http://schemas.microsoft.com/office/drawing/2014/main" xmlns="" val="1900950636"/>
                   </a:ext>
                 </a:extLst>
               </a:tr>
@@ -7103,7 +7053,7 @@
                 </a:tc>
                 <a:extLst>
                   <a:ext uri="{0D108BD9-81ED-4DB2-BD59-A6C34878D82A}">
-                    <a16:rowId xmlns:a16="http://schemas.microsoft.com/office/drawing/2014/main" val="1976220946"/>
+                    <a16:rowId xmlns:a16="http://schemas.microsoft.com/office/drawing/2014/main" xmlns="" val="1976220946"/>
                   </a:ext>
                 </a:extLst>
               </a:tr>
@@ -7224,7 +7174,7 @@
                 </a:tc>
                 <a:extLst>
                   <a:ext uri="{0D108BD9-81ED-4DB2-BD59-A6C34878D82A}">
-                    <a16:rowId xmlns:a16="http://schemas.microsoft.com/office/drawing/2014/main" val="60521205"/>
+                    <a16:rowId xmlns:a16="http://schemas.microsoft.com/office/drawing/2014/main" xmlns="" val="60521205"/>
                   </a:ext>
                 </a:extLst>
               </a:tr>
@@ -7345,7 +7295,7 @@
                 </a:tc>
                 <a:extLst>
                   <a:ext uri="{0D108BD9-81ED-4DB2-BD59-A6C34878D82A}">
-                    <a16:rowId xmlns:a16="http://schemas.microsoft.com/office/drawing/2014/main" val="1102398876"/>
+                    <a16:rowId xmlns:a16="http://schemas.microsoft.com/office/drawing/2014/main" xmlns="" val="1102398876"/>
                   </a:ext>
                 </a:extLst>
               </a:tr>
@@ -7473,7 +7423,7 @@
                 </a:tc>
                 <a:extLst>
                   <a:ext uri="{0D108BD9-81ED-4DB2-BD59-A6C34878D82A}">
-                    <a16:rowId xmlns:a16="http://schemas.microsoft.com/office/drawing/2014/main" val="1056554043"/>
+                    <a16:rowId xmlns:a16="http://schemas.microsoft.com/office/drawing/2014/main" xmlns="" val="1056554043"/>
                   </a:ext>
                 </a:extLst>
               </a:tr>
@@ -7594,7 +7544,7 @@
                 </a:tc>
                 <a:extLst>
                   <a:ext uri="{0D108BD9-81ED-4DB2-BD59-A6C34878D82A}">
-                    <a16:rowId xmlns:a16="http://schemas.microsoft.com/office/drawing/2014/main" val="164864743"/>
+                    <a16:rowId xmlns:a16="http://schemas.microsoft.com/office/drawing/2014/main" xmlns="" val="164864743"/>
                   </a:ext>
                 </a:extLst>
               </a:tr>
@@ -7715,7 +7665,7 @@
                 </a:tc>
                 <a:extLst>
                   <a:ext uri="{0D108BD9-81ED-4DB2-BD59-A6C34878D82A}">
-                    <a16:rowId xmlns:a16="http://schemas.microsoft.com/office/drawing/2014/main" val="4288000239"/>
+                    <a16:rowId xmlns:a16="http://schemas.microsoft.com/office/drawing/2014/main" xmlns="" val="4288000239"/>
                   </a:ext>
                 </a:extLst>
               </a:tr>
@@ -7836,7 +7786,7 @@
                 </a:tc>
                 <a:extLst>
                   <a:ext uri="{0D108BD9-81ED-4DB2-BD59-A6C34878D82A}">
-                    <a16:rowId xmlns:a16="http://schemas.microsoft.com/office/drawing/2014/main" val="792765653"/>
+                    <a16:rowId xmlns:a16="http://schemas.microsoft.com/office/drawing/2014/main" xmlns="" val="792765653"/>
                   </a:ext>
                 </a:extLst>
               </a:tr>
@@ -7849,7 +7799,7 @@
           <p:cNvPr id="4" name="Picture 3">
             <a:extLst>
               <a:ext uri="{FF2B5EF4-FFF2-40B4-BE49-F238E27FC236}">
-                <a16:creationId xmlns:a16="http://schemas.microsoft.com/office/drawing/2014/main" id="{361872CA-52F5-482F-9ACC-E5430DCC16FE}"/>
+                <a16:creationId xmlns:a16="http://schemas.microsoft.com/office/drawing/2014/main" xmlns="" id="{361872CA-52F5-482F-9ACC-E5430DCC16FE}"/>
               </a:ext>
             </a:extLst>
           </p:cNvPr>
@@ -7862,7 +7812,7 @@
           <a:blip r:embed="rId2" cstate="print">
             <a:extLst>
               <a:ext uri="{28A0092B-C50C-407E-A947-70E740481C1C}">
-                <a14:useLocalDpi xmlns:a14="http://schemas.microsoft.com/office/drawing/2010/main" val="0"/>
+                <a14:useLocalDpi xmlns:a14="http://schemas.microsoft.com/office/drawing/2010/main" xmlns="" val="0"/>
               </a:ext>
             </a:extLst>
           </a:blip>
@@ -7885,7 +7835,7 @@
           <p:cNvPr id="7" name="Rectangle 6">
             <a:extLst>
               <a:ext uri="{FF2B5EF4-FFF2-40B4-BE49-F238E27FC236}">
-                <a16:creationId xmlns:a16="http://schemas.microsoft.com/office/drawing/2014/main" id="{09A4DD51-F450-4FA7-BA18-C2A26D10D72C}"/>
+                <a16:creationId xmlns:a16="http://schemas.microsoft.com/office/drawing/2014/main" xmlns="" id="{09A4DD51-F450-4FA7-BA18-C2A26D10D72C}"/>
               </a:ext>
             </a:extLst>
           </p:cNvPr>
@@ -7913,7 +7863,11 @@
             <a:pPr algn="r" fontAlgn="base"/>
             <a:r>
               <a:rPr lang="en-US" sz="3600" dirty="0" smtClean="0"/>
-              <a:t>File System </a:t>
+              <a:t>Difference between File </a:t>
+            </a:r>
+            <a:r>
+              <a:rPr lang="en-US" sz="3600" dirty="0" smtClean="0"/>
+              <a:t>System </a:t>
             </a:r>
             <a:r>
               <a:rPr lang="en-US" sz="3600" i="1" dirty="0" smtClean="0"/>
@@ -7929,7 +7883,7 @@
     </p:spTree>
     <p:extLst>
       <p:ext uri="{BB962C8B-B14F-4D97-AF65-F5344CB8AC3E}">
-        <p14:creationId xmlns:p14="http://schemas.microsoft.com/office/powerpoint/2010/main" val="3649515502"/>
+        <p14:creationId xmlns:p14="http://schemas.microsoft.com/office/powerpoint/2010/main" xmlns="" val="3649515502"/>
       </p:ext>
     </p:extLst>
   </p:cSld>
